--- a/Presentation/FirstReleaseFinal.pptx
+++ b/Presentation/FirstReleaseFinal.pptx
@@ -6,7 +6,7 @@
     <p:sldMasterId id="2147483662" r:id="rId2"/>
   </p:sldMasterIdLst>
   <p:notesMasterIdLst>
-    <p:notesMasterId r:id="rId21"/>
+    <p:notesMasterId r:id="rId15"/>
   </p:notesMasterIdLst>
   <p:sldIdLst>
     <p:sldId id="278" r:id="rId3"/>
@@ -21,12 +21,6 @@
     <p:sldId id="277" r:id="rId12"/>
     <p:sldId id="275" r:id="rId13"/>
     <p:sldId id="276" r:id="rId14"/>
-    <p:sldId id="274" r:id="rId15"/>
-    <p:sldId id="268" r:id="rId16"/>
-    <p:sldId id="269" r:id="rId17"/>
-    <p:sldId id="271" r:id="rId18"/>
-    <p:sldId id="272" r:id="rId19"/>
-    <p:sldId id="273" r:id="rId20"/>
   </p:sldIdLst>
   <p:sldSz cx="9144000" cy="6858000" type="screen4x3"/>
   <p:notesSz cx="6858000" cy="9144000"/>
@@ -249,12 +243,6 @@
             <p14:sldId id="277"/>
             <p14:sldId id="275"/>
             <p14:sldId id="276"/>
-            <p14:sldId id="274"/>
-            <p14:sldId id="268"/>
-            <p14:sldId id="269"/>
-            <p14:sldId id="271"/>
-            <p14:sldId id="272"/>
-            <p14:sldId id="273"/>
           </p14:sldIdLst>
         </p14:section>
       </p14:sectionLst>
@@ -506,11 +494,11 @@
 </file>
 
 <file path=ppt/notesSlides/notesSlide1.xml><?xml version="1.0" encoding="utf-8"?>
-<p:notes xmlns:a="http://schemas.openxmlformats.org/drawingml/2006/main" xmlns:r="http://schemas.openxmlformats.org/officeDocument/2006/relationships" xmlns:p="http://schemas.openxmlformats.org/presentationml/2006/main" showMasterSp="0" showMasterPhAnim="0">
+<p:notes xmlns:a="http://schemas.openxmlformats.org/drawingml/2006/main" xmlns:r="http://schemas.openxmlformats.org/officeDocument/2006/relationships" xmlns:p="http://schemas.openxmlformats.org/presentationml/2006/main">
   <p:cSld>
     <p:spTree>
       <p:nvGrpSpPr>
-        <p:cNvPr id="1" name="Shape 76"/>
+        <p:cNvPr id="1" name=""/>
         <p:cNvGrpSpPr/>
         <p:nvPr/>
       </p:nvGrpSpPr>
@@ -524,7 +512,72 @@
       </p:grpSpPr>
       <p:sp>
         <p:nvSpPr>
-          <p:cNvPr id="77" name="Shape 77"/>
+          <p:cNvPr id="2" name="Slide Image Placeholder 1"/>
+          <p:cNvSpPr>
+            <a:spLocks noGrp="1" noRot="1" noChangeAspect="1"/>
+          </p:cNvSpPr>
+          <p:nvPr>
+            <p:ph type="sldImg"/>
+          </p:nvPr>
+        </p:nvSpPr>
+        <p:spPr/>
+      </p:sp>
+      <p:sp>
+        <p:nvSpPr>
+          <p:cNvPr id="3" name="Notes Placeholder 2"/>
+          <p:cNvSpPr>
+            <a:spLocks noGrp="1"/>
+          </p:cNvSpPr>
+          <p:nvPr>
+            <p:ph type="body" idx="1"/>
+          </p:nvPr>
+        </p:nvSpPr>
+        <p:spPr/>
+        <p:txBody>
+          <a:bodyPr/>
+          <a:lstStyle/>
+          <a:p>
+            <a:r>
+              <a:rPr lang="en-US" smtClean="0"/>
+              <a:t>Set audio to 18%</a:t>
+            </a:r>
+            <a:endParaRPr lang="en-US"/>
+          </a:p>
+        </p:txBody>
+      </p:sp>
+    </p:spTree>
+    <p:extLst>
+      <p:ext uri="{BB962C8B-B14F-4D97-AF65-F5344CB8AC3E}">
+        <p14:creationId xmlns:p14="http://schemas.microsoft.com/office/powerpoint/2010/main" val="2323374278"/>
+      </p:ext>
+    </p:extLst>
+  </p:cSld>
+  <p:clrMapOvr>
+    <a:masterClrMapping/>
+  </p:clrMapOvr>
+</p:notes>
+</file>
+
+<file path=ppt/notesSlides/notesSlide10.xml><?xml version="1.0" encoding="utf-8"?>
+<p:notes xmlns:a="http://schemas.openxmlformats.org/drawingml/2006/main" xmlns:r="http://schemas.openxmlformats.org/officeDocument/2006/relationships" xmlns:p="http://schemas.openxmlformats.org/presentationml/2006/main" showMasterSp="0" showMasterPhAnim="0">
+  <p:cSld>
+    <p:spTree>
+      <p:nvGrpSpPr>
+        <p:cNvPr id="1" name="Shape 141"/>
+        <p:cNvGrpSpPr/>
+        <p:nvPr/>
+      </p:nvGrpSpPr>
+      <p:grpSpPr>
+        <a:xfrm>
+          <a:off x="0" y="0"/>
+          <a:ext cx="0" cy="0"/>
+          <a:chOff x="0" y="0"/>
+          <a:chExt cx="0" cy="0"/>
+        </a:xfrm>
+      </p:grpSpPr>
+      <p:sp>
+        <p:nvSpPr>
+          <p:cNvPr id="142" name="Shape 142"/>
           <p:cNvSpPr>
             <a:spLocks noGrp="1" noRot="1" noChangeAspect="1"/>
           </p:cNvSpPr>
@@ -575,7 +628,7 @@
       </p:sp>
       <p:sp>
         <p:nvSpPr>
-          <p:cNvPr id="78" name="Shape 78"/>
+          <p:cNvPr id="143" name="Shape 143"/>
           <p:cNvSpPr>
             <a:spLocks noGrp="1"/>
           </p:cNvSpPr>
@@ -602,116 +655,11 @@
           </a:bodyPr>
           <a:lstStyle/>
           <a:p>
-            <a:endParaRPr/>
-          </a:p>
-        </p:txBody>
-      </p:sp>
-    </p:spTree>
-  </p:cSld>
-  <p:clrMapOvr>
-    <a:masterClrMapping/>
-  </p:clrMapOvr>
-</p:notes>
-</file>
-
-<file path=ppt/notesSlides/notesSlide10.xml><?xml version="1.0" encoding="utf-8"?>
-<p:notes xmlns:a="http://schemas.openxmlformats.org/drawingml/2006/main" xmlns:r="http://schemas.openxmlformats.org/officeDocument/2006/relationships" xmlns:p="http://schemas.openxmlformats.org/presentationml/2006/main" showMasterSp="0" showMasterPhAnim="0">
-  <p:cSld>
-    <p:spTree>
-      <p:nvGrpSpPr>
-        <p:cNvPr id="1" name="Shape 158"/>
-        <p:cNvGrpSpPr/>
-        <p:nvPr/>
-      </p:nvGrpSpPr>
-      <p:grpSpPr>
-        <a:xfrm>
-          <a:off x="0" y="0"/>
-          <a:ext cx="0" cy="0"/>
-          <a:chOff x="0" y="0"/>
-          <a:chExt cx="0" cy="0"/>
-        </a:xfrm>
-      </p:grpSpPr>
-      <p:sp>
-        <p:nvSpPr>
-          <p:cNvPr id="159" name="Shape 159"/>
-          <p:cNvSpPr>
-            <a:spLocks noGrp="1" noRot="1" noChangeAspect="1"/>
-          </p:cNvSpPr>
-          <p:nvPr>
-            <p:ph type="sldImg" idx="2"/>
-          </p:nvPr>
-        </p:nvSpPr>
-        <p:spPr>
-          <a:xfrm>
-            <a:off x="1143000" y="685800"/>
-            <a:ext cx="4572000" cy="3429000"/>
-          </a:xfrm>
-          <a:custGeom>
-            <a:avLst/>
-            <a:gdLst/>
-            <a:ahLst/>
-            <a:cxnLst/>
-            <a:rect l="0" t="0" r="0" b="0"/>
-            <a:pathLst>
-              <a:path w="120000" h="120000" extrusionOk="0">
-                <a:moveTo>
-                  <a:pt x="0" y="0"/>
-                </a:moveTo>
-                <a:lnTo>
-                  <a:pt x="120000" y="0"/>
-                </a:lnTo>
-                <a:lnTo>
-                  <a:pt x="120000" y="120000"/>
-                </a:lnTo>
-                <a:lnTo>
-                  <a:pt x="0" y="120000"/>
-                </a:lnTo>
-                <a:close/>
-              </a:path>
-            </a:pathLst>
-          </a:custGeom>
-          <a:noFill/>
-          <a:ln w="9525" cap="flat">
-            <a:solidFill>
-              <a:srgbClr val="000000"/>
-            </a:solidFill>
-            <a:prstDash val="solid"/>
-            <a:round/>
-            <a:headEnd type="none" w="sm" len="sm"/>
-            <a:tailEnd type="none" w="sm" len="sm"/>
-          </a:ln>
-        </p:spPr>
-      </p:sp>
-      <p:sp>
-        <p:nvSpPr>
-          <p:cNvPr id="160" name="Shape 160"/>
-          <p:cNvSpPr>
-            <a:spLocks noGrp="1"/>
-          </p:cNvSpPr>
-          <p:nvPr>
-            <p:ph type="body" idx="1"/>
-          </p:nvPr>
-        </p:nvSpPr>
-        <p:spPr>
-          <a:xfrm>
-            <a:off x="685800" y="4343400"/>
-            <a:ext cx="5486399" cy="4114800"/>
-          </a:xfrm>
-          <a:prstGeom prst="rect">
-            <a:avLst/>
-          </a:prstGeom>
-          <a:noFill/>
-          <a:ln>
-            <a:noFill/>
-          </a:ln>
-        </p:spPr>
-        <p:txBody>
-          <a:bodyPr lIns="91425" tIns="91425" rIns="91425" bIns="91425" anchor="t" anchorCtr="0">
-            <a:spAutoFit/>
-          </a:bodyPr>
-          <a:lstStyle/>
-          <a:p>
-            <a:endParaRPr/>
+            <a:pPr lvl="0"/>
+            <a:r>
+              <a:rPr/>
+              <a:t>This slide sums up the Multiplayer slides and we may even be able to add stuff from </a:t>
+            </a:r>
           </a:p>
         </p:txBody>
       </p:sp>
@@ -837,7 +785,7 @@
   <p:cSld>
     <p:spTree>
       <p:nvGrpSpPr>
-        <p:cNvPr id="1" name="Shape 182"/>
+        <p:cNvPr id="1" name="Shape 158"/>
         <p:cNvGrpSpPr/>
         <p:nvPr/>
       </p:nvGrpSpPr>
@@ -851,7 +799,7 @@
       </p:grpSpPr>
       <p:sp>
         <p:nvSpPr>
-          <p:cNvPr id="183" name="Shape 183"/>
+          <p:cNvPr id="159" name="Shape 159"/>
           <p:cNvSpPr>
             <a:spLocks noGrp="1" noRot="1" noChangeAspect="1"/>
           </p:cNvSpPr>
@@ -902,7 +850,7 @@
       </p:sp>
       <p:sp>
         <p:nvSpPr>
-          <p:cNvPr id="184" name="Shape 184"/>
+          <p:cNvPr id="160" name="Shape 160"/>
           <p:cNvSpPr>
             <a:spLocks noGrp="1"/>
           </p:cNvSpPr>
@@ -929,11 +877,7 @@
           </a:bodyPr>
           <a:lstStyle/>
           <a:p>
-            <a:pPr lvl="0"/>
-            <a:r>
-              <a:rPr/>
-              <a:t>We may be able to eliminate this slide, or drastically reduce it if time is really short.</a:t>
-            </a:r>
+            <a:endParaRPr/>
           </a:p>
         </p:txBody>
       </p:sp>
@@ -945,12 +889,12 @@
 </p:notes>
 </file>
 
-<file path=ppt/notesSlides/notesSlide13.xml><?xml version="1.0" encoding="utf-8"?>
+<file path=ppt/notesSlides/notesSlide2.xml><?xml version="1.0" encoding="utf-8"?>
 <p:notes xmlns:a="http://schemas.openxmlformats.org/drawingml/2006/main" xmlns:r="http://schemas.openxmlformats.org/officeDocument/2006/relationships" xmlns:p="http://schemas.openxmlformats.org/presentationml/2006/main" showMasterSp="0" showMasterPhAnim="0">
   <p:cSld>
     <p:spTree>
       <p:nvGrpSpPr>
-        <p:cNvPr id="1" name="Shape 147"/>
+        <p:cNvPr id="1" name="Shape 76"/>
         <p:cNvGrpSpPr/>
         <p:nvPr/>
       </p:nvGrpSpPr>
@@ -964,7 +908,7 @@
       </p:grpSpPr>
       <p:sp>
         <p:nvSpPr>
-          <p:cNvPr id="148" name="Shape 148"/>
+          <p:cNvPr id="77" name="Shape 77"/>
           <p:cNvSpPr>
             <a:spLocks noGrp="1" noRot="1" noChangeAspect="1"/>
           </p:cNvSpPr>
@@ -1015,7 +959,7 @@
       </p:sp>
       <p:sp>
         <p:nvSpPr>
-          <p:cNvPr id="149" name="Shape 149"/>
+          <p:cNvPr id="78" name="Shape 78"/>
           <p:cNvSpPr>
             <a:spLocks noGrp="1"/>
           </p:cNvSpPr>
@@ -1042,10 +986,7 @@
           </a:bodyPr>
           <a:lstStyle/>
           <a:p>
-            <a:r>
-              <a:rPr/>
-              <a:t>Needs deleted after downloading to PowerPoint</a:t>
-            </a:r>
+            <a:endParaRPr/>
           </a:p>
         </p:txBody>
       </p:sp>
@@ -1057,457 +998,7 @@
 </p:notes>
 </file>
 
-<file path=ppt/notesSlides/notesSlide14.xml><?xml version="1.0" encoding="utf-8"?>
-<p:notes xmlns:a="http://schemas.openxmlformats.org/drawingml/2006/main" xmlns:r="http://schemas.openxmlformats.org/officeDocument/2006/relationships" xmlns:p="http://schemas.openxmlformats.org/presentationml/2006/main" showMasterSp="0" showMasterPhAnim="0">
-  <p:cSld>
-    <p:spTree>
-      <p:nvGrpSpPr>
-        <p:cNvPr id="1" name="Shape 153"/>
-        <p:cNvGrpSpPr/>
-        <p:nvPr/>
-      </p:nvGrpSpPr>
-      <p:grpSpPr>
-        <a:xfrm>
-          <a:off x="0" y="0"/>
-          <a:ext cx="0" cy="0"/>
-          <a:chOff x="0" y="0"/>
-          <a:chExt cx="0" cy="0"/>
-        </a:xfrm>
-      </p:grpSpPr>
-      <p:sp>
-        <p:nvSpPr>
-          <p:cNvPr id="154" name="Shape 154"/>
-          <p:cNvSpPr>
-            <a:spLocks noGrp="1" noRot="1" noChangeAspect="1"/>
-          </p:cNvSpPr>
-          <p:nvPr>
-            <p:ph type="sldImg" idx="2"/>
-          </p:nvPr>
-        </p:nvSpPr>
-        <p:spPr>
-          <a:xfrm>
-            <a:off x="1143000" y="685800"/>
-            <a:ext cx="4572000" cy="3429000"/>
-          </a:xfrm>
-          <a:custGeom>
-            <a:avLst/>
-            <a:gdLst/>
-            <a:ahLst/>
-            <a:cxnLst/>
-            <a:rect l="0" t="0" r="0" b="0"/>
-            <a:pathLst>
-              <a:path w="120000" h="120000" extrusionOk="0">
-                <a:moveTo>
-                  <a:pt x="0" y="0"/>
-                </a:moveTo>
-                <a:lnTo>
-                  <a:pt x="120000" y="0"/>
-                </a:lnTo>
-                <a:lnTo>
-                  <a:pt x="120000" y="120000"/>
-                </a:lnTo>
-                <a:lnTo>
-                  <a:pt x="0" y="120000"/>
-                </a:lnTo>
-                <a:close/>
-              </a:path>
-            </a:pathLst>
-          </a:custGeom>
-          <a:noFill/>
-          <a:ln w="9525" cap="flat">
-            <a:solidFill>
-              <a:srgbClr val="000000"/>
-            </a:solidFill>
-            <a:prstDash val="solid"/>
-            <a:round/>
-            <a:headEnd type="none" w="sm" len="sm"/>
-            <a:tailEnd type="none" w="sm" len="sm"/>
-          </a:ln>
-        </p:spPr>
-      </p:sp>
-      <p:sp>
-        <p:nvSpPr>
-          <p:cNvPr id="155" name="Shape 155"/>
-          <p:cNvSpPr>
-            <a:spLocks noGrp="1"/>
-          </p:cNvSpPr>
-          <p:nvPr>
-            <p:ph type="body" idx="1"/>
-          </p:nvPr>
-        </p:nvSpPr>
-        <p:spPr>
-          <a:xfrm>
-            <a:off x="685800" y="4343400"/>
-            <a:ext cx="5486399" cy="4114800"/>
-          </a:xfrm>
-          <a:prstGeom prst="rect">
-            <a:avLst/>
-          </a:prstGeom>
-          <a:noFill/>
-          <a:ln>
-            <a:noFill/>
-          </a:ln>
-        </p:spPr>
-        <p:txBody>
-          <a:bodyPr lIns="91425" tIns="91425" rIns="91425" bIns="91425" anchor="t" anchorCtr="0">
-            <a:spAutoFit/>
-          </a:bodyPr>
-          <a:lstStyle/>
-          <a:p>
-            <a:r>
-              <a:rPr/>
-              <a:t>Needs deleted after downloading to PowerPoint</a:t>
-            </a:r>
-          </a:p>
-        </p:txBody>
-      </p:sp>
-    </p:spTree>
-  </p:cSld>
-  <p:clrMapOvr>
-    <a:masterClrMapping/>
-  </p:clrMapOvr>
-</p:notes>
-</file>
-
-<file path=ppt/notesSlides/notesSlide15.xml><?xml version="1.0" encoding="utf-8"?>
-<p:notes xmlns:a="http://schemas.openxmlformats.org/drawingml/2006/main" xmlns:r="http://schemas.openxmlformats.org/officeDocument/2006/relationships" xmlns:p="http://schemas.openxmlformats.org/presentationml/2006/main" showMasterSp="0" showMasterPhAnim="0">
-  <p:cSld>
-    <p:spTree>
-      <p:nvGrpSpPr>
-        <p:cNvPr id="1" name="Shape 164"/>
-        <p:cNvGrpSpPr/>
-        <p:nvPr/>
-      </p:nvGrpSpPr>
-      <p:grpSpPr>
-        <a:xfrm>
-          <a:off x="0" y="0"/>
-          <a:ext cx="0" cy="0"/>
-          <a:chOff x="0" y="0"/>
-          <a:chExt cx="0" cy="0"/>
-        </a:xfrm>
-      </p:grpSpPr>
-      <p:sp>
-        <p:nvSpPr>
-          <p:cNvPr id="165" name="Shape 165"/>
-          <p:cNvSpPr>
-            <a:spLocks noGrp="1" noRot="1" noChangeAspect="1"/>
-          </p:cNvSpPr>
-          <p:nvPr>
-            <p:ph type="sldImg" idx="2"/>
-          </p:nvPr>
-        </p:nvSpPr>
-        <p:spPr>
-          <a:xfrm>
-            <a:off x="1143000" y="685800"/>
-            <a:ext cx="4572000" cy="3429000"/>
-          </a:xfrm>
-          <a:custGeom>
-            <a:avLst/>
-            <a:gdLst/>
-            <a:ahLst/>
-            <a:cxnLst/>
-            <a:rect l="0" t="0" r="0" b="0"/>
-            <a:pathLst>
-              <a:path w="120000" h="120000" extrusionOk="0">
-                <a:moveTo>
-                  <a:pt x="0" y="0"/>
-                </a:moveTo>
-                <a:lnTo>
-                  <a:pt x="120000" y="0"/>
-                </a:lnTo>
-                <a:lnTo>
-                  <a:pt x="120000" y="120000"/>
-                </a:lnTo>
-                <a:lnTo>
-                  <a:pt x="0" y="120000"/>
-                </a:lnTo>
-                <a:close/>
-              </a:path>
-            </a:pathLst>
-          </a:custGeom>
-          <a:noFill/>
-          <a:ln w="9525" cap="flat">
-            <a:solidFill>
-              <a:srgbClr val="000000"/>
-            </a:solidFill>
-            <a:prstDash val="solid"/>
-            <a:round/>
-            <a:headEnd type="none" w="sm" len="sm"/>
-            <a:tailEnd type="none" w="sm" len="sm"/>
-          </a:ln>
-        </p:spPr>
-      </p:sp>
-      <p:sp>
-        <p:nvSpPr>
-          <p:cNvPr id="166" name="Shape 166"/>
-          <p:cNvSpPr>
-            <a:spLocks noGrp="1"/>
-          </p:cNvSpPr>
-          <p:nvPr>
-            <p:ph type="body" idx="1"/>
-          </p:nvPr>
-        </p:nvSpPr>
-        <p:spPr>
-          <a:xfrm>
-            <a:off x="685800" y="4343400"/>
-            <a:ext cx="5486399" cy="4114800"/>
-          </a:xfrm>
-          <a:prstGeom prst="rect">
-            <a:avLst/>
-          </a:prstGeom>
-          <a:noFill/>
-          <a:ln>
-            <a:noFill/>
-          </a:ln>
-        </p:spPr>
-        <p:txBody>
-          <a:bodyPr lIns="91425" tIns="91425" rIns="91425" bIns="91425" anchor="t" anchorCtr="0">
-            <a:spAutoFit/>
-          </a:bodyPr>
-          <a:lstStyle/>
-          <a:p>
-            <a:r>
-              <a:rPr/>
-              <a:t>Slides 15 - 17 can mostly be replaced by a UML diagram</a:t>
-            </a:r>
-          </a:p>
-        </p:txBody>
-      </p:sp>
-    </p:spTree>
-  </p:cSld>
-  <p:clrMapOvr>
-    <a:masterClrMapping/>
-  </p:clrMapOvr>
-</p:notes>
-</file>
-
-<file path=ppt/notesSlides/notesSlide16.xml><?xml version="1.0" encoding="utf-8"?>
-<p:notes xmlns:a="http://schemas.openxmlformats.org/drawingml/2006/main" xmlns:r="http://schemas.openxmlformats.org/officeDocument/2006/relationships" xmlns:p="http://schemas.openxmlformats.org/presentationml/2006/main" showMasterSp="0" showMasterPhAnim="0">
-  <p:cSld>
-    <p:spTree>
-      <p:nvGrpSpPr>
-        <p:cNvPr id="1" name="Shape 170"/>
-        <p:cNvGrpSpPr/>
-        <p:nvPr/>
-      </p:nvGrpSpPr>
-      <p:grpSpPr>
-        <a:xfrm>
-          <a:off x="0" y="0"/>
-          <a:ext cx="0" cy="0"/>
-          <a:chOff x="0" y="0"/>
-          <a:chExt cx="0" cy="0"/>
-        </a:xfrm>
-      </p:grpSpPr>
-      <p:sp>
-        <p:nvSpPr>
-          <p:cNvPr id="171" name="Shape 171"/>
-          <p:cNvSpPr>
-            <a:spLocks noGrp="1" noRot="1" noChangeAspect="1"/>
-          </p:cNvSpPr>
-          <p:nvPr>
-            <p:ph type="sldImg" idx="2"/>
-          </p:nvPr>
-        </p:nvSpPr>
-        <p:spPr>
-          <a:xfrm>
-            <a:off x="1143000" y="685800"/>
-            <a:ext cx="4572000" cy="3429000"/>
-          </a:xfrm>
-          <a:custGeom>
-            <a:avLst/>
-            <a:gdLst/>
-            <a:ahLst/>
-            <a:cxnLst/>
-            <a:rect l="0" t="0" r="0" b="0"/>
-            <a:pathLst>
-              <a:path w="120000" h="120000" extrusionOk="0">
-                <a:moveTo>
-                  <a:pt x="0" y="0"/>
-                </a:moveTo>
-                <a:lnTo>
-                  <a:pt x="120000" y="0"/>
-                </a:lnTo>
-                <a:lnTo>
-                  <a:pt x="120000" y="120000"/>
-                </a:lnTo>
-                <a:lnTo>
-                  <a:pt x="0" y="120000"/>
-                </a:lnTo>
-                <a:close/>
-              </a:path>
-            </a:pathLst>
-          </a:custGeom>
-          <a:noFill/>
-          <a:ln w="9525" cap="flat">
-            <a:solidFill>
-              <a:srgbClr val="000000"/>
-            </a:solidFill>
-            <a:prstDash val="solid"/>
-            <a:round/>
-            <a:headEnd type="none" w="sm" len="sm"/>
-            <a:tailEnd type="none" w="sm" len="sm"/>
-          </a:ln>
-        </p:spPr>
-      </p:sp>
-      <p:sp>
-        <p:nvSpPr>
-          <p:cNvPr id="172" name="Shape 172"/>
-          <p:cNvSpPr>
-            <a:spLocks noGrp="1"/>
-          </p:cNvSpPr>
-          <p:nvPr>
-            <p:ph type="body" idx="1"/>
-          </p:nvPr>
-        </p:nvSpPr>
-        <p:spPr>
-          <a:xfrm>
-            <a:off x="685800" y="4343400"/>
-            <a:ext cx="5486399" cy="4114800"/>
-          </a:xfrm>
-          <a:prstGeom prst="rect">
-            <a:avLst/>
-          </a:prstGeom>
-          <a:noFill/>
-          <a:ln>
-            <a:noFill/>
-          </a:ln>
-        </p:spPr>
-        <p:txBody>
-          <a:bodyPr lIns="91425" tIns="91425" rIns="91425" bIns="91425" anchor="t" anchorCtr="0">
-            <a:spAutoFit/>
-          </a:bodyPr>
-          <a:lstStyle/>
-          <a:p>
-            <a:pPr lvl="0" rtl="0"/>
-            <a:r>
-              <a:rPr/>
-              <a:t>Slides 15 - 17 can mostly be replaced by a UML diagram</a:t>
-            </a:r>
-          </a:p>
-        </p:txBody>
-      </p:sp>
-    </p:spTree>
-  </p:cSld>
-  <p:clrMapOvr>
-    <a:masterClrMapping/>
-  </p:clrMapOvr>
-</p:notes>
-</file>
-
-<file path=ppt/notesSlides/notesSlide17.xml><?xml version="1.0" encoding="utf-8"?>
-<p:notes xmlns:a="http://schemas.openxmlformats.org/drawingml/2006/main" xmlns:r="http://schemas.openxmlformats.org/officeDocument/2006/relationships" xmlns:p="http://schemas.openxmlformats.org/presentationml/2006/main" showMasterSp="0" showMasterPhAnim="0">
-  <p:cSld>
-    <p:spTree>
-      <p:nvGrpSpPr>
-        <p:cNvPr id="1" name="Shape 176"/>
-        <p:cNvGrpSpPr/>
-        <p:nvPr/>
-      </p:nvGrpSpPr>
-      <p:grpSpPr>
-        <a:xfrm>
-          <a:off x="0" y="0"/>
-          <a:ext cx="0" cy="0"/>
-          <a:chOff x="0" y="0"/>
-          <a:chExt cx="0" cy="0"/>
-        </a:xfrm>
-      </p:grpSpPr>
-      <p:sp>
-        <p:nvSpPr>
-          <p:cNvPr id="177" name="Shape 177"/>
-          <p:cNvSpPr>
-            <a:spLocks noGrp="1" noRot="1" noChangeAspect="1"/>
-          </p:cNvSpPr>
-          <p:nvPr>
-            <p:ph type="sldImg" idx="2"/>
-          </p:nvPr>
-        </p:nvSpPr>
-        <p:spPr>
-          <a:xfrm>
-            <a:off x="1143000" y="685800"/>
-            <a:ext cx="4572000" cy="3429000"/>
-          </a:xfrm>
-          <a:custGeom>
-            <a:avLst/>
-            <a:gdLst/>
-            <a:ahLst/>
-            <a:cxnLst/>
-            <a:rect l="0" t="0" r="0" b="0"/>
-            <a:pathLst>
-              <a:path w="120000" h="120000" extrusionOk="0">
-                <a:moveTo>
-                  <a:pt x="0" y="0"/>
-                </a:moveTo>
-                <a:lnTo>
-                  <a:pt x="120000" y="0"/>
-                </a:lnTo>
-                <a:lnTo>
-                  <a:pt x="120000" y="120000"/>
-                </a:lnTo>
-                <a:lnTo>
-                  <a:pt x="0" y="120000"/>
-                </a:lnTo>
-                <a:close/>
-              </a:path>
-            </a:pathLst>
-          </a:custGeom>
-          <a:noFill/>
-          <a:ln w="9525" cap="flat">
-            <a:solidFill>
-              <a:srgbClr val="000000"/>
-            </a:solidFill>
-            <a:prstDash val="solid"/>
-            <a:round/>
-            <a:headEnd type="none" w="sm" len="sm"/>
-            <a:tailEnd type="none" w="sm" len="sm"/>
-          </a:ln>
-        </p:spPr>
-      </p:sp>
-      <p:sp>
-        <p:nvSpPr>
-          <p:cNvPr id="178" name="Shape 178"/>
-          <p:cNvSpPr>
-            <a:spLocks noGrp="1"/>
-          </p:cNvSpPr>
-          <p:nvPr>
-            <p:ph type="body" idx="1"/>
-          </p:nvPr>
-        </p:nvSpPr>
-        <p:spPr>
-          <a:xfrm>
-            <a:off x="685800" y="4343400"/>
-            <a:ext cx="5486399" cy="4114800"/>
-          </a:xfrm>
-          <a:prstGeom prst="rect">
-            <a:avLst/>
-          </a:prstGeom>
-          <a:noFill/>
-          <a:ln>
-            <a:noFill/>
-          </a:ln>
-        </p:spPr>
-        <p:txBody>
-          <a:bodyPr lIns="91425" tIns="91425" rIns="91425" bIns="91425" anchor="t" anchorCtr="0">
-            <a:spAutoFit/>
-          </a:bodyPr>
-          <a:lstStyle/>
-          <a:p>
-            <a:pPr lvl="0" rtl="0"/>
-            <a:r>
-              <a:rPr dirty="0"/>
-              <a:t>Slides 15 - 17 can mostly be replaced by a UML diagram</a:t>
-            </a:r>
-          </a:p>
-        </p:txBody>
-      </p:sp>
-    </p:spTree>
-  </p:cSld>
-  <p:clrMapOvr>
-    <a:masterClrMapping/>
-  </p:clrMapOvr>
-</p:notes>
-</file>
-
-<file path=ppt/notesSlides/notesSlide2.xml><?xml version="1.0" encoding="utf-8"?>
+<file path=ppt/notesSlides/notesSlide3.xml><?xml version="1.0" encoding="utf-8"?>
 <p:notes xmlns:a="http://schemas.openxmlformats.org/drawingml/2006/main" xmlns:r="http://schemas.openxmlformats.org/officeDocument/2006/relationships" xmlns:p="http://schemas.openxmlformats.org/presentationml/2006/main" showMasterSp="0" showMasterPhAnim="0">
   <p:cSld>
     <p:spTree>
@@ -1620,7 +1111,7 @@
 </p:notes>
 </file>
 
-<file path=ppt/notesSlides/notesSlide3.xml><?xml version="1.0" encoding="utf-8"?>
+<file path=ppt/notesSlides/notesSlide4.xml><?xml version="1.0" encoding="utf-8"?>
 <p:notes xmlns:a="http://schemas.openxmlformats.org/drawingml/2006/main" xmlns:r="http://schemas.openxmlformats.org/officeDocument/2006/relationships" xmlns:p="http://schemas.openxmlformats.org/presentationml/2006/main" showMasterSp="0" showMasterPhAnim="0">
   <p:cSld>
     <p:spTree>
@@ -1729,7 +1220,7 @@
 </p:notes>
 </file>
 
-<file path=ppt/notesSlides/notesSlide4.xml><?xml version="1.0" encoding="utf-8"?>
+<file path=ppt/notesSlides/notesSlide5.xml><?xml version="1.0" encoding="utf-8"?>
 <p:notes xmlns:a="http://schemas.openxmlformats.org/drawingml/2006/main" xmlns:r="http://schemas.openxmlformats.org/officeDocument/2006/relationships" xmlns:p="http://schemas.openxmlformats.org/presentationml/2006/main" showMasterSp="0" showMasterPhAnim="0">
   <p:cSld>
     <p:spTree>
@@ -1841,7 +1332,7 @@
 </p:notes>
 </file>
 
-<file path=ppt/notesSlides/notesSlide5.xml><?xml version="1.0" encoding="utf-8"?>
+<file path=ppt/notesSlides/notesSlide6.xml><?xml version="1.0" encoding="utf-8"?>
 <p:notes xmlns:a="http://schemas.openxmlformats.org/drawingml/2006/main" xmlns:r="http://schemas.openxmlformats.org/officeDocument/2006/relationships" xmlns:p="http://schemas.openxmlformats.org/presentationml/2006/main" showMasterSp="0" showMasterPhAnim="0">
   <p:cSld>
     <p:spTree>
@@ -1950,7 +1441,7 @@
 </p:notes>
 </file>
 
-<file path=ppt/notesSlides/notesSlide6.xml><?xml version="1.0" encoding="utf-8"?>
+<file path=ppt/notesSlides/notesSlide7.xml><?xml version="1.0" encoding="utf-8"?>
 <p:notes xmlns:a="http://schemas.openxmlformats.org/drawingml/2006/main" xmlns:r="http://schemas.openxmlformats.org/officeDocument/2006/relationships" xmlns:p="http://schemas.openxmlformats.org/presentationml/2006/main" showMasterSp="0" showMasterPhAnim="0">
   <p:cSld>
     <p:spTree>
@@ -2059,7 +1550,7 @@
 </p:notes>
 </file>
 
-<file path=ppt/notesSlides/notesSlide7.xml><?xml version="1.0" encoding="utf-8"?>
+<file path=ppt/notesSlides/notesSlide8.xml><?xml version="1.0" encoding="utf-8"?>
 <p:notes xmlns:a="http://schemas.openxmlformats.org/drawingml/2006/main" xmlns:r="http://schemas.openxmlformats.org/officeDocument/2006/relationships" xmlns:p="http://schemas.openxmlformats.org/presentationml/2006/main" showMasterSp="0" showMasterPhAnim="0">
   <p:cSld>
     <p:spTree>
@@ -2157,119 +1648,6 @@
           <a:lstStyle/>
           <a:p>
             <a:endParaRPr/>
-          </a:p>
-        </p:txBody>
-      </p:sp>
-    </p:spTree>
-  </p:cSld>
-  <p:clrMapOvr>
-    <a:masterClrMapping/>
-  </p:clrMapOvr>
-</p:notes>
-</file>
-
-<file path=ppt/notesSlides/notesSlide8.xml><?xml version="1.0" encoding="utf-8"?>
-<p:notes xmlns:a="http://schemas.openxmlformats.org/drawingml/2006/main" xmlns:r="http://schemas.openxmlformats.org/officeDocument/2006/relationships" xmlns:p="http://schemas.openxmlformats.org/presentationml/2006/main" showMasterSp="0" showMasterPhAnim="0">
-  <p:cSld>
-    <p:spTree>
-      <p:nvGrpSpPr>
-        <p:cNvPr id="1" name="Shape 141"/>
-        <p:cNvGrpSpPr/>
-        <p:nvPr/>
-      </p:nvGrpSpPr>
-      <p:grpSpPr>
-        <a:xfrm>
-          <a:off x="0" y="0"/>
-          <a:ext cx="0" cy="0"/>
-          <a:chOff x="0" y="0"/>
-          <a:chExt cx="0" cy="0"/>
-        </a:xfrm>
-      </p:grpSpPr>
-      <p:sp>
-        <p:nvSpPr>
-          <p:cNvPr id="142" name="Shape 142"/>
-          <p:cNvSpPr>
-            <a:spLocks noGrp="1" noRot="1" noChangeAspect="1"/>
-          </p:cNvSpPr>
-          <p:nvPr>
-            <p:ph type="sldImg" idx="2"/>
-          </p:nvPr>
-        </p:nvSpPr>
-        <p:spPr>
-          <a:xfrm>
-            <a:off x="1143000" y="685800"/>
-            <a:ext cx="4572000" cy="3429000"/>
-          </a:xfrm>
-          <a:custGeom>
-            <a:avLst/>
-            <a:gdLst/>
-            <a:ahLst/>
-            <a:cxnLst/>
-            <a:rect l="0" t="0" r="0" b="0"/>
-            <a:pathLst>
-              <a:path w="120000" h="120000" extrusionOk="0">
-                <a:moveTo>
-                  <a:pt x="0" y="0"/>
-                </a:moveTo>
-                <a:lnTo>
-                  <a:pt x="120000" y="0"/>
-                </a:lnTo>
-                <a:lnTo>
-                  <a:pt x="120000" y="120000"/>
-                </a:lnTo>
-                <a:lnTo>
-                  <a:pt x="0" y="120000"/>
-                </a:lnTo>
-                <a:close/>
-              </a:path>
-            </a:pathLst>
-          </a:custGeom>
-          <a:noFill/>
-          <a:ln w="9525" cap="flat">
-            <a:solidFill>
-              <a:srgbClr val="000000"/>
-            </a:solidFill>
-            <a:prstDash val="solid"/>
-            <a:round/>
-            <a:headEnd type="none" w="sm" len="sm"/>
-            <a:tailEnd type="none" w="sm" len="sm"/>
-          </a:ln>
-        </p:spPr>
-      </p:sp>
-      <p:sp>
-        <p:nvSpPr>
-          <p:cNvPr id="143" name="Shape 143"/>
-          <p:cNvSpPr>
-            <a:spLocks noGrp="1"/>
-          </p:cNvSpPr>
-          <p:nvPr>
-            <p:ph type="body" idx="1"/>
-          </p:nvPr>
-        </p:nvSpPr>
-        <p:spPr>
-          <a:xfrm>
-            <a:off x="685800" y="4343400"/>
-            <a:ext cx="5486399" cy="4114800"/>
-          </a:xfrm>
-          <a:prstGeom prst="rect">
-            <a:avLst/>
-          </a:prstGeom>
-          <a:noFill/>
-          <a:ln>
-            <a:noFill/>
-          </a:ln>
-        </p:spPr>
-        <p:txBody>
-          <a:bodyPr lIns="91425" tIns="91425" rIns="91425" bIns="91425" anchor="t" anchorCtr="0">
-            <a:spAutoFit/>
-          </a:bodyPr>
-          <a:lstStyle/>
-          <a:p>
-            <a:pPr lvl="0"/>
-            <a:r>
-              <a:rPr/>
-              <a:t>This slide sums up the Multiplayer slides and we may even be able to add stuff from </a:t>
-            </a:r>
           </a:p>
         </p:txBody>
       </p:sp>
@@ -2894,13 +2272,13 @@
   <p:clrMapOvr>
     <a:masterClrMapping/>
   </p:clrMapOvr>
-  <mc:AlternateContent xmlns:mc="http://schemas.openxmlformats.org/markup-compatibility/2006">
-    <mc:Choice xmlns:p14="http://schemas.microsoft.com/office/powerpoint/2010/main" Requires="p14">
+  <mc:AlternateContent xmlns:mc="http://schemas.openxmlformats.org/markup-compatibility/2006" xmlns:p14="http://schemas.microsoft.com/office/powerpoint/2010/main">
+    <mc:Choice Requires="p14">
       <p:transition spd="slow">
         <p14:vortex dir="u"/>
       </p:transition>
     </mc:Choice>
-    <mc:Fallback>
+    <mc:Fallback xmlns="">
       <p:transition spd="slow">
         <p:fade/>
       </p:transition>
@@ -3510,13 +2888,13 @@
   <p:clrMapOvr>
     <a:masterClrMapping/>
   </p:clrMapOvr>
-  <mc:AlternateContent xmlns:mc="http://schemas.openxmlformats.org/markup-compatibility/2006">
-    <mc:Choice xmlns:p14="http://schemas.microsoft.com/office/powerpoint/2010/main" Requires="p14">
+  <mc:AlternateContent xmlns:mc="http://schemas.openxmlformats.org/markup-compatibility/2006" xmlns:p14="http://schemas.microsoft.com/office/powerpoint/2010/main">
+    <mc:Choice Requires="p14">
       <p:transition spd="slow">
         <p14:vortex dir="u"/>
       </p:transition>
     </mc:Choice>
-    <mc:Fallback>
+    <mc:Fallback xmlns="">
       <p:transition spd="slow">
         <p:fade/>
       </p:transition>
@@ -4240,13 +3618,13 @@
   <p:clrMapOvr>
     <a:masterClrMapping/>
   </p:clrMapOvr>
-  <mc:AlternateContent xmlns:mc="http://schemas.openxmlformats.org/markup-compatibility/2006">
-    <mc:Choice xmlns:p14="http://schemas.microsoft.com/office/powerpoint/2010/main" Requires="p14">
+  <mc:AlternateContent xmlns:mc="http://schemas.openxmlformats.org/markup-compatibility/2006" xmlns:p14="http://schemas.microsoft.com/office/powerpoint/2010/main">
+    <mc:Choice Requires="p14">
       <p:transition spd="slow">
         <p14:vortex dir="u"/>
       </p:transition>
     </mc:Choice>
-    <mc:Fallback>
+    <mc:Fallback xmlns="">
       <p:transition spd="slow">
         <p:fade/>
       </p:transition>
@@ -4499,13 +3877,13 @@
   <p:clrMapOvr>
     <a:masterClrMapping/>
   </p:clrMapOvr>
-  <mc:AlternateContent xmlns:mc="http://schemas.openxmlformats.org/markup-compatibility/2006">
-    <mc:Choice xmlns:p14="http://schemas.microsoft.com/office/powerpoint/2010/main" Requires="p14">
+  <mc:AlternateContent xmlns:mc="http://schemas.openxmlformats.org/markup-compatibility/2006" xmlns:p14="http://schemas.microsoft.com/office/powerpoint/2010/main">
+    <mc:Choice Requires="p14">
       <p:transition spd="slow">
         <p14:vortex dir="u"/>
       </p:transition>
     </mc:Choice>
-    <mc:Fallback>
+    <mc:Fallback xmlns="">
       <p:transition spd="slow">
         <p:fade/>
       </p:transition>
@@ -4780,13 +4158,13 @@
   <p:clrMapOvr>
     <a:masterClrMapping/>
   </p:clrMapOvr>
-  <mc:AlternateContent xmlns:mc="http://schemas.openxmlformats.org/markup-compatibility/2006">
-    <mc:Choice xmlns:p14="http://schemas.microsoft.com/office/powerpoint/2010/main" Requires="p14">
+  <mc:AlternateContent xmlns:mc="http://schemas.openxmlformats.org/markup-compatibility/2006" xmlns:p14="http://schemas.microsoft.com/office/powerpoint/2010/main">
+    <mc:Choice Requires="p14">
       <p:transition spd="slow">
         <p14:vortex dir="u"/>
       </p:transition>
     </mc:Choice>
-    <mc:Fallback>
+    <mc:Fallback xmlns="">
       <p:transition spd="slow">
         <p:fade/>
       </p:transition>
@@ -5120,13 +4498,13 @@
   <p:clrMapOvr>
     <a:masterClrMapping/>
   </p:clrMapOvr>
-  <mc:AlternateContent xmlns:mc="http://schemas.openxmlformats.org/markup-compatibility/2006">
-    <mc:Choice xmlns:p14="http://schemas.microsoft.com/office/powerpoint/2010/main" Requires="p14">
+  <mc:AlternateContent xmlns:mc="http://schemas.openxmlformats.org/markup-compatibility/2006" xmlns:p14="http://schemas.microsoft.com/office/powerpoint/2010/main">
+    <mc:Choice Requires="p14">
       <p:transition spd="slow">
         <p14:vortex dir="u"/>
       </p:transition>
     </mc:Choice>
-    <mc:Fallback>
+    <mc:Fallback xmlns="">
       <p:transition spd="slow">
         <p:fade/>
       </p:transition>
@@ -5342,13 +4720,13 @@
   <p:clrMapOvr>
     <a:masterClrMapping/>
   </p:clrMapOvr>
-  <mc:AlternateContent xmlns:mc="http://schemas.openxmlformats.org/markup-compatibility/2006">
-    <mc:Choice xmlns:p14="http://schemas.microsoft.com/office/powerpoint/2010/main" Requires="p14">
+  <mc:AlternateContent xmlns:mc="http://schemas.openxmlformats.org/markup-compatibility/2006" xmlns:p14="http://schemas.microsoft.com/office/powerpoint/2010/main">
+    <mc:Choice Requires="p14">
       <p:transition spd="slow">
         <p14:vortex dir="u"/>
       </p:transition>
     </mc:Choice>
-    <mc:Fallback>
+    <mc:Fallback xmlns="">
       <p:transition spd="slow">
         <p:fade/>
       </p:transition>
@@ -5609,13 +4987,13 @@
   <p:clrMapOvr>
     <a:masterClrMapping/>
   </p:clrMapOvr>
-  <mc:AlternateContent xmlns:mc="http://schemas.openxmlformats.org/markup-compatibility/2006">
-    <mc:Choice xmlns:p14="http://schemas.microsoft.com/office/powerpoint/2010/main" Requires="p14">
+  <mc:AlternateContent xmlns:mc="http://schemas.openxmlformats.org/markup-compatibility/2006" xmlns:p14="http://schemas.microsoft.com/office/powerpoint/2010/main">
+    <mc:Choice Requires="p14">
       <p:transition spd="slow">
         <p14:vortex dir="u"/>
       </p:transition>
     </mc:Choice>
-    <mc:Fallback>
+    <mc:Fallback xmlns="">
       <p:transition spd="slow">
         <p:fade/>
       </p:transition>
@@ -5646,13 +5024,13 @@
   <p:clrMapOvr>
     <a:masterClrMapping/>
   </p:clrMapOvr>
-  <mc:AlternateContent xmlns:mc="http://schemas.openxmlformats.org/markup-compatibility/2006">
-    <mc:Choice xmlns:p14="http://schemas.microsoft.com/office/powerpoint/2010/main" Requires="p14">
+  <mc:AlternateContent xmlns:mc="http://schemas.openxmlformats.org/markup-compatibility/2006" xmlns:p14="http://schemas.microsoft.com/office/powerpoint/2010/main">
+    <mc:Choice Requires="p14">
       <p:transition spd="slow">
         <p14:vortex dir="u"/>
       </p:transition>
     </mc:Choice>
-    <mc:Fallback>
+    <mc:Fallback xmlns="">
       <p:transition spd="slow">
         <p:fade/>
       </p:transition>
@@ -6790,13 +6168,13 @@
   <p:clrMapOvr>
     <a:masterClrMapping/>
   </p:clrMapOvr>
-  <mc:AlternateContent xmlns:mc="http://schemas.openxmlformats.org/markup-compatibility/2006">
-    <mc:Choice xmlns:p14="http://schemas.microsoft.com/office/powerpoint/2010/main" Requires="p14">
+  <mc:AlternateContent xmlns:mc="http://schemas.openxmlformats.org/markup-compatibility/2006" xmlns:p14="http://schemas.microsoft.com/office/powerpoint/2010/main">
+    <mc:Choice Requires="p14">
       <p:transition spd="slow">
         <p14:vortex dir="u"/>
       </p:transition>
     </mc:Choice>
-    <mc:Fallback>
+    <mc:Fallback xmlns="">
       <p:transition spd="slow">
         <p:fade/>
       </p:transition>
@@ -7501,13 +6879,13 @@
   <p:clrMapOvr>
     <a:masterClrMapping/>
   </p:clrMapOvr>
-  <mc:AlternateContent xmlns:mc="http://schemas.openxmlformats.org/markup-compatibility/2006">
-    <mc:Choice xmlns:p14="http://schemas.microsoft.com/office/powerpoint/2010/main" Requires="p14">
+  <mc:AlternateContent xmlns:mc="http://schemas.openxmlformats.org/markup-compatibility/2006" xmlns:p14="http://schemas.microsoft.com/office/powerpoint/2010/main">
+    <mc:Choice Requires="p14">
       <p:transition spd="slow">
         <p14:vortex dir="u"/>
       </p:transition>
     </mc:Choice>
-    <mc:Fallback>
+    <mc:Fallback xmlns="">
       <p:transition spd="slow">
         <p:fade/>
       </p:transition>
@@ -8307,13 +7685,13 @@
   <p:clrMapOvr>
     <a:masterClrMapping/>
   </p:clrMapOvr>
-  <mc:AlternateContent xmlns:mc="http://schemas.openxmlformats.org/markup-compatibility/2006">
-    <mc:Choice xmlns:p14="http://schemas.microsoft.com/office/powerpoint/2010/main" Requires="p14">
+  <mc:AlternateContent xmlns:mc="http://schemas.openxmlformats.org/markup-compatibility/2006" xmlns:p14="http://schemas.microsoft.com/office/powerpoint/2010/main">
+    <mc:Choice Requires="p14">
       <p:transition spd="slow">
         <p14:vortex dir="u"/>
       </p:transition>
     </mc:Choice>
-    <mc:Fallback>
+    <mc:Fallback xmlns="">
       <p:transition spd="slow">
         <p:fade/>
       </p:transition>
@@ -8782,13 +8160,13 @@
     <p:sldLayoutId id="2147483658" r:id="rId5"/>
     <p:sldLayoutId id="2147483659" r:id="rId6"/>
   </p:sldLayoutIdLst>
-  <mc:AlternateContent xmlns:mc="http://schemas.openxmlformats.org/markup-compatibility/2006">
-    <mc:Choice xmlns:p14="http://schemas.microsoft.com/office/powerpoint/2010/main" Requires="p14">
+  <mc:AlternateContent xmlns:mc="http://schemas.openxmlformats.org/markup-compatibility/2006" xmlns:p14="http://schemas.microsoft.com/office/powerpoint/2010/main">
+    <mc:Choice Requires="p14">
       <p:transition spd="slow">
         <p14:vortex dir="u"/>
       </p:transition>
     </mc:Choice>
-    <mc:Fallback>
+    <mc:Fallback xmlns="">
       <p:transition spd="slow">
         <p:fade/>
       </p:transition>
@@ -9723,13 +9101,13 @@
     <p:sldLayoutId id="2147483667" r:id="rId5"/>
     <p:sldLayoutId id="2147483668" r:id="rId6"/>
   </p:sldLayoutIdLst>
-  <mc:AlternateContent xmlns:mc="http://schemas.openxmlformats.org/markup-compatibility/2006">
-    <mc:Choice xmlns:p14="http://schemas.microsoft.com/office/powerpoint/2010/main" Requires="p14">
+  <mc:AlternateContent xmlns:mc="http://schemas.openxmlformats.org/markup-compatibility/2006" xmlns:p14="http://schemas.microsoft.com/office/powerpoint/2010/main">
+    <mc:Choice Requires="p14">
       <p:transition spd="slow">
         <p14:vortex dir="u"/>
       </p:transition>
     </mc:Choice>
-    <mc:Fallback>
+    <mc:Fallback xmlns="">
       <p:transition spd="slow">
         <p:fade/>
       </p:transition>
@@ -10234,11 +9612,11 @@
   <p:clrMapOvr>
     <a:masterClrMapping/>
   </p:clrMapOvr>
-  <mc:AlternateContent xmlns:mc="http://schemas.openxmlformats.org/markup-compatibility/2006">
-    <mc:Choice xmlns:p14="http://schemas.microsoft.com/office/powerpoint/2010/main" Requires="p14">
+  <mc:AlternateContent xmlns:mc="http://schemas.openxmlformats.org/markup-compatibility/2006" xmlns:p14="http://schemas.microsoft.com/office/powerpoint/2010/main">
+    <mc:Choice Requires="p14">
       <p:transition p14:dur="0"/>
     </mc:Choice>
-    <mc:Fallback>
+    <mc:Fallback xmlns="">
       <p:transition/>
     </mc:Fallback>
   </mc:AlternateContent>
@@ -10367,13 +9745,8 @@
             </a:r>
             <a:r>
               <a:rPr lang="en-US" sz="2400" dirty="0" smtClean="0"/>
-              <a:t>and White </a:t>
+              <a:t>and White Box Testing</a:t>
             </a:r>
-            <a:r>
-              <a:rPr lang="en-US" sz="2400" dirty="0" smtClean="0"/>
-              <a:t>Box Testing</a:t>
-            </a:r>
-            <a:endParaRPr lang="en-US" sz="2400" dirty="0" smtClean="0"/>
           </a:p>
         </p:txBody>
       </p:sp>
@@ -10401,6 +9774,299 @@
           </a:p>
         </p:txBody>
       </p:sp>
+      <p:sp>
+        <p:nvSpPr>
+          <p:cNvPr id="4" name="Shape 75"/>
+          <p:cNvSpPr txBox="1">
+            <a:spLocks/>
+          </p:cNvSpPr>
+          <p:nvPr/>
+        </p:nvSpPr>
+        <p:spPr>
+          <a:xfrm>
+            <a:off x="7772400" y="6377893"/>
+            <a:ext cx="1371600" cy="461635"/>
+          </a:xfrm>
+          <a:prstGeom prst="rect">
+            <a:avLst/>
+          </a:prstGeom>
+          <a:noFill/>
+          <a:ln>
+            <a:noFill/>
+          </a:ln>
+        </p:spPr>
+        <p:txBody>
+          <a:bodyPr wrap="square" lIns="91425" tIns="91425" rIns="91425" bIns="91425" anchor="t" anchorCtr="0">
+            <a:spAutoFit/>
+          </a:bodyPr>
+          <a:lstStyle>
+            <a:defPPr marR="0" algn="l" rtl="0">
+              <a:lnSpc>
+                <a:spcPct val="100000"/>
+              </a:lnSpc>
+              <a:spcBef>
+                <a:spcPts val="0"/>
+              </a:spcBef>
+              <a:spcAft>
+                <a:spcPts val="0"/>
+              </a:spcAft>
+            </a:defPPr>
+            <a:lvl1pPr marL="457200" marR="0" indent="-457200" algn="l" rtl="0">
+              <a:lnSpc>
+                <a:spcPct val="100000"/>
+              </a:lnSpc>
+              <a:spcBef>
+                <a:spcPts val="600"/>
+              </a:spcBef>
+              <a:spcAft>
+                <a:spcPts val="0"/>
+              </a:spcAft>
+              <a:buClr>
+                <a:schemeClr val="lt2"/>
+              </a:buClr>
+              <a:buSzPct val="166666"/>
+              <a:buFont typeface="Arial"/>
+              <a:buChar char="•"/>
+              <a:defRPr sz="3000" b="0" i="0" u="none" strike="noStrike" cap="none" baseline="0">
+                <a:solidFill>
+                  <a:schemeClr val="lt2"/>
+                </a:solidFill>
+                <a:latin typeface="Arial" panose="00000000000000000000"/>
+                <a:ea typeface="Arial" panose="00000000000000000000"/>
+                <a:cs typeface="Arial" panose="00000000000000000000"/>
+                <a:sym typeface="Arial" panose="00000000000000000000"/>
+                <a:rtl val="0"/>
+              </a:defRPr>
+            </a:lvl1pPr>
+            <a:lvl2pPr marL="800100" marR="0" indent="-342900" algn="l" rtl="0">
+              <a:lnSpc>
+                <a:spcPct val="100000"/>
+              </a:lnSpc>
+              <a:spcBef>
+                <a:spcPts val="480"/>
+              </a:spcBef>
+              <a:spcAft>
+                <a:spcPts val="0"/>
+              </a:spcAft>
+              <a:buClr>
+                <a:schemeClr val="lt2"/>
+              </a:buClr>
+              <a:buSzPct val="100000"/>
+              <a:buFont typeface="Courier New"/>
+              <a:buChar char="o"/>
+              <a:defRPr sz="2400" b="0" i="0" u="none" strike="noStrike" cap="none" baseline="0">
+                <a:solidFill>
+                  <a:schemeClr val="lt2"/>
+                </a:solidFill>
+                <a:latin typeface="Arial" panose="00000000000000000000"/>
+                <a:ea typeface="Arial" panose="00000000000000000000"/>
+                <a:cs typeface="Arial" panose="00000000000000000000"/>
+                <a:sym typeface="Arial" panose="00000000000000000000"/>
+                <a:rtl val="0"/>
+              </a:defRPr>
+            </a:lvl2pPr>
+            <a:lvl3pPr marL="1257300" marR="0" indent="-342900" algn="l" rtl="0">
+              <a:lnSpc>
+                <a:spcPct val="100000"/>
+              </a:lnSpc>
+              <a:spcBef>
+                <a:spcPts val="480"/>
+              </a:spcBef>
+              <a:spcAft>
+                <a:spcPts val="0"/>
+              </a:spcAft>
+              <a:buClr>
+                <a:schemeClr val="lt2"/>
+              </a:buClr>
+              <a:buSzPct val="100000"/>
+              <a:buFont typeface="Wingdings"/>
+              <a:buChar char="§"/>
+              <a:defRPr sz="2400" b="0" i="0" u="none" strike="noStrike" cap="none" baseline="0">
+                <a:solidFill>
+                  <a:schemeClr val="lt2"/>
+                </a:solidFill>
+                <a:latin typeface="Arial" panose="00000000000000000000"/>
+                <a:ea typeface="Arial" panose="00000000000000000000"/>
+                <a:cs typeface="Arial" panose="00000000000000000000"/>
+                <a:sym typeface="Arial" panose="00000000000000000000"/>
+                <a:rtl val="0"/>
+              </a:defRPr>
+            </a:lvl3pPr>
+            <a:lvl4pPr marL="1657350" marR="0" indent="-285750" algn="l" rtl="0">
+              <a:lnSpc>
+                <a:spcPct val="100000"/>
+              </a:lnSpc>
+              <a:spcBef>
+                <a:spcPts val="360"/>
+              </a:spcBef>
+              <a:spcAft>
+                <a:spcPts val="0"/>
+              </a:spcAft>
+              <a:buClr>
+                <a:schemeClr val="lt2"/>
+              </a:buClr>
+              <a:buSzPct val="166666"/>
+              <a:buFont typeface="Arial"/>
+              <a:buChar char="•"/>
+              <a:defRPr sz="1800" b="0" i="0" u="none" strike="noStrike" cap="none" baseline="0">
+                <a:solidFill>
+                  <a:schemeClr val="lt2"/>
+                </a:solidFill>
+                <a:latin typeface="Arial" panose="00000000000000000000"/>
+                <a:ea typeface="Arial" panose="00000000000000000000"/>
+                <a:cs typeface="Arial" panose="00000000000000000000"/>
+                <a:sym typeface="Arial" panose="00000000000000000000"/>
+                <a:rtl val="0"/>
+              </a:defRPr>
+            </a:lvl4pPr>
+            <a:lvl5pPr marL="2114550" marR="0" indent="-285750" algn="l" rtl="0">
+              <a:lnSpc>
+                <a:spcPct val="100000"/>
+              </a:lnSpc>
+              <a:spcBef>
+                <a:spcPts val="360"/>
+              </a:spcBef>
+              <a:spcAft>
+                <a:spcPts val="0"/>
+              </a:spcAft>
+              <a:buClr>
+                <a:schemeClr val="lt2"/>
+              </a:buClr>
+              <a:buSzPct val="100000"/>
+              <a:buFont typeface="Courier New"/>
+              <a:buChar char="o"/>
+              <a:defRPr sz="1800" b="0" i="0" u="none" strike="noStrike" cap="none" baseline="0">
+                <a:solidFill>
+                  <a:schemeClr val="lt2"/>
+                </a:solidFill>
+                <a:latin typeface="Arial" panose="00000000000000000000"/>
+                <a:ea typeface="Arial" panose="00000000000000000000"/>
+                <a:cs typeface="Arial" panose="00000000000000000000"/>
+                <a:sym typeface="Arial" panose="00000000000000000000"/>
+                <a:rtl val="0"/>
+              </a:defRPr>
+            </a:lvl5pPr>
+            <a:lvl6pPr marL="2571750" marR="0" indent="-285750" algn="l" rtl="0">
+              <a:lnSpc>
+                <a:spcPct val="100000"/>
+              </a:lnSpc>
+              <a:spcBef>
+                <a:spcPts val="360"/>
+              </a:spcBef>
+              <a:spcAft>
+                <a:spcPts val="0"/>
+              </a:spcAft>
+              <a:buClr>
+                <a:schemeClr val="lt2"/>
+              </a:buClr>
+              <a:buSzPct val="100000"/>
+              <a:buFont typeface="Wingdings"/>
+              <a:buChar char="§"/>
+              <a:defRPr sz="1800" b="0" i="0" u="none" strike="noStrike" cap="none" baseline="0">
+                <a:solidFill>
+                  <a:schemeClr val="lt2"/>
+                </a:solidFill>
+                <a:latin typeface="Arial" panose="00000000000000000000"/>
+                <a:ea typeface="Arial" panose="00000000000000000000"/>
+                <a:cs typeface="Arial" panose="00000000000000000000"/>
+                <a:sym typeface="Arial" panose="00000000000000000000"/>
+                <a:rtl val="0"/>
+              </a:defRPr>
+            </a:lvl6pPr>
+            <a:lvl7pPr marL="3028950" marR="0" indent="-285750" algn="l" rtl="0">
+              <a:lnSpc>
+                <a:spcPct val="100000"/>
+              </a:lnSpc>
+              <a:spcBef>
+                <a:spcPts val="360"/>
+              </a:spcBef>
+              <a:spcAft>
+                <a:spcPts val="0"/>
+              </a:spcAft>
+              <a:buClr>
+                <a:schemeClr val="lt2"/>
+              </a:buClr>
+              <a:buSzPct val="166666"/>
+              <a:buFont typeface="Arial"/>
+              <a:buChar char="•"/>
+              <a:defRPr sz="1800" b="0" i="0" u="none" strike="noStrike" cap="none" baseline="0">
+                <a:solidFill>
+                  <a:schemeClr val="lt2"/>
+                </a:solidFill>
+                <a:latin typeface="Arial" panose="00000000000000000000"/>
+                <a:ea typeface="Arial" panose="00000000000000000000"/>
+                <a:cs typeface="Arial" panose="00000000000000000000"/>
+                <a:sym typeface="Arial" panose="00000000000000000000"/>
+                <a:rtl val="0"/>
+              </a:defRPr>
+            </a:lvl7pPr>
+            <a:lvl8pPr marL="3486150" marR="0" indent="-285750" algn="l" rtl="0">
+              <a:lnSpc>
+                <a:spcPct val="100000"/>
+              </a:lnSpc>
+              <a:spcBef>
+                <a:spcPts val="360"/>
+              </a:spcBef>
+              <a:spcAft>
+                <a:spcPts val="0"/>
+              </a:spcAft>
+              <a:buClr>
+                <a:schemeClr val="lt2"/>
+              </a:buClr>
+              <a:buSzPct val="100000"/>
+              <a:buFont typeface="Courier New"/>
+              <a:buChar char="o"/>
+              <a:defRPr sz="1800" b="0" i="0" u="none" strike="noStrike" cap="none" baseline="0">
+                <a:solidFill>
+                  <a:schemeClr val="lt2"/>
+                </a:solidFill>
+                <a:latin typeface="Arial" panose="00000000000000000000"/>
+                <a:ea typeface="Arial" panose="00000000000000000000"/>
+                <a:cs typeface="Arial" panose="00000000000000000000"/>
+                <a:sym typeface="Arial" panose="00000000000000000000"/>
+                <a:rtl val="0"/>
+              </a:defRPr>
+            </a:lvl8pPr>
+            <a:lvl9pPr marL="3943350" marR="0" indent="-285750" algn="l" rtl="0">
+              <a:lnSpc>
+                <a:spcPct val="100000"/>
+              </a:lnSpc>
+              <a:spcBef>
+                <a:spcPts val="360"/>
+              </a:spcBef>
+              <a:spcAft>
+                <a:spcPts val="0"/>
+              </a:spcAft>
+              <a:buClr>
+                <a:schemeClr val="lt2"/>
+              </a:buClr>
+              <a:buSzPct val="100000"/>
+              <a:buFont typeface="Wingdings"/>
+              <a:buChar char="§"/>
+              <a:defRPr sz="1800" b="0" i="0" u="none" strike="noStrike" cap="none" baseline="0">
+                <a:solidFill>
+                  <a:schemeClr val="lt2"/>
+                </a:solidFill>
+                <a:latin typeface="Arial" panose="00000000000000000000"/>
+                <a:ea typeface="Arial" panose="00000000000000000000"/>
+                <a:cs typeface="Arial" panose="00000000000000000000"/>
+                <a:sym typeface="Arial" panose="00000000000000000000"/>
+                <a:rtl val="0"/>
+              </a:defRPr>
+            </a:lvl9pPr>
+          </a:lstStyle>
+          <a:p>
+            <a:pPr marL="0" lvl="0" indent="0" algn="ctr">
+              <a:buNone/>
+            </a:pPr>
+            <a:r>
+              <a:rPr lang="en-US" sz="1800" dirty="0" smtClean="0"/>
+              <a:t>Matt Martin</a:t>
+            </a:r>
+            <a:endParaRPr lang="en-US" sz="1800" dirty="0"/>
+          </a:p>
+        </p:txBody>
+      </p:sp>
     </p:spTree>
     <p:extLst>
       <p:ext uri="{BB962C8B-B14F-4D97-AF65-F5344CB8AC3E}">
@@ -10411,13 +10077,13 @@
   <p:clrMapOvr>
     <a:masterClrMapping/>
   </p:clrMapOvr>
-  <mc:AlternateContent xmlns:mc="http://schemas.openxmlformats.org/markup-compatibility/2006">
-    <mc:Choice xmlns:p14="http://schemas.microsoft.com/office/powerpoint/2010/main" Requires="p14">
+  <mc:AlternateContent xmlns:mc="http://schemas.openxmlformats.org/markup-compatibility/2006" xmlns:p14="http://schemas.microsoft.com/office/powerpoint/2010/main">
+    <mc:Choice Requires="p14">
       <p:transition spd="slow">
         <p14:vortex dir="u"/>
       </p:transition>
     </mc:Choice>
-    <mc:Fallback>
+    <mc:Fallback xmlns="">
       <p:transition spd="slow">
         <p:fade/>
       </p:transition>
@@ -10496,13 +10162,13 @@
   <p:clrMapOvr>
     <a:masterClrMapping/>
   </p:clrMapOvr>
-  <mc:AlternateContent xmlns:mc="http://schemas.openxmlformats.org/markup-compatibility/2006">
-    <mc:Choice xmlns:p14="http://schemas.microsoft.com/office/powerpoint/2010/main" Requires="p14">
+  <mc:AlternateContent xmlns:mc="http://schemas.openxmlformats.org/markup-compatibility/2006" xmlns:p14="http://schemas.microsoft.com/office/powerpoint/2010/main">
+    <mc:Choice Requires="p14">
       <p:transition spd="slow">
         <p14:vortex dir="u"/>
       </p:transition>
     </mc:Choice>
-    <mc:Fallback>
+    <mc:Fallback xmlns="">
       <p:transition spd="slow">
         <p:fade/>
       </p:transition>
@@ -10581,13 +10247,13 @@
   <p:clrMapOvr>
     <a:masterClrMapping/>
   </p:clrMapOvr>
-  <mc:AlternateContent xmlns:mc="http://schemas.openxmlformats.org/markup-compatibility/2006">
-    <mc:Choice xmlns:p14="http://schemas.microsoft.com/office/powerpoint/2010/main" Requires="p14">
+  <mc:AlternateContent xmlns:mc="http://schemas.openxmlformats.org/markup-compatibility/2006" xmlns:p14="http://schemas.microsoft.com/office/powerpoint/2010/main">
+    <mc:Choice Requires="p14">
       <p:transition spd="slow">
         <p14:vortex dir="u"/>
       </p:transition>
     </mc:Choice>
-    <mc:Fallback>
+    <mc:Fallback xmlns="">
       <p:transition spd="slow">
         <p:fade/>
       </p:transition>
@@ -10600,832 +10266,6 @@
       </p:par>
     </p:tnLst>
   </p:timing>
-</p:sld>
-</file>
-
-<file path=ppt/slides/slide13.xml><?xml version="1.0" encoding="utf-8"?>
-<p:sld xmlns:a="http://schemas.openxmlformats.org/drawingml/2006/main" xmlns:r="http://schemas.openxmlformats.org/officeDocument/2006/relationships" xmlns:p="http://schemas.openxmlformats.org/presentationml/2006/main">
-  <p:cSld>
-    <p:spTree>
-      <p:nvGrpSpPr>
-        <p:cNvPr id="1" name="Shape 179"/>
-        <p:cNvGrpSpPr/>
-        <p:nvPr/>
-      </p:nvGrpSpPr>
-      <p:grpSpPr>
-        <a:xfrm>
-          <a:off x="0" y="0"/>
-          <a:ext cx="0" cy="0"/>
-          <a:chOff x="0" y="0"/>
-          <a:chExt cx="0" cy="0"/>
-        </a:xfrm>
-      </p:grpSpPr>
-      <p:sp>
-        <p:nvSpPr>
-          <p:cNvPr id="180" name="Shape 180"/>
-          <p:cNvSpPr>
-            <a:spLocks noGrp="1"/>
-          </p:cNvSpPr>
-          <p:nvPr>
-            <p:ph type="body" idx="1"/>
-          </p:nvPr>
-        </p:nvSpPr>
-        <p:spPr/>
-        <p:txBody>
-          <a:bodyPr/>
-          <a:lstStyle/>
-          <a:p>
-            <a:pPr lvl="0"/>
-            <a:r>
-              <a:rPr lang="en-US" strike="sngStrike" dirty="0" smtClean="0"/>
-              <a:t>Black Box Testing</a:t>
-            </a:r>
-          </a:p>
-          <a:p>
-            <a:pPr lvl="1"/>
-            <a:r>
-              <a:rPr lang="en-US" strike="sngStrike" dirty="0" smtClean="0"/>
-              <a:t>Playing the game will be black-box testing.  The tester will have no knowledge of the specifications or design of the game.</a:t>
-            </a:r>
-          </a:p>
-          <a:p>
-            <a:pPr lvl="0"/>
-            <a:r>
-              <a:rPr lang="en-US" strike="sngStrike" dirty="0" smtClean="0"/>
-              <a:t>White Box Testing</a:t>
-            </a:r>
-          </a:p>
-          <a:p>
-            <a:pPr lvl="1"/>
-            <a:r>
-              <a:rPr lang="en-US" strike="sngStrike" dirty="0" smtClean="0"/>
-              <a:t>To Name a Few...</a:t>
-            </a:r>
-          </a:p>
-          <a:p>
-            <a:pPr lvl="2"/>
-            <a:r>
-              <a:rPr lang="en-US" strike="sngStrike" dirty="0" smtClean="0"/>
-              <a:t>Selecting Icons on the Screen and See If They Go to Their Specified Destination</a:t>
-            </a:r>
-          </a:p>
-          <a:p>
-            <a:pPr lvl="2"/>
-            <a:r>
-              <a:rPr lang="en-US" strike="sngStrike" dirty="0" smtClean="0"/>
-              <a:t>Testing the Physics Engine of the Game</a:t>
-            </a:r>
-          </a:p>
-          <a:p>
-            <a:pPr lvl="2"/>
-            <a:r>
-              <a:rPr lang="en-US" strike="sngStrike" dirty="0" smtClean="0"/>
-              <a:t>Testing the Structure Building Feature</a:t>
-            </a:r>
-          </a:p>
-          <a:p>
-            <a:pPr lvl="2"/>
-            <a:r>
-              <a:rPr lang="en-US" strike="sngStrike" dirty="0" smtClean="0"/>
-              <a:t>Testing the Pass-and-Play and Networking Features of Multi-Player.</a:t>
-            </a:r>
-            <a:endParaRPr lang="en-US" strike="sngStrike" dirty="0"/>
-          </a:p>
-        </p:txBody>
-      </p:sp>
-      <p:sp>
-        <p:nvSpPr>
-          <p:cNvPr id="181" name="Shape 181"/>
-          <p:cNvSpPr>
-            <a:spLocks noGrp="1"/>
-          </p:cNvSpPr>
-          <p:nvPr>
-            <p:ph type="title"/>
-          </p:nvPr>
-        </p:nvSpPr>
-        <p:spPr/>
-        <p:txBody>
-          <a:bodyPr/>
-          <a:lstStyle/>
-          <a:p>
-            <a:pPr lvl="0"/>
-            <a:r>
-              <a:rPr lang="en-US" smtClean="0"/>
-              <a:t>Testing Issues</a:t>
-            </a:r>
-            <a:endParaRPr lang="en-US"/>
-          </a:p>
-        </p:txBody>
-      </p:sp>
-    </p:spTree>
-  </p:cSld>
-  <p:clrMapOvr>
-    <a:masterClrMapping/>
-  </p:clrMapOvr>
-  <mc:AlternateContent xmlns:mc="http://schemas.openxmlformats.org/markup-compatibility/2006">
-    <mc:Choice xmlns:p14="http://schemas.microsoft.com/office/powerpoint/2010/main" Requires="p14">
-      <p:transition spd="slow">
-        <p14:vortex dir="u"/>
-      </p:transition>
-    </mc:Choice>
-    <mc:Fallback>
-      <p:transition spd="slow">
-        <p:fade/>
-      </p:transition>
-    </mc:Fallback>
-  </mc:AlternateContent>
-  <p:timing>
-    <p:tnLst>
-      <p:par>
-        <p:cTn id="1" dur="indefinite" restart="never" nodeType="tmRoot"/>
-      </p:par>
-    </p:tnLst>
-  </p:timing>
-</p:sld>
-</file>
-
-<file path=ppt/slides/slide14.xml><?xml version="1.0" encoding="utf-8"?>
-<p:sld xmlns:a="http://schemas.openxmlformats.org/drawingml/2006/main" xmlns:r="http://schemas.openxmlformats.org/officeDocument/2006/relationships" xmlns:p="http://schemas.openxmlformats.org/presentationml/2006/main">
-  <p:cSld>
-    <p:spTree>
-      <p:nvGrpSpPr>
-        <p:cNvPr id="1" name="Shape 144"/>
-        <p:cNvGrpSpPr/>
-        <p:nvPr/>
-      </p:nvGrpSpPr>
-      <p:grpSpPr>
-        <a:xfrm>
-          <a:off x="0" y="0"/>
-          <a:ext cx="0" cy="0"/>
-          <a:chOff x="0" y="0"/>
-          <a:chExt cx="0" cy="0"/>
-        </a:xfrm>
-      </p:grpSpPr>
-      <p:sp>
-        <p:nvSpPr>
-          <p:cNvPr id="145" name="Shape 145"/>
-          <p:cNvSpPr>
-            <a:spLocks noGrp="1"/>
-          </p:cNvSpPr>
-          <p:nvPr>
-            <p:ph type="body" idx="1"/>
-          </p:nvPr>
-        </p:nvSpPr>
-        <p:spPr/>
-        <p:txBody>
-          <a:bodyPr/>
-          <a:lstStyle/>
-          <a:p>
-            <a:pPr lvl="2"/>
-            <a:r>
-              <a:rPr lang="en-US" strike="sngStrike" dirty="0" smtClean="0"/>
-              <a:t>Single device, played turn-by-turn, passed between players.</a:t>
-            </a:r>
-          </a:p>
-          <a:p>
-            <a:pPr lvl="2"/>
-            <a:r>
-              <a:rPr lang="en-US" strike="sngStrike" dirty="0" smtClean="0"/>
-              <a:t>Pass and Play will provide entertainment for users that enjoy being face-to-face with their opponent. </a:t>
-            </a:r>
-          </a:p>
-          <a:p>
-            <a:pPr lvl="2"/>
-            <a:r>
-              <a:rPr lang="en-US" strike="sngStrike" dirty="0" smtClean="0"/>
-              <a:t>Pass and Play button that leads to setup for this mode. </a:t>
-            </a:r>
-          </a:p>
-          <a:p>
-            <a:pPr lvl="2"/>
-            <a:r>
-              <a:rPr lang="en-US" strike="sngStrike" dirty="0" smtClean="0"/>
-              <a:t>Each player chooses which side he/she will play (aliens or cats). </a:t>
-            </a:r>
-          </a:p>
-          <a:p>
-            <a:pPr lvl="2"/>
-            <a:r>
-              <a:rPr lang="en-US" strike="sngStrike" dirty="0" smtClean="0"/>
-              <a:t>The code must handle shifting the camera's focus as players take their respective turns.</a:t>
-            </a:r>
-            <a:endParaRPr lang="en-US" strike="sngStrike" dirty="0"/>
-          </a:p>
-        </p:txBody>
-      </p:sp>
-      <p:sp>
-        <p:nvSpPr>
-          <p:cNvPr id="146" name="Shape 146"/>
-          <p:cNvSpPr>
-            <a:spLocks noGrp="1"/>
-          </p:cNvSpPr>
-          <p:nvPr>
-            <p:ph type="title"/>
-          </p:nvPr>
-        </p:nvSpPr>
-        <p:spPr/>
-        <p:txBody>
-          <a:bodyPr/>
-          <a:lstStyle/>
-          <a:p>
-            <a:pPr lvl="0"/>
-            <a:r>
-              <a:rPr lang="en-US" smtClean="0"/>
-              <a:t>Multi-Player: Pass and Play</a:t>
-            </a:r>
-            <a:endParaRPr lang="en-US"/>
-          </a:p>
-        </p:txBody>
-      </p:sp>
-    </p:spTree>
-  </p:cSld>
-  <p:clrMapOvr>
-    <a:masterClrMapping/>
-  </p:clrMapOvr>
-  <mc:AlternateContent xmlns:mc="http://schemas.openxmlformats.org/markup-compatibility/2006">
-    <mc:Choice xmlns:p14="http://schemas.microsoft.com/office/powerpoint/2010/main" Requires="p14">
-      <p:transition spd="slow">
-        <p14:vortex dir="u"/>
-      </p:transition>
-    </mc:Choice>
-    <mc:Fallback>
-      <p:transition spd="slow">
-        <p:fade/>
-      </p:transition>
-    </mc:Fallback>
-  </mc:AlternateContent>
-  <p:timing>
-    <p:tnLst>
-      <p:par>
-        <p:cTn id="1" dur="indefinite" restart="never" nodeType="tmRoot"/>
-      </p:par>
-    </p:tnLst>
-  </p:timing>
-</p:sld>
-</file>
-
-<file path=ppt/slides/slide15.xml><?xml version="1.0" encoding="utf-8"?>
-<p:sld xmlns:a="http://schemas.openxmlformats.org/drawingml/2006/main" xmlns:r="http://schemas.openxmlformats.org/officeDocument/2006/relationships" xmlns:p="http://schemas.openxmlformats.org/presentationml/2006/main">
-  <p:cSld>
-    <p:spTree>
-      <p:nvGrpSpPr>
-        <p:cNvPr id="1" name="Shape 150"/>
-        <p:cNvGrpSpPr/>
-        <p:nvPr/>
-      </p:nvGrpSpPr>
-      <p:grpSpPr>
-        <a:xfrm>
-          <a:off x="0" y="0"/>
-          <a:ext cx="0" cy="0"/>
-          <a:chOff x="0" y="0"/>
-          <a:chExt cx="0" cy="0"/>
-        </a:xfrm>
-      </p:grpSpPr>
-      <p:sp>
-        <p:nvSpPr>
-          <p:cNvPr id="151" name="Shape 151"/>
-          <p:cNvSpPr>
-            <a:spLocks noGrp="1"/>
-          </p:cNvSpPr>
-          <p:nvPr>
-            <p:ph type="body" idx="1"/>
-          </p:nvPr>
-        </p:nvSpPr>
-        <p:spPr/>
-        <p:txBody>
-          <a:bodyPr/>
-          <a:lstStyle/>
-          <a:p>
-            <a:pPr lvl="2"/>
-            <a:r>
-              <a:rPr lang="en-US" strike="sngStrike" dirty="0" smtClean="0"/>
-              <a:t>Structured around scoreboards; will track scores based on user’s Facebook friends list. </a:t>
-            </a:r>
-          </a:p>
-          <a:p>
-            <a:pPr lvl="2"/>
-            <a:r>
-              <a:rPr lang="en-US" strike="sngStrike" dirty="0" smtClean="0"/>
-              <a:t>Scoreboards are not global, only pulled from user's Facebook friends list.</a:t>
-            </a:r>
-          </a:p>
-          <a:p>
-            <a:pPr lvl="2"/>
-            <a:r>
-              <a:rPr lang="en-US" strike="sngStrike" dirty="0" smtClean="0"/>
-              <a:t>User will log into their Facebook account and create or join a game with a friend. </a:t>
-            </a:r>
-          </a:p>
-          <a:p>
-            <a:pPr lvl="2"/>
-            <a:r>
-              <a:rPr lang="en-US" strike="sngStrike" dirty="0" smtClean="0"/>
-              <a:t>Active Internet connection needed to establish a connection between both clients via centralized game server.</a:t>
-            </a:r>
-            <a:endParaRPr lang="en-US" strike="sngStrike" dirty="0"/>
-          </a:p>
-        </p:txBody>
-      </p:sp>
-      <p:sp>
-        <p:nvSpPr>
-          <p:cNvPr id="152" name="Shape 152"/>
-          <p:cNvSpPr>
-            <a:spLocks noGrp="1"/>
-          </p:cNvSpPr>
-          <p:nvPr>
-            <p:ph type="title"/>
-          </p:nvPr>
-        </p:nvSpPr>
-        <p:spPr/>
-        <p:txBody>
-          <a:bodyPr/>
-          <a:lstStyle/>
-          <a:p>
-            <a:pPr lvl="0"/>
-            <a:r>
-              <a:rPr lang="en-US" smtClean="0"/>
-              <a:t>Multi-Player: Network Play</a:t>
-            </a:r>
-            <a:endParaRPr lang="en-US"/>
-          </a:p>
-        </p:txBody>
-      </p:sp>
-    </p:spTree>
-  </p:cSld>
-  <p:clrMapOvr>
-    <a:masterClrMapping/>
-  </p:clrMapOvr>
-  <mc:AlternateContent xmlns:mc="http://schemas.openxmlformats.org/markup-compatibility/2006">
-    <mc:Choice xmlns:p14="http://schemas.microsoft.com/office/powerpoint/2010/main" Requires="p14">
-      <p:transition spd="slow">
-        <p14:vortex dir="u"/>
-      </p:transition>
-    </mc:Choice>
-    <mc:Fallback>
-      <p:transition spd="slow">
-        <p:fade/>
-      </p:transition>
-    </mc:Fallback>
-  </mc:AlternateContent>
-  <p:timing>
-    <p:tnLst>
-      <p:par>
-        <p:cTn id="1" dur="indefinite" restart="never" nodeType="tmRoot"/>
-      </p:par>
-    </p:tnLst>
-  </p:timing>
-</p:sld>
-</file>
-
-<file path=ppt/slides/slide16.xml><?xml version="1.0" encoding="utf-8"?>
-<p:sld xmlns:a="http://schemas.openxmlformats.org/drawingml/2006/main" xmlns:r="http://schemas.openxmlformats.org/officeDocument/2006/relationships" xmlns:p="http://schemas.openxmlformats.org/presentationml/2006/main">
-  <p:cSld>
-    <p:spTree>
-      <p:nvGrpSpPr>
-        <p:cNvPr id="1" name="Shape 161"/>
-        <p:cNvGrpSpPr/>
-        <p:nvPr/>
-      </p:nvGrpSpPr>
-      <p:grpSpPr>
-        <a:xfrm>
-          <a:off x="0" y="0"/>
-          <a:ext cx="0" cy="0"/>
-          <a:chOff x="0" y="0"/>
-          <a:chExt cx="0" cy="0"/>
-        </a:xfrm>
-      </p:grpSpPr>
-      <p:sp>
-        <p:nvSpPr>
-          <p:cNvPr id="162" name="Shape 162"/>
-          <p:cNvSpPr>
-            <a:spLocks noGrp="1"/>
-          </p:cNvSpPr>
-          <p:nvPr>
-            <p:ph type="body" idx="1"/>
-          </p:nvPr>
-        </p:nvSpPr>
-        <p:spPr/>
-        <p:txBody>
-          <a:bodyPr/>
-          <a:lstStyle/>
-          <a:p>
-            <a:pPr lvl="0"/>
-            <a:r>
-              <a:rPr lang="en-US" dirty="0" smtClean="0"/>
-              <a:t>Internal Software Data Structures</a:t>
-            </a:r>
-          </a:p>
-          <a:p>
-            <a:pPr lvl="1"/>
-            <a:r>
-              <a:rPr lang="en-US" dirty="0" smtClean="0"/>
-              <a:t>Level Layout</a:t>
-            </a:r>
-          </a:p>
-          <a:p>
-            <a:pPr lvl="0"/>
-            <a:r>
-              <a:rPr lang="en-US" dirty="0" smtClean="0"/>
-              <a:t>Each level's floor, background, list of troops, opponent's structure, and par score will be hard-coded into a separate file.</a:t>
-            </a:r>
-          </a:p>
-          <a:p>
-            <a:pPr lvl="1"/>
-            <a:r>
-              <a:rPr lang="en-US" dirty="0" smtClean="0"/>
-              <a:t>Par Score</a:t>
-            </a:r>
-          </a:p>
-          <a:p>
-            <a:pPr lvl="2"/>
-            <a:r>
-              <a:rPr lang="en-US" dirty="0" smtClean="0"/>
-              <a:t>This is the score the player must achieve in order for them to get the achievement for that level.  The player doesn't need this score to win, however.</a:t>
-            </a:r>
-          </a:p>
-          <a:p>
-            <a:pPr lvl="1"/>
-            <a:r>
-              <a:rPr lang="en-US" dirty="0" smtClean="0"/>
-              <a:t>Building Layout</a:t>
-            </a:r>
-          </a:p>
-          <a:p>
-            <a:pPr lvl="2"/>
-            <a:r>
-              <a:rPr lang="en-US" dirty="0" smtClean="0"/>
-              <a:t>Holds the list of available building blocks and weapons available to the user during initial construction.</a:t>
-            </a:r>
-          </a:p>
-          <a:p>
-            <a:pPr lvl="1"/>
-            <a:r>
-              <a:rPr lang="en-US" dirty="0" smtClean="0"/>
-              <a:t>Player's Wallet</a:t>
-            </a:r>
-          </a:p>
-          <a:p>
-            <a:pPr lvl="2"/>
-            <a:r>
-              <a:rPr lang="en-US" dirty="0" smtClean="0"/>
-              <a:t>The set amount of money for constructing the player's structure</a:t>
-            </a:r>
-            <a:endParaRPr lang="en-US" dirty="0"/>
-          </a:p>
-        </p:txBody>
-      </p:sp>
-      <p:sp>
-        <p:nvSpPr>
-          <p:cNvPr id="163" name="Shape 163"/>
-          <p:cNvSpPr>
-            <a:spLocks noGrp="1"/>
-          </p:cNvSpPr>
-          <p:nvPr>
-            <p:ph type="title"/>
-          </p:nvPr>
-        </p:nvSpPr>
-        <p:spPr/>
-        <p:txBody>
-          <a:bodyPr/>
-          <a:lstStyle/>
-          <a:p>
-            <a:r>
-              <a:rPr lang="en-US" dirty="0" smtClean="0"/>
-              <a:t>Architectural and Component-Level Design </a:t>
-            </a:r>
-            <a:r>
-              <a:rPr lang="en-US" dirty="0" smtClean="0"/>
-              <a:t>1		UML</a:t>
-            </a:r>
-            <a:endParaRPr lang="en-US" dirty="0"/>
-          </a:p>
-        </p:txBody>
-      </p:sp>
-    </p:spTree>
-  </p:cSld>
-  <p:clrMapOvr>
-    <a:masterClrMapping/>
-  </p:clrMapOvr>
-  <mc:AlternateContent xmlns:mc="http://schemas.openxmlformats.org/markup-compatibility/2006">
-    <mc:Choice xmlns:p14="http://schemas.microsoft.com/office/powerpoint/2010/main" Requires="p14">
-      <p:transition spd="slow">
-        <p14:vortex dir="u"/>
-      </p:transition>
-    </mc:Choice>
-    <mc:Fallback>
-      <p:transition spd="slow">
-        <p:fade/>
-      </p:transition>
-    </mc:Fallback>
-  </mc:AlternateContent>
-</p:sld>
-</file>
-
-<file path=ppt/slides/slide17.xml><?xml version="1.0" encoding="utf-8"?>
-<p:sld xmlns:a="http://schemas.openxmlformats.org/drawingml/2006/main" xmlns:r="http://schemas.openxmlformats.org/officeDocument/2006/relationships" xmlns:p="http://schemas.openxmlformats.org/presentationml/2006/main">
-  <p:cSld>
-    <p:spTree>
-      <p:nvGrpSpPr>
-        <p:cNvPr id="1" name="Shape 167"/>
-        <p:cNvGrpSpPr/>
-        <p:nvPr/>
-      </p:nvGrpSpPr>
-      <p:grpSpPr>
-        <a:xfrm>
-          <a:off x="0" y="0"/>
-          <a:ext cx="0" cy="0"/>
-          <a:chOff x="0" y="0"/>
-          <a:chExt cx="0" cy="0"/>
-        </a:xfrm>
-      </p:grpSpPr>
-      <p:sp>
-        <p:nvSpPr>
-          <p:cNvPr id="168" name="Shape 168"/>
-          <p:cNvSpPr>
-            <a:spLocks noGrp="1"/>
-          </p:cNvSpPr>
-          <p:nvPr>
-            <p:ph type="body" idx="1"/>
-          </p:nvPr>
-        </p:nvSpPr>
-        <p:spPr/>
-        <p:txBody>
-          <a:bodyPr/>
-          <a:lstStyle/>
-          <a:p>
-            <a:pPr lvl="0"/>
-            <a:r>
-              <a:rPr lang="en-US" smtClean="0"/>
-              <a:t>Global Data Structures</a:t>
-            </a:r>
-          </a:p>
-          <a:p>
-            <a:pPr lvl="1"/>
-            <a:r>
-              <a:rPr lang="en-US" smtClean="0"/>
-              <a:t>Achievements</a:t>
-            </a:r>
-          </a:p>
-          <a:p>
-            <a:pPr lvl="2"/>
-            <a:r>
-              <a:rPr lang="en-US" smtClean="0"/>
-              <a:t>A Boolean array structure that will specify whether or not the player has accomplished a certain special task.</a:t>
-            </a:r>
-          </a:p>
-          <a:p>
-            <a:pPr lvl="1"/>
-            <a:r>
-              <a:rPr lang="en-US" smtClean="0"/>
-              <a:t>High Score</a:t>
-            </a:r>
-          </a:p>
-          <a:p>
-            <a:pPr lvl="2"/>
-            <a:r>
-              <a:rPr lang="en-US" smtClean="0"/>
-              <a:t>The highest score achieved by the player on that level.</a:t>
-            </a:r>
-          </a:p>
-          <a:p>
-            <a:pPr lvl="1"/>
-            <a:r>
-              <a:rPr lang="en-US" smtClean="0"/>
-              <a:t>Storyboard</a:t>
-            </a:r>
-          </a:p>
-          <a:p>
-            <a:pPr lvl="2"/>
-            <a:r>
-              <a:rPr lang="en-US" smtClean="0"/>
-              <a:t>Holds the current scene that is being displayed to the user.</a:t>
-            </a:r>
-          </a:p>
-          <a:p>
-            <a:pPr lvl="1"/>
-            <a:r>
-              <a:rPr lang="en-US" smtClean="0"/>
-              <a:t>User Account</a:t>
-            </a:r>
-          </a:p>
-          <a:p>
-            <a:pPr lvl="2"/>
-            <a:r>
-              <a:rPr lang="en-US" smtClean="0"/>
-              <a:t>The information of the user</a:t>
-            </a:r>
-          </a:p>
-          <a:p>
-            <a:pPr lvl="1"/>
-            <a:r>
-              <a:rPr lang="en-US" smtClean="0"/>
-              <a:t>Level Progress</a:t>
-            </a:r>
-          </a:p>
-          <a:p>
-            <a:pPr lvl="2"/>
-            <a:r>
-              <a:rPr lang="en-US" smtClean="0"/>
-              <a:t>Which levels and chapters the player has completed</a:t>
-            </a:r>
-            <a:endParaRPr lang="en-US"/>
-          </a:p>
-        </p:txBody>
-      </p:sp>
-      <p:sp>
-        <p:nvSpPr>
-          <p:cNvPr id="169" name="Shape 169"/>
-          <p:cNvSpPr>
-            <a:spLocks noGrp="1"/>
-          </p:cNvSpPr>
-          <p:nvPr>
-            <p:ph type="title"/>
-          </p:nvPr>
-        </p:nvSpPr>
-        <p:spPr/>
-        <p:txBody>
-          <a:bodyPr/>
-          <a:lstStyle/>
-          <a:p>
-            <a:pPr lvl="0"/>
-            <a:r>
-              <a:rPr lang="en-US" dirty="0" smtClean="0"/>
-              <a:t>Architectural and Component-Level Design </a:t>
-            </a:r>
-            <a:r>
-              <a:rPr lang="en-US" dirty="0"/>
-              <a:t>2			 UML</a:t>
-            </a:r>
-            <a:endParaRPr lang="en-US" dirty="0"/>
-          </a:p>
-        </p:txBody>
-      </p:sp>
-    </p:spTree>
-  </p:cSld>
-  <p:clrMapOvr>
-    <a:masterClrMapping/>
-  </p:clrMapOvr>
-  <mc:AlternateContent xmlns:mc="http://schemas.openxmlformats.org/markup-compatibility/2006">
-    <mc:Choice xmlns:p14="http://schemas.microsoft.com/office/powerpoint/2010/main" Requires="p14">
-      <p:transition spd="slow">
-        <p14:vortex dir="u"/>
-      </p:transition>
-    </mc:Choice>
-    <mc:Fallback>
-      <p:transition spd="slow">
-        <p:fade/>
-      </p:transition>
-    </mc:Fallback>
-  </mc:AlternateContent>
-</p:sld>
-</file>
-
-<file path=ppt/slides/slide18.xml><?xml version="1.0" encoding="utf-8"?>
-<p:sld xmlns:a="http://schemas.openxmlformats.org/drawingml/2006/main" xmlns:r="http://schemas.openxmlformats.org/officeDocument/2006/relationships" xmlns:p="http://schemas.openxmlformats.org/presentationml/2006/main">
-  <p:cSld>
-    <p:spTree>
-      <p:nvGrpSpPr>
-        <p:cNvPr id="1" name="Shape 173"/>
-        <p:cNvGrpSpPr/>
-        <p:nvPr/>
-      </p:nvGrpSpPr>
-      <p:grpSpPr>
-        <a:xfrm>
-          <a:off x="0" y="0"/>
-          <a:ext cx="0" cy="0"/>
-          <a:chOff x="0" y="0"/>
-          <a:chExt cx="0" cy="0"/>
-        </a:xfrm>
-      </p:grpSpPr>
-      <p:sp>
-        <p:nvSpPr>
-          <p:cNvPr id="174" name="Shape 174"/>
-          <p:cNvSpPr>
-            <a:spLocks noGrp="1"/>
-          </p:cNvSpPr>
-          <p:nvPr>
-            <p:ph type="body" idx="1"/>
-          </p:nvPr>
-        </p:nvSpPr>
-        <p:spPr/>
-        <p:txBody>
-          <a:bodyPr/>
-          <a:lstStyle/>
-          <a:p>
-            <a:pPr lvl="0"/>
-            <a:r>
-              <a:rPr lang="en-US" smtClean="0"/>
-              <a:t>Temporary Data Structures</a:t>
-            </a:r>
-          </a:p>
-          <a:p>
-            <a:pPr lvl="1"/>
-            <a:r>
-              <a:rPr lang="en-US" smtClean="0"/>
-              <a:t>Blocks</a:t>
-            </a:r>
-          </a:p>
-          <a:p>
-            <a:pPr lvl="2"/>
-            <a:r>
-              <a:rPr lang="en-US" smtClean="0"/>
-              <a:t>The materials used to build the data structure.  These will be deleted when the player travels from level to level.</a:t>
-            </a:r>
-          </a:p>
-          <a:p>
-            <a:pPr lvl="1"/>
-            <a:r>
-              <a:rPr lang="en-US" smtClean="0"/>
-              <a:t>Weapons</a:t>
-            </a:r>
-          </a:p>
-          <a:p>
-            <a:pPr lvl="2"/>
-            <a:r>
-              <a:rPr lang="en-US" smtClean="0"/>
-              <a:t>The player will be able to choose what weapons they wish to use in the battle.  This decision is made at the beginning of each game.</a:t>
-            </a:r>
-          </a:p>
-          <a:p>
-            <a:pPr lvl="1"/>
-            <a:r>
-              <a:rPr lang="en-US" smtClean="0"/>
-              <a:t>Current Score</a:t>
-            </a:r>
-          </a:p>
-          <a:p>
-            <a:pPr lvl="2"/>
-            <a:r>
-              <a:rPr lang="en-US" smtClean="0"/>
-              <a:t>The score accumulated during the course of the current battle.</a:t>
-            </a:r>
-          </a:p>
-          <a:p>
-            <a:pPr lvl="1"/>
-            <a:r>
-              <a:rPr lang="en-US" smtClean="0"/>
-              <a:t>Number of Attacks</a:t>
-            </a:r>
-          </a:p>
-          <a:p>
-            <a:pPr lvl="2"/>
-            <a:r>
-              <a:rPr lang="en-US" smtClean="0"/>
-              <a:t>The number of turns taken by the player in the battle.  Some achievements will be based on how many turns were taken.</a:t>
-            </a:r>
-            <a:endParaRPr lang="en-US"/>
-          </a:p>
-        </p:txBody>
-      </p:sp>
-      <p:sp>
-        <p:nvSpPr>
-          <p:cNvPr id="175" name="Shape 175"/>
-          <p:cNvSpPr>
-            <a:spLocks noGrp="1"/>
-          </p:cNvSpPr>
-          <p:nvPr>
-            <p:ph type="title"/>
-          </p:nvPr>
-        </p:nvSpPr>
-        <p:spPr/>
-        <p:txBody>
-          <a:bodyPr/>
-          <a:lstStyle/>
-          <a:p>
-            <a:pPr lvl="0"/>
-            <a:r>
-              <a:rPr lang="en-US" dirty="0" smtClean="0"/>
-              <a:t>Level </a:t>
-            </a:r>
-            <a:r>
-              <a:rPr lang="en-US" dirty="0" smtClean="0"/>
-              <a:t>Design </a:t>
-            </a:r>
-            <a:r>
-              <a:rPr lang="en-US" dirty="0" smtClean="0"/>
-              <a:t>3	replaced with UML</a:t>
-            </a:r>
-            <a:endParaRPr lang="en-US" dirty="0"/>
-          </a:p>
-        </p:txBody>
-      </p:sp>
-    </p:spTree>
-  </p:cSld>
-  <p:clrMapOvr>
-    <a:masterClrMapping/>
-  </p:clrMapOvr>
-  <mc:AlternateContent xmlns:mc="http://schemas.openxmlformats.org/markup-compatibility/2006">
-    <mc:Choice xmlns:p14="http://schemas.microsoft.com/office/powerpoint/2010/main" Requires="p14">
-      <p:transition spd="slow">
-        <p14:vortex dir="u"/>
-      </p:transition>
-    </mc:Choice>
-    <mc:Fallback>
-      <p:transition spd="slow">
-        <p:fade/>
-      </p:transition>
-    </mc:Fallback>
-  </mc:AlternateContent>
 </p:sld>
 </file>
 
@@ -11469,11 +10309,7 @@
             <a:pPr indent="0"/>
             <a:r>
               <a:rPr lang="en-US" sz="6000" dirty="0" smtClean="0"/>
-              <a:t>KatAstrophy</a:t>
-            </a:r>
-            <a:r>
-              <a:rPr lang="en-US" sz="6000" dirty="0" smtClean="0"/>
-              <a:t>!</a:t>
+              <a:t>KatAstrophy!</a:t>
             </a:r>
             <a:endParaRPr lang="en-US" sz="6000" dirty="0"/>
           </a:p>
@@ -11609,8 +10445,8 @@
   <p:clrMapOvr>
     <a:masterClrMapping/>
   </p:clrMapOvr>
-  <mc:AlternateContent xmlns:mc="http://schemas.openxmlformats.org/markup-compatibility/2006">
-    <mc:Choice xmlns:p14="http://schemas.microsoft.com/office/powerpoint/2010/main" Requires="p14">
+  <mc:AlternateContent xmlns:mc="http://schemas.openxmlformats.org/markup-compatibility/2006" xmlns:p14="http://schemas.microsoft.com/office/powerpoint/2010/main">
+    <mc:Choice Requires="p14">
       <p:transition spd="slow" p14:dur="3750">
         <p14:vortex dir="u"/>
         <p:sndAc>
@@ -11620,12 +10456,12 @@
         </p:sndAc>
       </p:transition>
     </mc:Choice>
-    <mc:Fallback>
+    <mc:Fallback xmlns="">
       <p:transition spd="slow">
         <p:fade/>
         <p:sndAc>
           <p:stSnd>
-            <p:snd r:embed="rId3" name="beam1b.wav"/>
+            <p:snd r:embed="rId5" name="beam1b.wav"/>
           </p:stSnd>
         </p:sndAc>
       </p:transition>
@@ -11675,11 +10511,7 @@
           <a:p>
             <a:r>
               <a:rPr lang="en-US" sz="2400" dirty="0" smtClean="0"/>
-              <a:t>Evil Cats have taken over the earth and the Aliens are here to protect </a:t>
-            </a:r>
-            <a:r>
-              <a:rPr lang="en-US" sz="2400" dirty="0" smtClean="0"/>
-              <a:t>humanity!</a:t>
+              <a:t>Evil Cats have taken over the earth and the Aliens are here to protect humanity!</a:t>
             </a:r>
           </a:p>
           <a:p>
@@ -11707,27 +10539,7 @@
             <a:pPr lvl="1"/>
             <a:r>
               <a:rPr lang="en-US" sz="1800" dirty="0" smtClean="0"/>
-              <a:t>7 </a:t>
-            </a:r>
-            <a:r>
-              <a:rPr lang="en-US" sz="1800" dirty="0" smtClean="0"/>
-              <a:t>chapters, </a:t>
-            </a:r>
-            <a:r>
-              <a:rPr lang="en-US" sz="1800" dirty="0" smtClean="0"/>
-              <a:t>5 </a:t>
-            </a:r>
-            <a:r>
-              <a:rPr lang="en-US" sz="1800" dirty="0" smtClean="0"/>
-              <a:t>levels </a:t>
-            </a:r>
-            <a:r>
-              <a:rPr lang="en-US" sz="1800" dirty="0" smtClean="0"/>
-              <a:t>per </a:t>
-            </a:r>
-            <a:r>
-              <a:rPr lang="en-US" sz="1800" dirty="0" smtClean="0"/>
-              <a:t>chapter</a:t>
+              <a:t>7 chapters, 5 levels per chapter</a:t>
             </a:r>
             <a:endParaRPr lang="en-US" sz="1800" dirty="0"/>
           </a:p>
@@ -11735,15 +10547,7 @@
             <a:pPr lvl="1"/>
             <a:r>
               <a:rPr lang="en-US" sz="1800" dirty="0" smtClean="0"/>
-              <a:t>Each </a:t>
-            </a:r>
-            <a:r>
-              <a:rPr lang="en-US" sz="1800" dirty="0" smtClean="0"/>
-              <a:t>level will take place in a different city around the </a:t>
-            </a:r>
-            <a:r>
-              <a:rPr lang="en-US" sz="1800" dirty="0" smtClean="0"/>
-              <a:t>world</a:t>
+              <a:t>Each level will take place in a different city around the world</a:t>
             </a:r>
           </a:p>
           <a:p>
@@ -11788,11 +10592,7 @@
             <a:pPr lvl="1"/>
             <a:r>
               <a:rPr lang="en-US" sz="1800" dirty="0" smtClean="0"/>
-              <a:t>Play locally with pass and play </a:t>
-            </a:r>
-            <a:r>
-              <a:rPr lang="en-US" sz="1800" dirty="0" smtClean="0"/>
-              <a:t>or online against others</a:t>
+              <a:t>Play locally with pass and play or online against others</a:t>
             </a:r>
             <a:endParaRPr lang="en-US" sz="1800" dirty="0"/>
           </a:p>
@@ -11821,18 +10621,320 @@
           </a:p>
         </p:txBody>
       </p:sp>
+      <p:sp>
+        <p:nvSpPr>
+          <p:cNvPr id="4" name="Shape 75"/>
+          <p:cNvSpPr txBox="1">
+            <a:spLocks/>
+          </p:cNvSpPr>
+          <p:nvPr/>
+        </p:nvSpPr>
+        <p:spPr>
+          <a:xfrm>
+            <a:off x="7620000" y="6377893"/>
+            <a:ext cx="1524000" cy="461635"/>
+          </a:xfrm>
+          <a:prstGeom prst="rect">
+            <a:avLst/>
+          </a:prstGeom>
+          <a:noFill/>
+          <a:ln>
+            <a:noFill/>
+          </a:ln>
+        </p:spPr>
+        <p:txBody>
+          <a:bodyPr wrap="square" lIns="91425" tIns="91425" rIns="91425" bIns="91425" anchor="t" anchorCtr="0">
+            <a:spAutoFit/>
+          </a:bodyPr>
+          <a:lstStyle>
+            <a:defPPr marR="0" algn="l" rtl="0">
+              <a:lnSpc>
+                <a:spcPct val="100000"/>
+              </a:lnSpc>
+              <a:spcBef>
+                <a:spcPts val="0"/>
+              </a:spcBef>
+              <a:spcAft>
+                <a:spcPts val="0"/>
+              </a:spcAft>
+            </a:defPPr>
+            <a:lvl1pPr marL="457200" marR="0" indent="-457200" algn="l" rtl="0">
+              <a:lnSpc>
+                <a:spcPct val="100000"/>
+              </a:lnSpc>
+              <a:spcBef>
+                <a:spcPts val="600"/>
+              </a:spcBef>
+              <a:spcAft>
+                <a:spcPts val="0"/>
+              </a:spcAft>
+              <a:buClr>
+                <a:schemeClr val="lt2"/>
+              </a:buClr>
+              <a:buSzPct val="166666"/>
+              <a:buFont typeface="Arial"/>
+              <a:buChar char="•"/>
+              <a:defRPr sz="3000" b="0" i="0" u="none" strike="noStrike" cap="none" baseline="0">
+                <a:solidFill>
+                  <a:schemeClr val="lt2"/>
+                </a:solidFill>
+                <a:latin typeface="Arial" panose="00000000000000000000"/>
+                <a:ea typeface="Arial" panose="00000000000000000000"/>
+                <a:cs typeface="Arial" panose="00000000000000000000"/>
+                <a:sym typeface="Arial" panose="00000000000000000000"/>
+                <a:rtl val="0"/>
+              </a:defRPr>
+            </a:lvl1pPr>
+            <a:lvl2pPr marL="800100" marR="0" indent="-342900" algn="l" rtl="0">
+              <a:lnSpc>
+                <a:spcPct val="100000"/>
+              </a:lnSpc>
+              <a:spcBef>
+                <a:spcPts val="480"/>
+              </a:spcBef>
+              <a:spcAft>
+                <a:spcPts val="0"/>
+              </a:spcAft>
+              <a:buClr>
+                <a:schemeClr val="lt2"/>
+              </a:buClr>
+              <a:buSzPct val="100000"/>
+              <a:buFont typeface="Courier New"/>
+              <a:buChar char="o"/>
+              <a:defRPr sz="2400" b="0" i="0" u="none" strike="noStrike" cap="none" baseline="0">
+                <a:solidFill>
+                  <a:schemeClr val="lt2"/>
+                </a:solidFill>
+                <a:latin typeface="Arial" panose="00000000000000000000"/>
+                <a:ea typeface="Arial" panose="00000000000000000000"/>
+                <a:cs typeface="Arial" panose="00000000000000000000"/>
+                <a:sym typeface="Arial" panose="00000000000000000000"/>
+                <a:rtl val="0"/>
+              </a:defRPr>
+            </a:lvl2pPr>
+            <a:lvl3pPr marL="1257300" marR="0" indent="-342900" algn="l" rtl="0">
+              <a:lnSpc>
+                <a:spcPct val="100000"/>
+              </a:lnSpc>
+              <a:spcBef>
+                <a:spcPts val="480"/>
+              </a:spcBef>
+              <a:spcAft>
+                <a:spcPts val="0"/>
+              </a:spcAft>
+              <a:buClr>
+                <a:schemeClr val="lt2"/>
+              </a:buClr>
+              <a:buSzPct val="100000"/>
+              <a:buFont typeface="Wingdings"/>
+              <a:buChar char="§"/>
+              <a:defRPr sz="2400" b="0" i="0" u="none" strike="noStrike" cap="none" baseline="0">
+                <a:solidFill>
+                  <a:schemeClr val="lt2"/>
+                </a:solidFill>
+                <a:latin typeface="Arial" panose="00000000000000000000"/>
+                <a:ea typeface="Arial" panose="00000000000000000000"/>
+                <a:cs typeface="Arial" panose="00000000000000000000"/>
+                <a:sym typeface="Arial" panose="00000000000000000000"/>
+                <a:rtl val="0"/>
+              </a:defRPr>
+            </a:lvl3pPr>
+            <a:lvl4pPr marL="1657350" marR="0" indent="-285750" algn="l" rtl="0">
+              <a:lnSpc>
+                <a:spcPct val="100000"/>
+              </a:lnSpc>
+              <a:spcBef>
+                <a:spcPts val="360"/>
+              </a:spcBef>
+              <a:spcAft>
+                <a:spcPts val="0"/>
+              </a:spcAft>
+              <a:buClr>
+                <a:schemeClr val="lt2"/>
+              </a:buClr>
+              <a:buSzPct val="166666"/>
+              <a:buFont typeface="Arial"/>
+              <a:buChar char="•"/>
+              <a:defRPr sz="1800" b="0" i="0" u="none" strike="noStrike" cap="none" baseline="0">
+                <a:solidFill>
+                  <a:schemeClr val="lt2"/>
+                </a:solidFill>
+                <a:latin typeface="Arial" panose="00000000000000000000"/>
+                <a:ea typeface="Arial" panose="00000000000000000000"/>
+                <a:cs typeface="Arial" panose="00000000000000000000"/>
+                <a:sym typeface="Arial" panose="00000000000000000000"/>
+                <a:rtl val="0"/>
+              </a:defRPr>
+            </a:lvl4pPr>
+            <a:lvl5pPr marL="2114550" marR="0" indent="-285750" algn="l" rtl="0">
+              <a:lnSpc>
+                <a:spcPct val="100000"/>
+              </a:lnSpc>
+              <a:spcBef>
+                <a:spcPts val="360"/>
+              </a:spcBef>
+              <a:spcAft>
+                <a:spcPts val="0"/>
+              </a:spcAft>
+              <a:buClr>
+                <a:schemeClr val="lt2"/>
+              </a:buClr>
+              <a:buSzPct val="100000"/>
+              <a:buFont typeface="Courier New"/>
+              <a:buChar char="o"/>
+              <a:defRPr sz="1800" b="0" i="0" u="none" strike="noStrike" cap="none" baseline="0">
+                <a:solidFill>
+                  <a:schemeClr val="lt2"/>
+                </a:solidFill>
+                <a:latin typeface="Arial" panose="00000000000000000000"/>
+                <a:ea typeface="Arial" panose="00000000000000000000"/>
+                <a:cs typeface="Arial" panose="00000000000000000000"/>
+                <a:sym typeface="Arial" panose="00000000000000000000"/>
+                <a:rtl val="0"/>
+              </a:defRPr>
+            </a:lvl5pPr>
+            <a:lvl6pPr marL="2571750" marR="0" indent="-285750" algn="l" rtl="0">
+              <a:lnSpc>
+                <a:spcPct val="100000"/>
+              </a:lnSpc>
+              <a:spcBef>
+                <a:spcPts val="360"/>
+              </a:spcBef>
+              <a:spcAft>
+                <a:spcPts val="0"/>
+              </a:spcAft>
+              <a:buClr>
+                <a:schemeClr val="lt2"/>
+              </a:buClr>
+              <a:buSzPct val="100000"/>
+              <a:buFont typeface="Wingdings"/>
+              <a:buChar char="§"/>
+              <a:defRPr sz="1800" b="0" i="0" u="none" strike="noStrike" cap="none" baseline="0">
+                <a:solidFill>
+                  <a:schemeClr val="lt2"/>
+                </a:solidFill>
+                <a:latin typeface="Arial" panose="00000000000000000000"/>
+                <a:ea typeface="Arial" panose="00000000000000000000"/>
+                <a:cs typeface="Arial" panose="00000000000000000000"/>
+                <a:sym typeface="Arial" panose="00000000000000000000"/>
+                <a:rtl val="0"/>
+              </a:defRPr>
+            </a:lvl6pPr>
+            <a:lvl7pPr marL="3028950" marR="0" indent="-285750" algn="l" rtl="0">
+              <a:lnSpc>
+                <a:spcPct val="100000"/>
+              </a:lnSpc>
+              <a:spcBef>
+                <a:spcPts val="360"/>
+              </a:spcBef>
+              <a:spcAft>
+                <a:spcPts val="0"/>
+              </a:spcAft>
+              <a:buClr>
+                <a:schemeClr val="lt2"/>
+              </a:buClr>
+              <a:buSzPct val="166666"/>
+              <a:buFont typeface="Arial"/>
+              <a:buChar char="•"/>
+              <a:defRPr sz="1800" b="0" i="0" u="none" strike="noStrike" cap="none" baseline="0">
+                <a:solidFill>
+                  <a:schemeClr val="lt2"/>
+                </a:solidFill>
+                <a:latin typeface="Arial" panose="00000000000000000000"/>
+                <a:ea typeface="Arial" panose="00000000000000000000"/>
+                <a:cs typeface="Arial" panose="00000000000000000000"/>
+                <a:sym typeface="Arial" panose="00000000000000000000"/>
+                <a:rtl val="0"/>
+              </a:defRPr>
+            </a:lvl7pPr>
+            <a:lvl8pPr marL="3486150" marR="0" indent="-285750" algn="l" rtl="0">
+              <a:lnSpc>
+                <a:spcPct val="100000"/>
+              </a:lnSpc>
+              <a:spcBef>
+                <a:spcPts val="360"/>
+              </a:spcBef>
+              <a:spcAft>
+                <a:spcPts val="0"/>
+              </a:spcAft>
+              <a:buClr>
+                <a:schemeClr val="lt2"/>
+              </a:buClr>
+              <a:buSzPct val="100000"/>
+              <a:buFont typeface="Courier New"/>
+              <a:buChar char="o"/>
+              <a:defRPr sz="1800" b="0" i="0" u="none" strike="noStrike" cap="none" baseline="0">
+                <a:solidFill>
+                  <a:schemeClr val="lt2"/>
+                </a:solidFill>
+                <a:latin typeface="Arial" panose="00000000000000000000"/>
+                <a:ea typeface="Arial" panose="00000000000000000000"/>
+                <a:cs typeface="Arial" panose="00000000000000000000"/>
+                <a:sym typeface="Arial" panose="00000000000000000000"/>
+                <a:rtl val="0"/>
+              </a:defRPr>
+            </a:lvl8pPr>
+            <a:lvl9pPr marL="3943350" marR="0" indent="-285750" algn="l" rtl="0">
+              <a:lnSpc>
+                <a:spcPct val="100000"/>
+              </a:lnSpc>
+              <a:spcBef>
+                <a:spcPts val="360"/>
+              </a:spcBef>
+              <a:spcAft>
+                <a:spcPts val="0"/>
+              </a:spcAft>
+              <a:buClr>
+                <a:schemeClr val="lt2"/>
+              </a:buClr>
+              <a:buSzPct val="100000"/>
+              <a:buFont typeface="Wingdings"/>
+              <a:buChar char="§"/>
+              <a:defRPr sz="1800" b="0" i="0" u="none" strike="noStrike" cap="none" baseline="0">
+                <a:solidFill>
+                  <a:schemeClr val="lt2"/>
+                </a:solidFill>
+                <a:latin typeface="Arial" panose="00000000000000000000"/>
+                <a:ea typeface="Arial" panose="00000000000000000000"/>
+                <a:cs typeface="Arial" panose="00000000000000000000"/>
+                <a:sym typeface="Arial" panose="00000000000000000000"/>
+                <a:rtl val="0"/>
+              </a:defRPr>
+            </a:lvl9pPr>
+          </a:lstStyle>
+          <a:p>
+            <a:pPr marL="0" indent="0" algn="ctr">
+              <a:buFont typeface="Arial"/>
+              <a:buNone/>
+            </a:pPr>
+            <a:r>
+              <a:rPr lang="en-US" sz="1800" dirty="0" err="1" smtClean="0"/>
+              <a:t>Neeti</a:t>
+            </a:r>
+            <a:r>
+              <a:rPr lang="en-US" sz="1800" dirty="0" smtClean="0"/>
+              <a:t> </a:t>
+            </a:r>
+            <a:r>
+              <a:rPr lang="en-US" sz="1800" dirty="0" err="1" smtClean="0"/>
+              <a:t>Pathak</a:t>
+            </a:r>
+            <a:endParaRPr lang="en-US" sz="1800" dirty="0" smtClean="0"/>
+          </a:p>
+        </p:txBody>
+      </p:sp>
     </p:spTree>
   </p:cSld>
   <p:clrMapOvr>
     <a:masterClrMapping/>
   </p:clrMapOvr>
-  <mc:AlternateContent xmlns:mc="http://schemas.openxmlformats.org/markup-compatibility/2006">
-    <mc:Choice xmlns:p14="http://schemas.microsoft.com/office/powerpoint/2010/main" Requires="p14">
+  <mc:AlternateContent xmlns:mc="http://schemas.openxmlformats.org/markup-compatibility/2006" xmlns:p14="http://schemas.microsoft.com/office/powerpoint/2010/main">
+    <mc:Choice Requires="p14">
       <p:transition spd="slow">
         <p14:vortex dir="u"/>
       </p:transition>
     </mc:Choice>
-    <mc:Fallback>
+    <mc:Fallback xmlns="">
       <p:transition spd="slow">
         <p:fade/>
       </p:transition>
@@ -11904,15 +11006,7 @@
             </a:r>
             <a:r>
               <a:rPr lang="en-US" sz="1800" dirty="0" smtClean="0"/>
-              <a:t> </a:t>
-            </a:r>
-            <a:r>
-              <a:rPr lang="en-US" sz="1800" dirty="0" smtClean="0"/>
-              <a:t>480x320 </a:t>
-            </a:r>
-            <a:r>
-              <a:rPr lang="en-US" sz="1800" dirty="0" smtClean="0"/>
-              <a:t>(HVGA)</a:t>
+              <a:t> 480x320 (HVGA)</a:t>
             </a:r>
           </a:p>
           <a:p>
@@ -11942,25 +11036,8 @@
           <a:p>
             <a:r>
               <a:rPr lang="en-US" sz="2400" dirty="0" smtClean="0"/>
-              <a:t>Technologies: </a:t>
+              <a:t>Technologies: SQLite, Corona SDK, Particle Candy Library, and Physics Editor</a:t>
             </a:r>
-            <a:r>
-              <a:rPr lang="en-US" sz="2400" dirty="0" smtClean="0"/>
-              <a:t>SQLite, </a:t>
-            </a:r>
-            <a:r>
-              <a:rPr lang="en-US" sz="2400" dirty="0" smtClean="0"/>
-              <a:t>Corona SDK, </a:t>
-            </a:r>
-            <a:r>
-              <a:rPr lang="en-US" sz="2400" dirty="0" smtClean="0"/>
-              <a:t>Particle Candy Library, </a:t>
-            </a:r>
-            <a:r>
-              <a:rPr lang="en-US" sz="2400" dirty="0" smtClean="0"/>
-              <a:t>and Physics Editor</a:t>
-            </a:r>
-            <a:endParaRPr lang="en-US" sz="2400" dirty="0" smtClean="0"/>
           </a:p>
           <a:p>
             <a:r>
@@ -11993,18 +11070,320 @@
           </a:p>
         </p:txBody>
       </p:sp>
+      <p:sp>
+        <p:nvSpPr>
+          <p:cNvPr id="4" name="Shape 75"/>
+          <p:cNvSpPr txBox="1">
+            <a:spLocks/>
+          </p:cNvSpPr>
+          <p:nvPr/>
+        </p:nvSpPr>
+        <p:spPr>
+          <a:xfrm>
+            <a:off x="7620000" y="6377893"/>
+            <a:ext cx="1524000" cy="461635"/>
+          </a:xfrm>
+          <a:prstGeom prst="rect">
+            <a:avLst/>
+          </a:prstGeom>
+          <a:noFill/>
+          <a:ln>
+            <a:noFill/>
+          </a:ln>
+        </p:spPr>
+        <p:txBody>
+          <a:bodyPr wrap="square" lIns="91425" tIns="91425" rIns="91425" bIns="91425" anchor="t" anchorCtr="0">
+            <a:spAutoFit/>
+          </a:bodyPr>
+          <a:lstStyle>
+            <a:defPPr marR="0" algn="l" rtl="0">
+              <a:lnSpc>
+                <a:spcPct val="100000"/>
+              </a:lnSpc>
+              <a:spcBef>
+                <a:spcPts val="0"/>
+              </a:spcBef>
+              <a:spcAft>
+                <a:spcPts val="0"/>
+              </a:spcAft>
+            </a:defPPr>
+            <a:lvl1pPr marL="457200" marR="0" indent="-457200" algn="l" rtl="0">
+              <a:lnSpc>
+                <a:spcPct val="100000"/>
+              </a:lnSpc>
+              <a:spcBef>
+                <a:spcPts val="600"/>
+              </a:spcBef>
+              <a:spcAft>
+                <a:spcPts val="0"/>
+              </a:spcAft>
+              <a:buClr>
+                <a:schemeClr val="lt2"/>
+              </a:buClr>
+              <a:buSzPct val="166666"/>
+              <a:buFont typeface="Arial"/>
+              <a:buChar char="•"/>
+              <a:defRPr sz="3000" b="0" i="0" u="none" strike="noStrike" cap="none" baseline="0">
+                <a:solidFill>
+                  <a:schemeClr val="lt2"/>
+                </a:solidFill>
+                <a:latin typeface="Arial" panose="00000000000000000000"/>
+                <a:ea typeface="Arial" panose="00000000000000000000"/>
+                <a:cs typeface="Arial" panose="00000000000000000000"/>
+                <a:sym typeface="Arial" panose="00000000000000000000"/>
+                <a:rtl val="0"/>
+              </a:defRPr>
+            </a:lvl1pPr>
+            <a:lvl2pPr marL="800100" marR="0" indent="-342900" algn="l" rtl="0">
+              <a:lnSpc>
+                <a:spcPct val="100000"/>
+              </a:lnSpc>
+              <a:spcBef>
+                <a:spcPts val="480"/>
+              </a:spcBef>
+              <a:spcAft>
+                <a:spcPts val="0"/>
+              </a:spcAft>
+              <a:buClr>
+                <a:schemeClr val="lt2"/>
+              </a:buClr>
+              <a:buSzPct val="100000"/>
+              <a:buFont typeface="Courier New"/>
+              <a:buChar char="o"/>
+              <a:defRPr sz="2400" b="0" i="0" u="none" strike="noStrike" cap="none" baseline="0">
+                <a:solidFill>
+                  <a:schemeClr val="lt2"/>
+                </a:solidFill>
+                <a:latin typeface="Arial" panose="00000000000000000000"/>
+                <a:ea typeface="Arial" panose="00000000000000000000"/>
+                <a:cs typeface="Arial" panose="00000000000000000000"/>
+                <a:sym typeface="Arial" panose="00000000000000000000"/>
+                <a:rtl val="0"/>
+              </a:defRPr>
+            </a:lvl2pPr>
+            <a:lvl3pPr marL="1257300" marR="0" indent="-342900" algn="l" rtl="0">
+              <a:lnSpc>
+                <a:spcPct val="100000"/>
+              </a:lnSpc>
+              <a:spcBef>
+                <a:spcPts val="480"/>
+              </a:spcBef>
+              <a:spcAft>
+                <a:spcPts val="0"/>
+              </a:spcAft>
+              <a:buClr>
+                <a:schemeClr val="lt2"/>
+              </a:buClr>
+              <a:buSzPct val="100000"/>
+              <a:buFont typeface="Wingdings"/>
+              <a:buChar char="§"/>
+              <a:defRPr sz="2400" b="0" i="0" u="none" strike="noStrike" cap="none" baseline="0">
+                <a:solidFill>
+                  <a:schemeClr val="lt2"/>
+                </a:solidFill>
+                <a:latin typeface="Arial" panose="00000000000000000000"/>
+                <a:ea typeface="Arial" panose="00000000000000000000"/>
+                <a:cs typeface="Arial" panose="00000000000000000000"/>
+                <a:sym typeface="Arial" panose="00000000000000000000"/>
+                <a:rtl val="0"/>
+              </a:defRPr>
+            </a:lvl3pPr>
+            <a:lvl4pPr marL="1657350" marR="0" indent="-285750" algn="l" rtl="0">
+              <a:lnSpc>
+                <a:spcPct val="100000"/>
+              </a:lnSpc>
+              <a:spcBef>
+                <a:spcPts val="360"/>
+              </a:spcBef>
+              <a:spcAft>
+                <a:spcPts val="0"/>
+              </a:spcAft>
+              <a:buClr>
+                <a:schemeClr val="lt2"/>
+              </a:buClr>
+              <a:buSzPct val="166666"/>
+              <a:buFont typeface="Arial"/>
+              <a:buChar char="•"/>
+              <a:defRPr sz="1800" b="0" i="0" u="none" strike="noStrike" cap="none" baseline="0">
+                <a:solidFill>
+                  <a:schemeClr val="lt2"/>
+                </a:solidFill>
+                <a:latin typeface="Arial" panose="00000000000000000000"/>
+                <a:ea typeface="Arial" panose="00000000000000000000"/>
+                <a:cs typeface="Arial" panose="00000000000000000000"/>
+                <a:sym typeface="Arial" panose="00000000000000000000"/>
+                <a:rtl val="0"/>
+              </a:defRPr>
+            </a:lvl4pPr>
+            <a:lvl5pPr marL="2114550" marR="0" indent="-285750" algn="l" rtl="0">
+              <a:lnSpc>
+                <a:spcPct val="100000"/>
+              </a:lnSpc>
+              <a:spcBef>
+                <a:spcPts val="360"/>
+              </a:spcBef>
+              <a:spcAft>
+                <a:spcPts val="0"/>
+              </a:spcAft>
+              <a:buClr>
+                <a:schemeClr val="lt2"/>
+              </a:buClr>
+              <a:buSzPct val="100000"/>
+              <a:buFont typeface="Courier New"/>
+              <a:buChar char="o"/>
+              <a:defRPr sz="1800" b="0" i="0" u="none" strike="noStrike" cap="none" baseline="0">
+                <a:solidFill>
+                  <a:schemeClr val="lt2"/>
+                </a:solidFill>
+                <a:latin typeface="Arial" panose="00000000000000000000"/>
+                <a:ea typeface="Arial" panose="00000000000000000000"/>
+                <a:cs typeface="Arial" panose="00000000000000000000"/>
+                <a:sym typeface="Arial" panose="00000000000000000000"/>
+                <a:rtl val="0"/>
+              </a:defRPr>
+            </a:lvl5pPr>
+            <a:lvl6pPr marL="2571750" marR="0" indent="-285750" algn="l" rtl="0">
+              <a:lnSpc>
+                <a:spcPct val="100000"/>
+              </a:lnSpc>
+              <a:spcBef>
+                <a:spcPts val="360"/>
+              </a:spcBef>
+              <a:spcAft>
+                <a:spcPts val="0"/>
+              </a:spcAft>
+              <a:buClr>
+                <a:schemeClr val="lt2"/>
+              </a:buClr>
+              <a:buSzPct val="100000"/>
+              <a:buFont typeface="Wingdings"/>
+              <a:buChar char="§"/>
+              <a:defRPr sz="1800" b="0" i="0" u="none" strike="noStrike" cap="none" baseline="0">
+                <a:solidFill>
+                  <a:schemeClr val="lt2"/>
+                </a:solidFill>
+                <a:latin typeface="Arial" panose="00000000000000000000"/>
+                <a:ea typeface="Arial" panose="00000000000000000000"/>
+                <a:cs typeface="Arial" panose="00000000000000000000"/>
+                <a:sym typeface="Arial" panose="00000000000000000000"/>
+                <a:rtl val="0"/>
+              </a:defRPr>
+            </a:lvl6pPr>
+            <a:lvl7pPr marL="3028950" marR="0" indent="-285750" algn="l" rtl="0">
+              <a:lnSpc>
+                <a:spcPct val="100000"/>
+              </a:lnSpc>
+              <a:spcBef>
+                <a:spcPts val="360"/>
+              </a:spcBef>
+              <a:spcAft>
+                <a:spcPts val="0"/>
+              </a:spcAft>
+              <a:buClr>
+                <a:schemeClr val="lt2"/>
+              </a:buClr>
+              <a:buSzPct val="166666"/>
+              <a:buFont typeface="Arial"/>
+              <a:buChar char="•"/>
+              <a:defRPr sz="1800" b="0" i="0" u="none" strike="noStrike" cap="none" baseline="0">
+                <a:solidFill>
+                  <a:schemeClr val="lt2"/>
+                </a:solidFill>
+                <a:latin typeface="Arial" panose="00000000000000000000"/>
+                <a:ea typeface="Arial" panose="00000000000000000000"/>
+                <a:cs typeface="Arial" panose="00000000000000000000"/>
+                <a:sym typeface="Arial" panose="00000000000000000000"/>
+                <a:rtl val="0"/>
+              </a:defRPr>
+            </a:lvl7pPr>
+            <a:lvl8pPr marL="3486150" marR="0" indent="-285750" algn="l" rtl="0">
+              <a:lnSpc>
+                <a:spcPct val="100000"/>
+              </a:lnSpc>
+              <a:spcBef>
+                <a:spcPts val="360"/>
+              </a:spcBef>
+              <a:spcAft>
+                <a:spcPts val="0"/>
+              </a:spcAft>
+              <a:buClr>
+                <a:schemeClr val="lt2"/>
+              </a:buClr>
+              <a:buSzPct val="100000"/>
+              <a:buFont typeface="Courier New"/>
+              <a:buChar char="o"/>
+              <a:defRPr sz="1800" b="0" i="0" u="none" strike="noStrike" cap="none" baseline="0">
+                <a:solidFill>
+                  <a:schemeClr val="lt2"/>
+                </a:solidFill>
+                <a:latin typeface="Arial" panose="00000000000000000000"/>
+                <a:ea typeface="Arial" panose="00000000000000000000"/>
+                <a:cs typeface="Arial" panose="00000000000000000000"/>
+                <a:sym typeface="Arial" panose="00000000000000000000"/>
+                <a:rtl val="0"/>
+              </a:defRPr>
+            </a:lvl8pPr>
+            <a:lvl9pPr marL="3943350" marR="0" indent="-285750" algn="l" rtl="0">
+              <a:lnSpc>
+                <a:spcPct val="100000"/>
+              </a:lnSpc>
+              <a:spcBef>
+                <a:spcPts val="360"/>
+              </a:spcBef>
+              <a:spcAft>
+                <a:spcPts val="0"/>
+              </a:spcAft>
+              <a:buClr>
+                <a:schemeClr val="lt2"/>
+              </a:buClr>
+              <a:buSzPct val="100000"/>
+              <a:buFont typeface="Wingdings"/>
+              <a:buChar char="§"/>
+              <a:defRPr sz="1800" b="0" i="0" u="none" strike="noStrike" cap="none" baseline="0">
+                <a:solidFill>
+                  <a:schemeClr val="lt2"/>
+                </a:solidFill>
+                <a:latin typeface="Arial" panose="00000000000000000000"/>
+                <a:ea typeface="Arial" panose="00000000000000000000"/>
+                <a:cs typeface="Arial" panose="00000000000000000000"/>
+                <a:sym typeface="Arial" panose="00000000000000000000"/>
+                <a:rtl val="0"/>
+              </a:defRPr>
+            </a:lvl9pPr>
+          </a:lstStyle>
+          <a:p>
+            <a:pPr marL="0" indent="0" algn="ctr">
+              <a:buFont typeface="Arial"/>
+              <a:buNone/>
+            </a:pPr>
+            <a:r>
+              <a:rPr lang="en-US" sz="1800" dirty="0" err="1" smtClean="0"/>
+              <a:t>Neeti</a:t>
+            </a:r>
+            <a:r>
+              <a:rPr lang="en-US" sz="1800" dirty="0" smtClean="0"/>
+              <a:t> </a:t>
+            </a:r>
+            <a:r>
+              <a:rPr lang="en-US" sz="1800" dirty="0" err="1" smtClean="0"/>
+              <a:t>Pathak</a:t>
+            </a:r>
+            <a:endParaRPr lang="en-US" sz="1800" dirty="0" smtClean="0"/>
+          </a:p>
+        </p:txBody>
+      </p:sp>
     </p:spTree>
   </p:cSld>
   <p:clrMapOvr>
     <a:masterClrMapping/>
   </p:clrMapOvr>
-  <mc:AlternateContent xmlns:mc="http://schemas.openxmlformats.org/markup-compatibility/2006">
-    <mc:Choice xmlns:p14="http://schemas.microsoft.com/office/powerpoint/2010/main" Requires="p14">
+  <mc:AlternateContent xmlns:mc="http://schemas.openxmlformats.org/markup-compatibility/2006" xmlns:p14="http://schemas.microsoft.com/office/powerpoint/2010/main">
+    <mc:Choice Requires="p14">
       <p:transition spd="slow">
         <p14:vortex dir="u"/>
       </p:transition>
     </mc:Choice>
-    <mc:Fallback>
+    <mc:Fallback xmlns="">
       <p:transition spd="slow">
         <p:fade/>
       </p:transition>
@@ -12061,17 +11440,8 @@
             <a:pPr lvl="1"/>
             <a:r>
               <a:rPr lang="en-US" sz="1800" dirty="0" smtClean="0"/>
-              <a:t>Use allotted </a:t>
+              <a:t>Use allotted funds to build fortress and select units</a:t>
             </a:r>
-            <a:r>
-              <a:rPr lang="en-US" sz="1800" dirty="0" smtClean="0"/>
-              <a:t>funds to </a:t>
-            </a:r>
-            <a:r>
-              <a:rPr lang="en-US" sz="1800" dirty="0" smtClean="0"/>
-              <a:t>build fortress and select units</a:t>
-            </a:r>
-            <a:endParaRPr lang="en-US" sz="1800" dirty="0" smtClean="0"/>
           </a:p>
           <a:p>
             <a:r>
@@ -12083,11 +11453,7 @@
             <a:pPr lvl="1"/>
             <a:r>
               <a:rPr lang="en-US" sz="1800" dirty="0" smtClean="0"/>
-              <a:t>Block hits, </a:t>
-            </a:r>
-            <a:r>
-              <a:rPr lang="en-US" sz="1800" dirty="0" smtClean="0"/>
-              <a:t>building under-budget</a:t>
+              <a:t>Block hits, building under-budget</a:t>
             </a:r>
             <a:r>
               <a:rPr lang="en-US" sz="1800" dirty="0"/>
@@ -12169,18 +11535,320 @@
           </a:p>
         </p:txBody>
       </p:sp>
+      <p:sp>
+        <p:nvSpPr>
+          <p:cNvPr id="4" name="Shape 75"/>
+          <p:cNvSpPr txBox="1">
+            <a:spLocks/>
+          </p:cNvSpPr>
+          <p:nvPr/>
+        </p:nvSpPr>
+        <p:spPr>
+          <a:xfrm>
+            <a:off x="7620000" y="6377893"/>
+            <a:ext cx="1524000" cy="461635"/>
+          </a:xfrm>
+          <a:prstGeom prst="rect">
+            <a:avLst/>
+          </a:prstGeom>
+          <a:noFill/>
+          <a:ln>
+            <a:noFill/>
+          </a:ln>
+        </p:spPr>
+        <p:txBody>
+          <a:bodyPr wrap="square" lIns="91425" tIns="91425" rIns="91425" bIns="91425" anchor="t" anchorCtr="0">
+            <a:spAutoFit/>
+          </a:bodyPr>
+          <a:lstStyle>
+            <a:defPPr marR="0" algn="l" rtl="0">
+              <a:lnSpc>
+                <a:spcPct val="100000"/>
+              </a:lnSpc>
+              <a:spcBef>
+                <a:spcPts val="0"/>
+              </a:spcBef>
+              <a:spcAft>
+                <a:spcPts val="0"/>
+              </a:spcAft>
+            </a:defPPr>
+            <a:lvl1pPr marL="457200" marR="0" indent="-457200" algn="l" rtl="0">
+              <a:lnSpc>
+                <a:spcPct val="100000"/>
+              </a:lnSpc>
+              <a:spcBef>
+                <a:spcPts val="600"/>
+              </a:spcBef>
+              <a:spcAft>
+                <a:spcPts val="0"/>
+              </a:spcAft>
+              <a:buClr>
+                <a:schemeClr val="lt2"/>
+              </a:buClr>
+              <a:buSzPct val="166666"/>
+              <a:buFont typeface="Arial"/>
+              <a:buChar char="•"/>
+              <a:defRPr sz="3000" b="0" i="0" u="none" strike="noStrike" cap="none" baseline="0">
+                <a:solidFill>
+                  <a:schemeClr val="lt2"/>
+                </a:solidFill>
+                <a:latin typeface="Arial" panose="00000000000000000000"/>
+                <a:ea typeface="Arial" panose="00000000000000000000"/>
+                <a:cs typeface="Arial" panose="00000000000000000000"/>
+                <a:sym typeface="Arial" panose="00000000000000000000"/>
+                <a:rtl val="0"/>
+              </a:defRPr>
+            </a:lvl1pPr>
+            <a:lvl2pPr marL="800100" marR="0" indent="-342900" algn="l" rtl="0">
+              <a:lnSpc>
+                <a:spcPct val="100000"/>
+              </a:lnSpc>
+              <a:spcBef>
+                <a:spcPts val="480"/>
+              </a:spcBef>
+              <a:spcAft>
+                <a:spcPts val="0"/>
+              </a:spcAft>
+              <a:buClr>
+                <a:schemeClr val="lt2"/>
+              </a:buClr>
+              <a:buSzPct val="100000"/>
+              <a:buFont typeface="Courier New"/>
+              <a:buChar char="o"/>
+              <a:defRPr sz="2400" b="0" i="0" u="none" strike="noStrike" cap="none" baseline="0">
+                <a:solidFill>
+                  <a:schemeClr val="lt2"/>
+                </a:solidFill>
+                <a:latin typeface="Arial" panose="00000000000000000000"/>
+                <a:ea typeface="Arial" panose="00000000000000000000"/>
+                <a:cs typeface="Arial" panose="00000000000000000000"/>
+                <a:sym typeface="Arial" panose="00000000000000000000"/>
+                <a:rtl val="0"/>
+              </a:defRPr>
+            </a:lvl2pPr>
+            <a:lvl3pPr marL="1257300" marR="0" indent="-342900" algn="l" rtl="0">
+              <a:lnSpc>
+                <a:spcPct val="100000"/>
+              </a:lnSpc>
+              <a:spcBef>
+                <a:spcPts val="480"/>
+              </a:spcBef>
+              <a:spcAft>
+                <a:spcPts val="0"/>
+              </a:spcAft>
+              <a:buClr>
+                <a:schemeClr val="lt2"/>
+              </a:buClr>
+              <a:buSzPct val="100000"/>
+              <a:buFont typeface="Wingdings"/>
+              <a:buChar char="§"/>
+              <a:defRPr sz="2400" b="0" i="0" u="none" strike="noStrike" cap="none" baseline="0">
+                <a:solidFill>
+                  <a:schemeClr val="lt2"/>
+                </a:solidFill>
+                <a:latin typeface="Arial" panose="00000000000000000000"/>
+                <a:ea typeface="Arial" panose="00000000000000000000"/>
+                <a:cs typeface="Arial" panose="00000000000000000000"/>
+                <a:sym typeface="Arial" panose="00000000000000000000"/>
+                <a:rtl val="0"/>
+              </a:defRPr>
+            </a:lvl3pPr>
+            <a:lvl4pPr marL="1657350" marR="0" indent="-285750" algn="l" rtl="0">
+              <a:lnSpc>
+                <a:spcPct val="100000"/>
+              </a:lnSpc>
+              <a:spcBef>
+                <a:spcPts val="360"/>
+              </a:spcBef>
+              <a:spcAft>
+                <a:spcPts val="0"/>
+              </a:spcAft>
+              <a:buClr>
+                <a:schemeClr val="lt2"/>
+              </a:buClr>
+              <a:buSzPct val="166666"/>
+              <a:buFont typeface="Arial"/>
+              <a:buChar char="•"/>
+              <a:defRPr sz="1800" b="0" i="0" u="none" strike="noStrike" cap="none" baseline="0">
+                <a:solidFill>
+                  <a:schemeClr val="lt2"/>
+                </a:solidFill>
+                <a:latin typeface="Arial" panose="00000000000000000000"/>
+                <a:ea typeface="Arial" panose="00000000000000000000"/>
+                <a:cs typeface="Arial" panose="00000000000000000000"/>
+                <a:sym typeface="Arial" panose="00000000000000000000"/>
+                <a:rtl val="0"/>
+              </a:defRPr>
+            </a:lvl4pPr>
+            <a:lvl5pPr marL="2114550" marR="0" indent="-285750" algn="l" rtl="0">
+              <a:lnSpc>
+                <a:spcPct val="100000"/>
+              </a:lnSpc>
+              <a:spcBef>
+                <a:spcPts val="360"/>
+              </a:spcBef>
+              <a:spcAft>
+                <a:spcPts val="0"/>
+              </a:spcAft>
+              <a:buClr>
+                <a:schemeClr val="lt2"/>
+              </a:buClr>
+              <a:buSzPct val="100000"/>
+              <a:buFont typeface="Courier New"/>
+              <a:buChar char="o"/>
+              <a:defRPr sz="1800" b="0" i="0" u="none" strike="noStrike" cap="none" baseline="0">
+                <a:solidFill>
+                  <a:schemeClr val="lt2"/>
+                </a:solidFill>
+                <a:latin typeface="Arial" panose="00000000000000000000"/>
+                <a:ea typeface="Arial" panose="00000000000000000000"/>
+                <a:cs typeface="Arial" panose="00000000000000000000"/>
+                <a:sym typeface="Arial" panose="00000000000000000000"/>
+                <a:rtl val="0"/>
+              </a:defRPr>
+            </a:lvl5pPr>
+            <a:lvl6pPr marL="2571750" marR="0" indent="-285750" algn="l" rtl="0">
+              <a:lnSpc>
+                <a:spcPct val="100000"/>
+              </a:lnSpc>
+              <a:spcBef>
+                <a:spcPts val="360"/>
+              </a:spcBef>
+              <a:spcAft>
+                <a:spcPts val="0"/>
+              </a:spcAft>
+              <a:buClr>
+                <a:schemeClr val="lt2"/>
+              </a:buClr>
+              <a:buSzPct val="100000"/>
+              <a:buFont typeface="Wingdings"/>
+              <a:buChar char="§"/>
+              <a:defRPr sz="1800" b="0" i="0" u="none" strike="noStrike" cap="none" baseline="0">
+                <a:solidFill>
+                  <a:schemeClr val="lt2"/>
+                </a:solidFill>
+                <a:latin typeface="Arial" panose="00000000000000000000"/>
+                <a:ea typeface="Arial" panose="00000000000000000000"/>
+                <a:cs typeface="Arial" panose="00000000000000000000"/>
+                <a:sym typeface="Arial" panose="00000000000000000000"/>
+                <a:rtl val="0"/>
+              </a:defRPr>
+            </a:lvl6pPr>
+            <a:lvl7pPr marL="3028950" marR="0" indent="-285750" algn="l" rtl="0">
+              <a:lnSpc>
+                <a:spcPct val="100000"/>
+              </a:lnSpc>
+              <a:spcBef>
+                <a:spcPts val="360"/>
+              </a:spcBef>
+              <a:spcAft>
+                <a:spcPts val="0"/>
+              </a:spcAft>
+              <a:buClr>
+                <a:schemeClr val="lt2"/>
+              </a:buClr>
+              <a:buSzPct val="166666"/>
+              <a:buFont typeface="Arial"/>
+              <a:buChar char="•"/>
+              <a:defRPr sz="1800" b="0" i="0" u="none" strike="noStrike" cap="none" baseline="0">
+                <a:solidFill>
+                  <a:schemeClr val="lt2"/>
+                </a:solidFill>
+                <a:latin typeface="Arial" panose="00000000000000000000"/>
+                <a:ea typeface="Arial" panose="00000000000000000000"/>
+                <a:cs typeface="Arial" panose="00000000000000000000"/>
+                <a:sym typeface="Arial" panose="00000000000000000000"/>
+                <a:rtl val="0"/>
+              </a:defRPr>
+            </a:lvl7pPr>
+            <a:lvl8pPr marL="3486150" marR="0" indent="-285750" algn="l" rtl="0">
+              <a:lnSpc>
+                <a:spcPct val="100000"/>
+              </a:lnSpc>
+              <a:spcBef>
+                <a:spcPts val="360"/>
+              </a:spcBef>
+              <a:spcAft>
+                <a:spcPts val="0"/>
+              </a:spcAft>
+              <a:buClr>
+                <a:schemeClr val="lt2"/>
+              </a:buClr>
+              <a:buSzPct val="100000"/>
+              <a:buFont typeface="Courier New"/>
+              <a:buChar char="o"/>
+              <a:defRPr sz="1800" b="0" i="0" u="none" strike="noStrike" cap="none" baseline="0">
+                <a:solidFill>
+                  <a:schemeClr val="lt2"/>
+                </a:solidFill>
+                <a:latin typeface="Arial" panose="00000000000000000000"/>
+                <a:ea typeface="Arial" panose="00000000000000000000"/>
+                <a:cs typeface="Arial" panose="00000000000000000000"/>
+                <a:sym typeface="Arial" panose="00000000000000000000"/>
+                <a:rtl val="0"/>
+              </a:defRPr>
+            </a:lvl8pPr>
+            <a:lvl9pPr marL="3943350" marR="0" indent="-285750" algn="l" rtl="0">
+              <a:lnSpc>
+                <a:spcPct val="100000"/>
+              </a:lnSpc>
+              <a:spcBef>
+                <a:spcPts val="360"/>
+              </a:spcBef>
+              <a:spcAft>
+                <a:spcPts val="0"/>
+              </a:spcAft>
+              <a:buClr>
+                <a:schemeClr val="lt2"/>
+              </a:buClr>
+              <a:buSzPct val="100000"/>
+              <a:buFont typeface="Wingdings"/>
+              <a:buChar char="§"/>
+              <a:defRPr sz="1800" b="0" i="0" u="none" strike="noStrike" cap="none" baseline="0">
+                <a:solidFill>
+                  <a:schemeClr val="lt2"/>
+                </a:solidFill>
+                <a:latin typeface="Arial" panose="00000000000000000000"/>
+                <a:ea typeface="Arial" panose="00000000000000000000"/>
+                <a:cs typeface="Arial" panose="00000000000000000000"/>
+                <a:sym typeface="Arial" panose="00000000000000000000"/>
+                <a:rtl val="0"/>
+              </a:defRPr>
+            </a:lvl9pPr>
+          </a:lstStyle>
+          <a:p>
+            <a:pPr marL="0" indent="0" algn="ctr">
+              <a:buFont typeface="Arial"/>
+              <a:buNone/>
+            </a:pPr>
+            <a:r>
+              <a:rPr lang="en-US" sz="1800" dirty="0" err="1" smtClean="0"/>
+              <a:t>Neeti</a:t>
+            </a:r>
+            <a:r>
+              <a:rPr lang="en-US" sz="1800" dirty="0" smtClean="0"/>
+              <a:t> </a:t>
+            </a:r>
+            <a:r>
+              <a:rPr lang="en-US" sz="1800" dirty="0" err="1" smtClean="0"/>
+              <a:t>Pathak</a:t>
+            </a:r>
+            <a:endParaRPr lang="en-US" sz="1800" dirty="0" smtClean="0"/>
+          </a:p>
+        </p:txBody>
+      </p:sp>
     </p:spTree>
   </p:cSld>
   <p:clrMapOvr>
     <a:masterClrMapping/>
   </p:clrMapOvr>
-  <mc:AlternateContent xmlns:mc="http://schemas.openxmlformats.org/markup-compatibility/2006">
-    <mc:Choice xmlns:p14="http://schemas.microsoft.com/office/powerpoint/2010/main" Requires="p14">
+  <mc:AlternateContent xmlns:mc="http://schemas.openxmlformats.org/markup-compatibility/2006" xmlns:p14="http://schemas.microsoft.com/office/powerpoint/2010/main">
+    <mc:Choice Requires="p14">
       <p:transition spd="slow">
         <p14:vortex dir="u"/>
       </p:transition>
     </mc:Choice>
-    <mc:Fallback>
+    <mc:Fallback xmlns="">
       <p:transition spd="slow">
         <p:fade/>
       </p:transition>
@@ -12230,7 +11898,7 @@
           <a:p>
             <a:r>
               <a:rPr lang="en-US" sz="2400" dirty="0" smtClean="0"/>
-              <a:t>Match start: Player uses allotted level funds to buy materials, troops from pull-out menu </a:t>
+              <a:t>Match start: Player accesses materials, troops and previously unlocked items from pull-out menu </a:t>
             </a:r>
           </a:p>
           <a:p>
@@ -12249,25 +11917,8 @@
             <a:pPr lvl="1"/>
             <a:r>
               <a:rPr lang="en-US" sz="1800" dirty="0" smtClean="0"/>
-              <a:t>Single-player: New technology </a:t>
+              <a:t>Single-player: New technology unlocks will be rewarded after levels are completed</a:t>
             </a:r>
-            <a:r>
-              <a:rPr lang="en-US" sz="1800" dirty="0" smtClean="0"/>
-              <a:t>unlocks will be </a:t>
-            </a:r>
-            <a:r>
-              <a:rPr lang="en-US" sz="1800" dirty="0" smtClean="0"/>
-              <a:t>rewarded </a:t>
-            </a:r>
-            <a:r>
-              <a:rPr lang="en-US" sz="1800" dirty="0" smtClean="0"/>
-              <a:t>after </a:t>
-            </a:r>
-            <a:r>
-              <a:rPr lang="en-US" sz="1800" dirty="0" smtClean="0"/>
-              <a:t>levels are completed</a:t>
-            </a:r>
-            <a:endParaRPr lang="en-US" sz="1800" dirty="0" smtClean="0"/>
           </a:p>
           <a:p>
             <a:pPr lvl="1"/>
@@ -12302,18 +11953,320 @@
           </a:p>
         </p:txBody>
       </p:sp>
+      <p:sp>
+        <p:nvSpPr>
+          <p:cNvPr id="4" name="Shape 75"/>
+          <p:cNvSpPr txBox="1">
+            <a:spLocks/>
+          </p:cNvSpPr>
+          <p:nvPr/>
+        </p:nvSpPr>
+        <p:spPr>
+          <a:xfrm>
+            <a:off x="7620000" y="6377893"/>
+            <a:ext cx="1524000" cy="461635"/>
+          </a:xfrm>
+          <a:prstGeom prst="rect">
+            <a:avLst/>
+          </a:prstGeom>
+          <a:noFill/>
+          <a:ln>
+            <a:noFill/>
+          </a:ln>
+        </p:spPr>
+        <p:txBody>
+          <a:bodyPr wrap="square" lIns="91425" tIns="91425" rIns="91425" bIns="91425" anchor="t" anchorCtr="0">
+            <a:spAutoFit/>
+          </a:bodyPr>
+          <a:lstStyle>
+            <a:defPPr marR="0" algn="l" rtl="0">
+              <a:lnSpc>
+                <a:spcPct val="100000"/>
+              </a:lnSpc>
+              <a:spcBef>
+                <a:spcPts val="0"/>
+              </a:spcBef>
+              <a:spcAft>
+                <a:spcPts val="0"/>
+              </a:spcAft>
+            </a:defPPr>
+            <a:lvl1pPr marL="457200" marR="0" indent="-457200" algn="l" rtl="0">
+              <a:lnSpc>
+                <a:spcPct val="100000"/>
+              </a:lnSpc>
+              <a:spcBef>
+                <a:spcPts val="600"/>
+              </a:spcBef>
+              <a:spcAft>
+                <a:spcPts val="0"/>
+              </a:spcAft>
+              <a:buClr>
+                <a:schemeClr val="lt2"/>
+              </a:buClr>
+              <a:buSzPct val="166666"/>
+              <a:buFont typeface="Arial"/>
+              <a:buChar char="•"/>
+              <a:defRPr sz="3000" b="0" i="0" u="none" strike="noStrike" cap="none" baseline="0">
+                <a:solidFill>
+                  <a:schemeClr val="lt2"/>
+                </a:solidFill>
+                <a:latin typeface="Arial" panose="00000000000000000000"/>
+                <a:ea typeface="Arial" panose="00000000000000000000"/>
+                <a:cs typeface="Arial" panose="00000000000000000000"/>
+                <a:sym typeface="Arial" panose="00000000000000000000"/>
+                <a:rtl val="0"/>
+              </a:defRPr>
+            </a:lvl1pPr>
+            <a:lvl2pPr marL="800100" marR="0" indent="-342900" algn="l" rtl="0">
+              <a:lnSpc>
+                <a:spcPct val="100000"/>
+              </a:lnSpc>
+              <a:spcBef>
+                <a:spcPts val="480"/>
+              </a:spcBef>
+              <a:spcAft>
+                <a:spcPts val="0"/>
+              </a:spcAft>
+              <a:buClr>
+                <a:schemeClr val="lt2"/>
+              </a:buClr>
+              <a:buSzPct val="100000"/>
+              <a:buFont typeface="Courier New"/>
+              <a:buChar char="o"/>
+              <a:defRPr sz="2400" b="0" i="0" u="none" strike="noStrike" cap="none" baseline="0">
+                <a:solidFill>
+                  <a:schemeClr val="lt2"/>
+                </a:solidFill>
+                <a:latin typeface="Arial" panose="00000000000000000000"/>
+                <a:ea typeface="Arial" panose="00000000000000000000"/>
+                <a:cs typeface="Arial" panose="00000000000000000000"/>
+                <a:sym typeface="Arial" panose="00000000000000000000"/>
+                <a:rtl val="0"/>
+              </a:defRPr>
+            </a:lvl2pPr>
+            <a:lvl3pPr marL="1257300" marR="0" indent="-342900" algn="l" rtl="0">
+              <a:lnSpc>
+                <a:spcPct val="100000"/>
+              </a:lnSpc>
+              <a:spcBef>
+                <a:spcPts val="480"/>
+              </a:spcBef>
+              <a:spcAft>
+                <a:spcPts val="0"/>
+              </a:spcAft>
+              <a:buClr>
+                <a:schemeClr val="lt2"/>
+              </a:buClr>
+              <a:buSzPct val="100000"/>
+              <a:buFont typeface="Wingdings"/>
+              <a:buChar char="§"/>
+              <a:defRPr sz="2400" b="0" i="0" u="none" strike="noStrike" cap="none" baseline="0">
+                <a:solidFill>
+                  <a:schemeClr val="lt2"/>
+                </a:solidFill>
+                <a:latin typeface="Arial" panose="00000000000000000000"/>
+                <a:ea typeface="Arial" panose="00000000000000000000"/>
+                <a:cs typeface="Arial" panose="00000000000000000000"/>
+                <a:sym typeface="Arial" panose="00000000000000000000"/>
+                <a:rtl val="0"/>
+              </a:defRPr>
+            </a:lvl3pPr>
+            <a:lvl4pPr marL="1657350" marR="0" indent="-285750" algn="l" rtl="0">
+              <a:lnSpc>
+                <a:spcPct val="100000"/>
+              </a:lnSpc>
+              <a:spcBef>
+                <a:spcPts val="360"/>
+              </a:spcBef>
+              <a:spcAft>
+                <a:spcPts val="0"/>
+              </a:spcAft>
+              <a:buClr>
+                <a:schemeClr val="lt2"/>
+              </a:buClr>
+              <a:buSzPct val="166666"/>
+              <a:buFont typeface="Arial"/>
+              <a:buChar char="•"/>
+              <a:defRPr sz="1800" b="0" i="0" u="none" strike="noStrike" cap="none" baseline="0">
+                <a:solidFill>
+                  <a:schemeClr val="lt2"/>
+                </a:solidFill>
+                <a:latin typeface="Arial" panose="00000000000000000000"/>
+                <a:ea typeface="Arial" panose="00000000000000000000"/>
+                <a:cs typeface="Arial" panose="00000000000000000000"/>
+                <a:sym typeface="Arial" panose="00000000000000000000"/>
+                <a:rtl val="0"/>
+              </a:defRPr>
+            </a:lvl4pPr>
+            <a:lvl5pPr marL="2114550" marR="0" indent="-285750" algn="l" rtl="0">
+              <a:lnSpc>
+                <a:spcPct val="100000"/>
+              </a:lnSpc>
+              <a:spcBef>
+                <a:spcPts val="360"/>
+              </a:spcBef>
+              <a:spcAft>
+                <a:spcPts val="0"/>
+              </a:spcAft>
+              <a:buClr>
+                <a:schemeClr val="lt2"/>
+              </a:buClr>
+              <a:buSzPct val="100000"/>
+              <a:buFont typeface="Courier New"/>
+              <a:buChar char="o"/>
+              <a:defRPr sz="1800" b="0" i="0" u="none" strike="noStrike" cap="none" baseline="0">
+                <a:solidFill>
+                  <a:schemeClr val="lt2"/>
+                </a:solidFill>
+                <a:latin typeface="Arial" panose="00000000000000000000"/>
+                <a:ea typeface="Arial" panose="00000000000000000000"/>
+                <a:cs typeface="Arial" panose="00000000000000000000"/>
+                <a:sym typeface="Arial" panose="00000000000000000000"/>
+                <a:rtl val="0"/>
+              </a:defRPr>
+            </a:lvl5pPr>
+            <a:lvl6pPr marL="2571750" marR="0" indent="-285750" algn="l" rtl="0">
+              <a:lnSpc>
+                <a:spcPct val="100000"/>
+              </a:lnSpc>
+              <a:spcBef>
+                <a:spcPts val="360"/>
+              </a:spcBef>
+              <a:spcAft>
+                <a:spcPts val="0"/>
+              </a:spcAft>
+              <a:buClr>
+                <a:schemeClr val="lt2"/>
+              </a:buClr>
+              <a:buSzPct val="100000"/>
+              <a:buFont typeface="Wingdings"/>
+              <a:buChar char="§"/>
+              <a:defRPr sz="1800" b="0" i="0" u="none" strike="noStrike" cap="none" baseline="0">
+                <a:solidFill>
+                  <a:schemeClr val="lt2"/>
+                </a:solidFill>
+                <a:latin typeface="Arial" panose="00000000000000000000"/>
+                <a:ea typeface="Arial" panose="00000000000000000000"/>
+                <a:cs typeface="Arial" panose="00000000000000000000"/>
+                <a:sym typeface="Arial" panose="00000000000000000000"/>
+                <a:rtl val="0"/>
+              </a:defRPr>
+            </a:lvl6pPr>
+            <a:lvl7pPr marL="3028950" marR="0" indent="-285750" algn="l" rtl="0">
+              <a:lnSpc>
+                <a:spcPct val="100000"/>
+              </a:lnSpc>
+              <a:spcBef>
+                <a:spcPts val="360"/>
+              </a:spcBef>
+              <a:spcAft>
+                <a:spcPts val="0"/>
+              </a:spcAft>
+              <a:buClr>
+                <a:schemeClr val="lt2"/>
+              </a:buClr>
+              <a:buSzPct val="166666"/>
+              <a:buFont typeface="Arial"/>
+              <a:buChar char="•"/>
+              <a:defRPr sz="1800" b="0" i="0" u="none" strike="noStrike" cap="none" baseline="0">
+                <a:solidFill>
+                  <a:schemeClr val="lt2"/>
+                </a:solidFill>
+                <a:latin typeface="Arial" panose="00000000000000000000"/>
+                <a:ea typeface="Arial" panose="00000000000000000000"/>
+                <a:cs typeface="Arial" panose="00000000000000000000"/>
+                <a:sym typeface="Arial" panose="00000000000000000000"/>
+                <a:rtl val="0"/>
+              </a:defRPr>
+            </a:lvl7pPr>
+            <a:lvl8pPr marL="3486150" marR="0" indent="-285750" algn="l" rtl="0">
+              <a:lnSpc>
+                <a:spcPct val="100000"/>
+              </a:lnSpc>
+              <a:spcBef>
+                <a:spcPts val="360"/>
+              </a:spcBef>
+              <a:spcAft>
+                <a:spcPts val="0"/>
+              </a:spcAft>
+              <a:buClr>
+                <a:schemeClr val="lt2"/>
+              </a:buClr>
+              <a:buSzPct val="100000"/>
+              <a:buFont typeface="Courier New"/>
+              <a:buChar char="o"/>
+              <a:defRPr sz="1800" b="0" i="0" u="none" strike="noStrike" cap="none" baseline="0">
+                <a:solidFill>
+                  <a:schemeClr val="lt2"/>
+                </a:solidFill>
+                <a:latin typeface="Arial" panose="00000000000000000000"/>
+                <a:ea typeface="Arial" panose="00000000000000000000"/>
+                <a:cs typeface="Arial" panose="00000000000000000000"/>
+                <a:sym typeface="Arial" panose="00000000000000000000"/>
+                <a:rtl val="0"/>
+              </a:defRPr>
+            </a:lvl8pPr>
+            <a:lvl9pPr marL="3943350" marR="0" indent="-285750" algn="l" rtl="0">
+              <a:lnSpc>
+                <a:spcPct val="100000"/>
+              </a:lnSpc>
+              <a:spcBef>
+                <a:spcPts val="360"/>
+              </a:spcBef>
+              <a:spcAft>
+                <a:spcPts val="0"/>
+              </a:spcAft>
+              <a:buClr>
+                <a:schemeClr val="lt2"/>
+              </a:buClr>
+              <a:buSzPct val="100000"/>
+              <a:buFont typeface="Wingdings"/>
+              <a:buChar char="§"/>
+              <a:defRPr sz="1800" b="0" i="0" u="none" strike="noStrike" cap="none" baseline="0">
+                <a:solidFill>
+                  <a:schemeClr val="lt2"/>
+                </a:solidFill>
+                <a:latin typeface="Arial" panose="00000000000000000000"/>
+                <a:ea typeface="Arial" panose="00000000000000000000"/>
+                <a:cs typeface="Arial" panose="00000000000000000000"/>
+                <a:sym typeface="Arial" panose="00000000000000000000"/>
+                <a:rtl val="0"/>
+              </a:defRPr>
+            </a:lvl9pPr>
+          </a:lstStyle>
+          <a:p>
+            <a:pPr marL="0" indent="0" algn="ctr">
+              <a:buFont typeface="Arial"/>
+              <a:buNone/>
+            </a:pPr>
+            <a:r>
+              <a:rPr lang="en-US" sz="1800" dirty="0" err="1" smtClean="0"/>
+              <a:t>Neeti</a:t>
+            </a:r>
+            <a:r>
+              <a:rPr lang="en-US" sz="1800" dirty="0" smtClean="0"/>
+              <a:t> </a:t>
+            </a:r>
+            <a:r>
+              <a:rPr lang="en-US" sz="1800" dirty="0" err="1" smtClean="0"/>
+              <a:t>Pathak</a:t>
+            </a:r>
+            <a:endParaRPr lang="en-US" sz="1800" dirty="0" smtClean="0"/>
+          </a:p>
+        </p:txBody>
+      </p:sp>
     </p:spTree>
   </p:cSld>
   <p:clrMapOvr>
     <a:masterClrMapping/>
   </p:clrMapOvr>
-  <mc:AlternateContent xmlns:mc="http://schemas.openxmlformats.org/markup-compatibility/2006">
-    <mc:Choice xmlns:p14="http://schemas.microsoft.com/office/powerpoint/2010/main" Requires="p14">
+  <mc:AlternateContent xmlns:mc="http://schemas.openxmlformats.org/markup-compatibility/2006" xmlns:p14="http://schemas.microsoft.com/office/powerpoint/2010/main">
+    <mc:Choice Requires="p14">
       <p:transition spd="slow">
         <p14:vortex dir="u"/>
       </p:transition>
     </mc:Choice>
-    <mc:Fallback>
+    <mc:Fallback xmlns="">
       <p:transition spd="slow">
         <p:fade/>
       </p:transition>
@@ -12370,40 +12323,22 @@
             <a:pPr lvl="1"/>
             <a:r>
               <a:rPr lang="en-US" sz="1800" dirty="0" smtClean="0"/>
-              <a:t>Grid of 5 introductory levels for the player to choose from will be displayed</a:t>
+              <a:t>Grid of 5 levels for the player to choose from will be displayed</a:t>
             </a:r>
-          </a:p>
-          <a:p>
-            <a:pPr lvl="1"/>
-            <a:r>
-              <a:rPr lang="en-US" sz="1800" dirty="0"/>
-              <a:t>User </a:t>
-            </a:r>
-            <a:r>
-              <a:rPr lang="en-US" sz="1800" dirty="0" smtClean="0"/>
-              <a:t>can only play as the </a:t>
-            </a:r>
-            <a:r>
-              <a:rPr lang="en-US" sz="1800" dirty="0" smtClean="0"/>
-              <a:t>Aliens</a:t>
-            </a:r>
-            <a:endParaRPr lang="en-US" sz="1800" dirty="0" smtClean="0"/>
           </a:p>
           <a:p>
             <a:pPr lvl="1"/>
             <a:r>
               <a:rPr lang="en-US" sz="1800" dirty="0" smtClean="0"/>
-              <a:t>Enemy’s fortresses </a:t>
+              <a:t>Within first release user can only play one level as the Aliens</a:t>
             </a:r>
+          </a:p>
+          <a:p>
+            <a:pPr lvl="1"/>
             <a:r>
               <a:rPr lang="en-US" sz="1800" dirty="0" smtClean="0"/>
-              <a:t>will be </a:t>
+              <a:t>Enemy’s fortresses will be pre-constructed</a:t>
             </a:r>
-            <a:r>
-              <a:rPr lang="en-US" sz="1800" dirty="0" smtClean="0"/>
-              <a:t>pre-constructed</a:t>
-            </a:r>
-            <a:endParaRPr lang="en-US" sz="1800" dirty="0" smtClean="0"/>
           </a:p>
           <a:p>
             <a:pPr lvl="1"/>
@@ -12445,18 +12380,315 @@
           </a:p>
         </p:txBody>
       </p:sp>
+      <p:sp>
+        <p:nvSpPr>
+          <p:cNvPr id="4" name="Shape 75"/>
+          <p:cNvSpPr txBox="1">
+            <a:spLocks/>
+          </p:cNvSpPr>
+          <p:nvPr/>
+        </p:nvSpPr>
+        <p:spPr>
+          <a:xfrm>
+            <a:off x="7543800" y="6377893"/>
+            <a:ext cx="1600200" cy="461635"/>
+          </a:xfrm>
+          <a:prstGeom prst="rect">
+            <a:avLst/>
+          </a:prstGeom>
+          <a:noFill/>
+          <a:ln>
+            <a:noFill/>
+          </a:ln>
+        </p:spPr>
+        <p:txBody>
+          <a:bodyPr wrap="square" lIns="91425" tIns="91425" rIns="91425" bIns="91425" anchor="t" anchorCtr="0">
+            <a:spAutoFit/>
+          </a:bodyPr>
+          <a:lstStyle>
+            <a:defPPr marR="0" algn="l" rtl="0">
+              <a:lnSpc>
+                <a:spcPct val="100000"/>
+              </a:lnSpc>
+              <a:spcBef>
+                <a:spcPts val="0"/>
+              </a:spcBef>
+              <a:spcAft>
+                <a:spcPts val="0"/>
+              </a:spcAft>
+            </a:defPPr>
+            <a:lvl1pPr marL="457200" marR="0" indent="-457200" algn="l" rtl="0">
+              <a:lnSpc>
+                <a:spcPct val="100000"/>
+              </a:lnSpc>
+              <a:spcBef>
+                <a:spcPts val="600"/>
+              </a:spcBef>
+              <a:spcAft>
+                <a:spcPts val="0"/>
+              </a:spcAft>
+              <a:buClr>
+                <a:schemeClr val="lt2"/>
+              </a:buClr>
+              <a:buSzPct val="166666"/>
+              <a:buFont typeface="Arial"/>
+              <a:buChar char="•"/>
+              <a:defRPr sz="3000" b="0" i="0" u="none" strike="noStrike" cap="none" baseline="0">
+                <a:solidFill>
+                  <a:schemeClr val="lt2"/>
+                </a:solidFill>
+                <a:latin typeface="Arial" panose="00000000000000000000"/>
+                <a:ea typeface="Arial" panose="00000000000000000000"/>
+                <a:cs typeface="Arial" panose="00000000000000000000"/>
+                <a:sym typeface="Arial" panose="00000000000000000000"/>
+                <a:rtl val="0"/>
+              </a:defRPr>
+            </a:lvl1pPr>
+            <a:lvl2pPr marL="800100" marR="0" indent="-342900" algn="l" rtl="0">
+              <a:lnSpc>
+                <a:spcPct val="100000"/>
+              </a:lnSpc>
+              <a:spcBef>
+                <a:spcPts val="480"/>
+              </a:spcBef>
+              <a:spcAft>
+                <a:spcPts val="0"/>
+              </a:spcAft>
+              <a:buClr>
+                <a:schemeClr val="lt2"/>
+              </a:buClr>
+              <a:buSzPct val="100000"/>
+              <a:buFont typeface="Courier New"/>
+              <a:buChar char="o"/>
+              <a:defRPr sz="2400" b="0" i="0" u="none" strike="noStrike" cap="none" baseline="0">
+                <a:solidFill>
+                  <a:schemeClr val="lt2"/>
+                </a:solidFill>
+                <a:latin typeface="Arial" panose="00000000000000000000"/>
+                <a:ea typeface="Arial" panose="00000000000000000000"/>
+                <a:cs typeface="Arial" panose="00000000000000000000"/>
+                <a:sym typeface="Arial" panose="00000000000000000000"/>
+                <a:rtl val="0"/>
+              </a:defRPr>
+            </a:lvl2pPr>
+            <a:lvl3pPr marL="1257300" marR="0" indent="-342900" algn="l" rtl="0">
+              <a:lnSpc>
+                <a:spcPct val="100000"/>
+              </a:lnSpc>
+              <a:spcBef>
+                <a:spcPts val="480"/>
+              </a:spcBef>
+              <a:spcAft>
+                <a:spcPts val="0"/>
+              </a:spcAft>
+              <a:buClr>
+                <a:schemeClr val="lt2"/>
+              </a:buClr>
+              <a:buSzPct val="100000"/>
+              <a:buFont typeface="Wingdings"/>
+              <a:buChar char="§"/>
+              <a:defRPr sz="2400" b="0" i="0" u="none" strike="noStrike" cap="none" baseline="0">
+                <a:solidFill>
+                  <a:schemeClr val="lt2"/>
+                </a:solidFill>
+                <a:latin typeface="Arial" panose="00000000000000000000"/>
+                <a:ea typeface="Arial" panose="00000000000000000000"/>
+                <a:cs typeface="Arial" panose="00000000000000000000"/>
+                <a:sym typeface="Arial" panose="00000000000000000000"/>
+                <a:rtl val="0"/>
+              </a:defRPr>
+            </a:lvl3pPr>
+            <a:lvl4pPr marL="1657350" marR="0" indent="-285750" algn="l" rtl="0">
+              <a:lnSpc>
+                <a:spcPct val="100000"/>
+              </a:lnSpc>
+              <a:spcBef>
+                <a:spcPts val="360"/>
+              </a:spcBef>
+              <a:spcAft>
+                <a:spcPts val="0"/>
+              </a:spcAft>
+              <a:buClr>
+                <a:schemeClr val="lt2"/>
+              </a:buClr>
+              <a:buSzPct val="166666"/>
+              <a:buFont typeface="Arial"/>
+              <a:buChar char="•"/>
+              <a:defRPr sz="1800" b="0" i="0" u="none" strike="noStrike" cap="none" baseline="0">
+                <a:solidFill>
+                  <a:schemeClr val="lt2"/>
+                </a:solidFill>
+                <a:latin typeface="Arial" panose="00000000000000000000"/>
+                <a:ea typeface="Arial" panose="00000000000000000000"/>
+                <a:cs typeface="Arial" panose="00000000000000000000"/>
+                <a:sym typeface="Arial" panose="00000000000000000000"/>
+                <a:rtl val="0"/>
+              </a:defRPr>
+            </a:lvl4pPr>
+            <a:lvl5pPr marL="2114550" marR="0" indent="-285750" algn="l" rtl="0">
+              <a:lnSpc>
+                <a:spcPct val="100000"/>
+              </a:lnSpc>
+              <a:spcBef>
+                <a:spcPts val="360"/>
+              </a:spcBef>
+              <a:spcAft>
+                <a:spcPts val="0"/>
+              </a:spcAft>
+              <a:buClr>
+                <a:schemeClr val="lt2"/>
+              </a:buClr>
+              <a:buSzPct val="100000"/>
+              <a:buFont typeface="Courier New"/>
+              <a:buChar char="o"/>
+              <a:defRPr sz="1800" b="0" i="0" u="none" strike="noStrike" cap="none" baseline="0">
+                <a:solidFill>
+                  <a:schemeClr val="lt2"/>
+                </a:solidFill>
+                <a:latin typeface="Arial" panose="00000000000000000000"/>
+                <a:ea typeface="Arial" panose="00000000000000000000"/>
+                <a:cs typeface="Arial" panose="00000000000000000000"/>
+                <a:sym typeface="Arial" panose="00000000000000000000"/>
+                <a:rtl val="0"/>
+              </a:defRPr>
+            </a:lvl5pPr>
+            <a:lvl6pPr marL="2571750" marR="0" indent="-285750" algn="l" rtl="0">
+              <a:lnSpc>
+                <a:spcPct val="100000"/>
+              </a:lnSpc>
+              <a:spcBef>
+                <a:spcPts val="360"/>
+              </a:spcBef>
+              <a:spcAft>
+                <a:spcPts val="0"/>
+              </a:spcAft>
+              <a:buClr>
+                <a:schemeClr val="lt2"/>
+              </a:buClr>
+              <a:buSzPct val="100000"/>
+              <a:buFont typeface="Wingdings"/>
+              <a:buChar char="§"/>
+              <a:defRPr sz="1800" b="0" i="0" u="none" strike="noStrike" cap="none" baseline="0">
+                <a:solidFill>
+                  <a:schemeClr val="lt2"/>
+                </a:solidFill>
+                <a:latin typeface="Arial" panose="00000000000000000000"/>
+                <a:ea typeface="Arial" panose="00000000000000000000"/>
+                <a:cs typeface="Arial" panose="00000000000000000000"/>
+                <a:sym typeface="Arial" panose="00000000000000000000"/>
+                <a:rtl val="0"/>
+              </a:defRPr>
+            </a:lvl6pPr>
+            <a:lvl7pPr marL="3028950" marR="0" indent="-285750" algn="l" rtl="0">
+              <a:lnSpc>
+                <a:spcPct val="100000"/>
+              </a:lnSpc>
+              <a:spcBef>
+                <a:spcPts val="360"/>
+              </a:spcBef>
+              <a:spcAft>
+                <a:spcPts val="0"/>
+              </a:spcAft>
+              <a:buClr>
+                <a:schemeClr val="lt2"/>
+              </a:buClr>
+              <a:buSzPct val="166666"/>
+              <a:buFont typeface="Arial"/>
+              <a:buChar char="•"/>
+              <a:defRPr sz="1800" b="0" i="0" u="none" strike="noStrike" cap="none" baseline="0">
+                <a:solidFill>
+                  <a:schemeClr val="lt2"/>
+                </a:solidFill>
+                <a:latin typeface="Arial" panose="00000000000000000000"/>
+                <a:ea typeface="Arial" panose="00000000000000000000"/>
+                <a:cs typeface="Arial" panose="00000000000000000000"/>
+                <a:sym typeface="Arial" panose="00000000000000000000"/>
+                <a:rtl val="0"/>
+              </a:defRPr>
+            </a:lvl7pPr>
+            <a:lvl8pPr marL="3486150" marR="0" indent="-285750" algn="l" rtl="0">
+              <a:lnSpc>
+                <a:spcPct val="100000"/>
+              </a:lnSpc>
+              <a:spcBef>
+                <a:spcPts val="360"/>
+              </a:spcBef>
+              <a:spcAft>
+                <a:spcPts val="0"/>
+              </a:spcAft>
+              <a:buClr>
+                <a:schemeClr val="lt2"/>
+              </a:buClr>
+              <a:buSzPct val="100000"/>
+              <a:buFont typeface="Courier New"/>
+              <a:buChar char="o"/>
+              <a:defRPr sz="1800" b="0" i="0" u="none" strike="noStrike" cap="none" baseline="0">
+                <a:solidFill>
+                  <a:schemeClr val="lt2"/>
+                </a:solidFill>
+                <a:latin typeface="Arial" panose="00000000000000000000"/>
+                <a:ea typeface="Arial" panose="00000000000000000000"/>
+                <a:cs typeface="Arial" panose="00000000000000000000"/>
+                <a:sym typeface="Arial" panose="00000000000000000000"/>
+                <a:rtl val="0"/>
+              </a:defRPr>
+            </a:lvl8pPr>
+            <a:lvl9pPr marL="3943350" marR="0" indent="-285750" algn="l" rtl="0">
+              <a:lnSpc>
+                <a:spcPct val="100000"/>
+              </a:lnSpc>
+              <a:spcBef>
+                <a:spcPts val="360"/>
+              </a:spcBef>
+              <a:spcAft>
+                <a:spcPts val="0"/>
+              </a:spcAft>
+              <a:buClr>
+                <a:schemeClr val="lt2"/>
+              </a:buClr>
+              <a:buSzPct val="100000"/>
+              <a:buFont typeface="Wingdings"/>
+              <a:buChar char="§"/>
+              <a:defRPr sz="1800" b="0" i="0" u="none" strike="noStrike" cap="none" baseline="0">
+                <a:solidFill>
+                  <a:schemeClr val="lt2"/>
+                </a:solidFill>
+                <a:latin typeface="Arial" panose="00000000000000000000"/>
+                <a:ea typeface="Arial" panose="00000000000000000000"/>
+                <a:cs typeface="Arial" panose="00000000000000000000"/>
+                <a:sym typeface="Arial" panose="00000000000000000000"/>
+                <a:rtl val="0"/>
+              </a:defRPr>
+            </a:lvl9pPr>
+          </a:lstStyle>
+          <a:p>
+            <a:pPr marL="0" lvl="0" indent="0" algn="ctr">
+              <a:buNone/>
+            </a:pPr>
+            <a:r>
+              <a:rPr lang="en-US" sz="1800" dirty="0"/>
+              <a:t>Chris </a:t>
+            </a:r>
+            <a:r>
+              <a:rPr lang="en-US" sz="1800" dirty="0" err="1"/>
+              <a:t>Collazo</a:t>
+            </a:r>
+            <a:endParaRPr lang="en-US" sz="1800" dirty="0"/>
+          </a:p>
+        </p:txBody>
+      </p:sp>
     </p:spTree>
   </p:cSld>
   <p:clrMapOvr>
     <a:masterClrMapping/>
   </p:clrMapOvr>
-  <mc:AlternateContent xmlns:mc="http://schemas.openxmlformats.org/markup-compatibility/2006">
-    <mc:Choice xmlns:p14="http://schemas.microsoft.com/office/powerpoint/2010/main" Requires="p14">
+  <mc:AlternateContent xmlns:mc="http://schemas.openxmlformats.org/markup-compatibility/2006" xmlns:p14="http://schemas.microsoft.com/office/powerpoint/2010/main">
+    <mc:Choice Requires="p14">
       <p:transition spd="slow">
         <p14:vortex dir="u"/>
       </p:transition>
     </mc:Choice>
-    <mc:Fallback>
+    <mc:Fallback xmlns="">
       <p:transition spd="slow">
         <p:fade/>
       </p:transition>
@@ -12513,67 +12745,36 @@
             <a:pPr lvl="1"/>
             <a:r>
               <a:rPr lang="en-US" sz="1800" dirty="0" smtClean="0"/>
-              <a:t>Corona </a:t>
-            </a:r>
-            <a:r>
-              <a:rPr lang="en-US" sz="1800" dirty="0" smtClean="0"/>
-              <a:t>built-in physics engine accelerates the core gameplay</a:t>
+              <a:t>Corona built-in physics engine accelerates the core gameplay</a:t>
             </a:r>
           </a:p>
           <a:p>
             <a:pPr lvl="1"/>
             <a:r>
               <a:rPr lang="en-US" sz="1800" dirty="0" smtClean="0"/>
-              <a:t>Player will </a:t>
+              <a:t>Player will have a selection of unique units and materials</a:t>
             </a:r>
-            <a:r>
-              <a:rPr lang="en-US" sz="1800" dirty="0" smtClean="0"/>
-              <a:t>have a selection of unique units and materials</a:t>
-            </a:r>
-            <a:endParaRPr lang="en-US" sz="1800" dirty="0" smtClean="0"/>
           </a:p>
           <a:p>
             <a:pPr lvl="1"/>
             <a:r>
               <a:rPr lang="en-US" sz="1800" dirty="0" smtClean="0"/>
-              <a:t>Each </a:t>
+              <a:t>Each unit’s weapon will have unique interactions with the enemy’s structures and units</a:t>
             </a:r>
-            <a:r>
-              <a:rPr lang="en-US" sz="1800" dirty="0" smtClean="0"/>
-              <a:t>unit’s weapon </a:t>
-            </a:r>
-            <a:r>
-              <a:rPr lang="en-US" sz="1800" dirty="0" smtClean="0"/>
-              <a:t>will have unique interactions with the enemy’s structures and </a:t>
-            </a:r>
-            <a:r>
-              <a:rPr lang="en-US" sz="1800" dirty="0" smtClean="0"/>
-              <a:t>units</a:t>
-            </a:r>
-            <a:endParaRPr lang="en-US" sz="1800" dirty="0" smtClean="0"/>
           </a:p>
           <a:p>
             <a:pPr lvl="1"/>
             <a:r>
               <a:rPr lang="en-US" sz="1800" dirty="0" smtClean="0"/>
-              <a:t>Money </a:t>
-            </a:r>
-            <a:r>
-              <a:rPr lang="en-US" sz="1800" dirty="0" smtClean="0"/>
-              <a:t>must be managed</a:t>
+              <a:t>Money must be managed</a:t>
             </a:r>
           </a:p>
           <a:p>
             <a:pPr lvl="1"/>
             <a:r>
               <a:rPr lang="en-US" sz="1800" dirty="0" smtClean="0"/>
-              <a:t>Default units provided should the player not purchase </a:t>
+              <a:t>Default units provided should the player not purchase units</a:t>
             </a:r>
-            <a:r>
-              <a:rPr lang="en-US" sz="1800" dirty="0" smtClean="0"/>
-              <a:t>units</a:t>
-            </a:r>
-            <a:endParaRPr lang="en-US" sz="1800" dirty="0" smtClean="0"/>
           </a:p>
           <a:p>
             <a:pPr lvl="1"/>
@@ -12607,18 +12808,315 @@
           </a:p>
         </p:txBody>
       </p:sp>
+      <p:sp>
+        <p:nvSpPr>
+          <p:cNvPr id="4" name="Shape 75"/>
+          <p:cNvSpPr txBox="1">
+            <a:spLocks/>
+          </p:cNvSpPr>
+          <p:nvPr/>
+        </p:nvSpPr>
+        <p:spPr>
+          <a:xfrm>
+            <a:off x="7543800" y="6377893"/>
+            <a:ext cx="1600200" cy="461635"/>
+          </a:xfrm>
+          <a:prstGeom prst="rect">
+            <a:avLst/>
+          </a:prstGeom>
+          <a:noFill/>
+          <a:ln>
+            <a:noFill/>
+          </a:ln>
+        </p:spPr>
+        <p:txBody>
+          <a:bodyPr wrap="square" lIns="91425" tIns="91425" rIns="91425" bIns="91425" anchor="t" anchorCtr="0">
+            <a:spAutoFit/>
+          </a:bodyPr>
+          <a:lstStyle>
+            <a:defPPr marR="0" algn="l" rtl="0">
+              <a:lnSpc>
+                <a:spcPct val="100000"/>
+              </a:lnSpc>
+              <a:spcBef>
+                <a:spcPts val="0"/>
+              </a:spcBef>
+              <a:spcAft>
+                <a:spcPts val="0"/>
+              </a:spcAft>
+            </a:defPPr>
+            <a:lvl1pPr marL="457200" marR="0" indent="-457200" algn="l" rtl="0">
+              <a:lnSpc>
+                <a:spcPct val="100000"/>
+              </a:lnSpc>
+              <a:spcBef>
+                <a:spcPts val="600"/>
+              </a:spcBef>
+              <a:spcAft>
+                <a:spcPts val="0"/>
+              </a:spcAft>
+              <a:buClr>
+                <a:schemeClr val="lt2"/>
+              </a:buClr>
+              <a:buSzPct val="166666"/>
+              <a:buFont typeface="Arial"/>
+              <a:buChar char="•"/>
+              <a:defRPr sz="3000" b="0" i="0" u="none" strike="noStrike" cap="none" baseline="0">
+                <a:solidFill>
+                  <a:schemeClr val="lt2"/>
+                </a:solidFill>
+                <a:latin typeface="Arial" panose="00000000000000000000"/>
+                <a:ea typeface="Arial" panose="00000000000000000000"/>
+                <a:cs typeface="Arial" panose="00000000000000000000"/>
+                <a:sym typeface="Arial" panose="00000000000000000000"/>
+                <a:rtl val="0"/>
+              </a:defRPr>
+            </a:lvl1pPr>
+            <a:lvl2pPr marL="800100" marR="0" indent="-342900" algn="l" rtl="0">
+              <a:lnSpc>
+                <a:spcPct val="100000"/>
+              </a:lnSpc>
+              <a:spcBef>
+                <a:spcPts val="480"/>
+              </a:spcBef>
+              <a:spcAft>
+                <a:spcPts val="0"/>
+              </a:spcAft>
+              <a:buClr>
+                <a:schemeClr val="lt2"/>
+              </a:buClr>
+              <a:buSzPct val="100000"/>
+              <a:buFont typeface="Courier New"/>
+              <a:buChar char="o"/>
+              <a:defRPr sz="2400" b="0" i="0" u="none" strike="noStrike" cap="none" baseline="0">
+                <a:solidFill>
+                  <a:schemeClr val="lt2"/>
+                </a:solidFill>
+                <a:latin typeface="Arial" panose="00000000000000000000"/>
+                <a:ea typeface="Arial" panose="00000000000000000000"/>
+                <a:cs typeface="Arial" panose="00000000000000000000"/>
+                <a:sym typeface="Arial" panose="00000000000000000000"/>
+                <a:rtl val="0"/>
+              </a:defRPr>
+            </a:lvl2pPr>
+            <a:lvl3pPr marL="1257300" marR="0" indent="-342900" algn="l" rtl="0">
+              <a:lnSpc>
+                <a:spcPct val="100000"/>
+              </a:lnSpc>
+              <a:spcBef>
+                <a:spcPts val="480"/>
+              </a:spcBef>
+              <a:spcAft>
+                <a:spcPts val="0"/>
+              </a:spcAft>
+              <a:buClr>
+                <a:schemeClr val="lt2"/>
+              </a:buClr>
+              <a:buSzPct val="100000"/>
+              <a:buFont typeface="Wingdings"/>
+              <a:buChar char="§"/>
+              <a:defRPr sz="2400" b="0" i="0" u="none" strike="noStrike" cap="none" baseline="0">
+                <a:solidFill>
+                  <a:schemeClr val="lt2"/>
+                </a:solidFill>
+                <a:latin typeface="Arial" panose="00000000000000000000"/>
+                <a:ea typeface="Arial" panose="00000000000000000000"/>
+                <a:cs typeface="Arial" panose="00000000000000000000"/>
+                <a:sym typeface="Arial" panose="00000000000000000000"/>
+                <a:rtl val="0"/>
+              </a:defRPr>
+            </a:lvl3pPr>
+            <a:lvl4pPr marL="1657350" marR="0" indent="-285750" algn="l" rtl="0">
+              <a:lnSpc>
+                <a:spcPct val="100000"/>
+              </a:lnSpc>
+              <a:spcBef>
+                <a:spcPts val="360"/>
+              </a:spcBef>
+              <a:spcAft>
+                <a:spcPts val="0"/>
+              </a:spcAft>
+              <a:buClr>
+                <a:schemeClr val="lt2"/>
+              </a:buClr>
+              <a:buSzPct val="166666"/>
+              <a:buFont typeface="Arial"/>
+              <a:buChar char="•"/>
+              <a:defRPr sz="1800" b="0" i="0" u="none" strike="noStrike" cap="none" baseline="0">
+                <a:solidFill>
+                  <a:schemeClr val="lt2"/>
+                </a:solidFill>
+                <a:latin typeface="Arial" panose="00000000000000000000"/>
+                <a:ea typeface="Arial" panose="00000000000000000000"/>
+                <a:cs typeface="Arial" panose="00000000000000000000"/>
+                <a:sym typeface="Arial" panose="00000000000000000000"/>
+                <a:rtl val="0"/>
+              </a:defRPr>
+            </a:lvl4pPr>
+            <a:lvl5pPr marL="2114550" marR="0" indent="-285750" algn="l" rtl="0">
+              <a:lnSpc>
+                <a:spcPct val="100000"/>
+              </a:lnSpc>
+              <a:spcBef>
+                <a:spcPts val="360"/>
+              </a:spcBef>
+              <a:spcAft>
+                <a:spcPts val="0"/>
+              </a:spcAft>
+              <a:buClr>
+                <a:schemeClr val="lt2"/>
+              </a:buClr>
+              <a:buSzPct val="100000"/>
+              <a:buFont typeface="Courier New"/>
+              <a:buChar char="o"/>
+              <a:defRPr sz="1800" b="0" i="0" u="none" strike="noStrike" cap="none" baseline="0">
+                <a:solidFill>
+                  <a:schemeClr val="lt2"/>
+                </a:solidFill>
+                <a:latin typeface="Arial" panose="00000000000000000000"/>
+                <a:ea typeface="Arial" panose="00000000000000000000"/>
+                <a:cs typeface="Arial" panose="00000000000000000000"/>
+                <a:sym typeface="Arial" panose="00000000000000000000"/>
+                <a:rtl val="0"/>
+              </a:defRPr>
+            </a:lvl5pPr>
+            <a:lvl6pPr marL="2571750" marR="0" indent="-285750" algn="l" rtl="0">
+              <a:lnSpc>
+                <a:spcPct val="100000"/>
+              </a:lnSpc>
+              <a:spcBef>
+                <a:spcPts val="360"/>
+              </a:spcBef>
+              <a:spcAft>
+                <a:spcPts val="0"/>
+              </a:spcAft>
+              <a:buClr>
+                <a:schemeClr val="lt2"/>
+              </a:buClr>
+              <a:buSzPct val="100000"/>
+              <a:buFont typeface="Wingdings"/>
+              <a:buChar char="§"/>
+              <a:defRPr sz="1800" b="0" i="0" u="none" strike="noStrike" cap="none" baseline="0">
+                <a:solidFill>
+                  <a:schemeClr val="lt2"/>
+                </a:solidFill>
+                <a:latin typeface="Arial" panose="00000000000000000000"/>
+                <a:ea typeface="Arial" panose="00000000000000000000"/>
+                <a:cs typeface="Arial" panose="00000000000000000000"/>
+                <a:sym typeface="Arial" panose="00000000000000000000"/>
+                <a:rtl val="0"/>
+              </a:defRPr>
+            </a:lvl6pPr>
+            <a:lvl7pPr marL="3028950" marR="0" indent="-285750" algn="l" rtl="0">
+              <a:lnSpc>
+                <a:spcPct val="100000"/>
+              </a:lnSpc>
+              <a:spcBef>
+                <a:spcPts val="360"/>
+              </a:spcBef>
+              <a:spcAft>
+                <a:spcPts val="0"/>
+              </a:spcAft>
+              <a:buClr>
+                <a:schemeClr val="lt2"/>
+              </a:buClr>
+              <a:buSzPct val="166666"/>
+              <a:buFont typeface="Arial"/>
+              <a:buChar char="•"/>
+              <a:defRPr sz="1800" b="0" i="0" u="none" strike="noStrike" cap="none" baseline="0">
+                <a:solidFill>
+                  <a:schemeClr val="lt2"/>
+                </a:solidFill>
+                <a:latin typeface="Arial" panose="00000000000000000000"/>
+                <a:ea typeface="Arial" panose="00000000000000000000"/>
+                <a:cs typeface="Arial" panose="00000000000000000000"/>
+                <a:sym typeface="Arial" panose="00000000000000000000"/>
+                <a:rtl val="0"/>
+              </a:defRPr>
+            </a:lvl7pPr>
+            <a:lvl8pPr marL="3486150" marR="0" indent="-285750" algn="l" rtl="0">
+              <a:lnSpc>
+                <a:spcPct val="100000"/>
+              </a:lnSpc>
+              <a:spcBef>
+                <a:spcPts val="360"/>
+              </a:spcBef>
+              <a:spcAft>
+                <a:spcPts val="0"/>
+              </a:spcAft>
+              <a:buClr>
+                <a:schemeClr val="lt2"/>
+              </a:buClr>
+              <a:buSzPct val="100000"/>
+              <a:buFont typeface="Courier New"/>
+              <a:buChar char="o"/>
+              <a:defRPr sz="1800" b="0" i="0" u="none" strike="noStrike" cap="none" baseline="0">
+                <a:solidFill>
+                  <a:schemeClr val="lt2"/>
+                </a:solidFill>
+                <a:latin typeface="Arial" panose="00000000000000000000"/>
+                <a:ea typeface="Arial" panose="00000000000000000000"/>
+                <a:cs typeface="Arial" panose="00000000000000000000"/>
+                <a:sym typeface="Arial" panose="00000000000000000000"/>
+                <a:rtl val="0"/>
+              </a:defRPr>
+            </a:lvl8pPr>
+            <a:lvl9pPr marL="3943350" marR="0" indent="-285750" algn="l" rtl="0">
+              <a:lnSpc>
+                <a:spcPct val="100000"/>
+              </a:lnSpc>
+              <a:spcBef>
+                <a:spcPts val="360"/>
+              </a:spcBef>
+              <a:spcAft>
+                <a:spcPts val="0"/>
+              </a:spcAft>
+              <a:buClr>
+                <a:schemeClr val="lt2"/>
+              </a:buClr>
+              <a:buSzPct val="100000"/>
+              <a:buFont typeface="Wingdings"/>
+              <a:buChar char="§"/>
+              <a:defRPr sz="1800" b="0" i="0" u="none" strike="noStrike" cap="none" baseline="0">
+                <a:solidFill>
+                  <a:schemeClr val="lt2"/>
+                </a:solidFill>
+                <a:latin typeface="Arial" panose="00000000000000000000"/>
+                <a:ea typeface="Arial" panose="00000000000000000000"/>
+                <a:cs typeface="Arial" panose="00000000000000000000"/>
+                <a:sym typeface="Arial" panose="00000000000000000000"/>
+                <a:rtl val="0"/>
+              </a:defRPr>
+            </a:lvl9pPr>
+          </a:lstStyle>
+          <a:p>
+            <a:pPr marL="0" lvl="0" indent="0" algn="ctr">
+              <a:buNone/>
+            </a:pPr>
+            <a:r>
+              <a:rPr lang="en-US" sz="1800" dirty="0"/>
+              <a:t>Chris </a:t>
+            </a:r>
+            <a:r>
+              <a:rPr lang="en-US" sz="1800" dirty="0" err="1"/>
+              <a:t>Collazo</a:t>
+            </a:r>
+            <a:endParaRPr lang="en-US" sz="1800" dirty="0"/>
+          </a:p>
+        </p:txBody>
+      </p:sp>
     </p:spTree>
   </p:cSld>
   <p:clrMapOvr>
     <a:masterClrMapping/>
   </p:clrMapOvr>
-  <mc:AlternateContent xmlns:mc="http://schemas.openxmlformats.org/markup-compatibility/2006">
-    <mc:Choice xmlns:p14="http://schemas.microsoft.com/office/powerpoint/2010/main" Requires="p14">
+  <mc:AlternateContent xmlns:mc="http://schemas.openxmlformats.org/markup-compatibility/2006" xmlns:p14="http://schemas.microsoft.com/office/powerpoint/2010/main">
+    <mc:Choice Requires="p14">
       <p:transition spd="slow">
         <p14:vortex dir="u"/>
       </p:transition>
     </mc:Choice>
-    <mc:Fallback>
+    <mc:Fallback xmlns="">
       <p:transition spd="slow">
         <p:fade/>
       </p:transition>
@@ -12706,7 +13204,6 @@
               <a:rPr lang="en-US" sz="2400" dirty="0" smtClean="0"/>
               <a:t>Enemy base class</a:t>
             </a:r>
-            <a:endParaRPr lang="en-US" sz="2400" dirty="0" smtClean="0"/>
           </a:p>
         </p:txBody>
       </p:sp>
@@ -12734,18 +13231,315 @@
           </a:p>
         </p:txBody>
       </p:sp>
+      <p:sp>
+        <p:nvSpPr>
+          <p:cNvPr id="4" name="Shape 75"/>
+          <p:cNvSpPr txBox="1">
+            <a:spLocks/>
+          </p:cNvSpPr>
+          <p:nvPr/>
+        </p:nvSpPr>
+        <p:spPr>
+          <a:xfrm>
+            <a:off x="7543800" y="6377893"/>
+            <a:ext cx="1600200" cy="461635"/>
+          </a:xfrm>
+          <a:prstGeom prst="rect">
+            <a:avLst/>
+          </a:prstGeom>
+          <a:noFill/>
+          <a:ln>
+            <a:noFill/>
+          </a:ln>
+        </p:spPr>
+        <p:txBody>
+          <a:bodyPr wrap="square" lIns="91425" tIns="91425" rIns="91425" bIns="91425" anchor="t" anchorCtr="0">
+            <a:spAutoFit/>
+          </a:bodyPr>
+          <a:lstStyle>
+            <a:defPPr marR="0" algn="l" rtl="0">
+              <a:lnSpc>
+                <a:spcPct val="100000"/>
+              </a:lnSpc>
+              <a:spcBef>
+                <a:spcPts val="0"/>
+              </a:spcBef>
+              <a:spcAft>
+                <a:spcPts val="0"/>
+              </a:spcAft>
+            </a:defPPr>
+            <a:lvl1pPr marL="457200" marR="0" indent="-457200" algn="l" rtl="0">
+              <a:lnSpc>
+                <a:spcPct val="100000"/>
+              </a:lnSpc>
+              <a:spcBef>
+                <a:spcPts val="600"/>
+              </a:spcBef>
+              <a:spcAft>
+                <a:spcPts val="0"/>
+              </a:spcAft>
+              <a:buClr>
+                <a:schemeClr val="lt2"/>
+              </a:buClr>
+              <a:buSzPct val="166666"/>
+              <a:buFont typeface="Arial"/>
+              <a:buChar char="•"/>
+              <a:defRPr sz="3000" b="0" i="0" u="none" strike="noStrike" cap="none" baseline="0">
+                <a:solidFill>
+                  <a:schemeClr val="lt2"/>
+                </a:solidFill>
+                <a:latin typeface="Arial" panose="00000000000000000000"/>
+                <a:ea typeface="Arial" panose="00000000000000000000"/>
+                <a:cs typeface="Arial" panose="00000000000000000000"/>
+                <a:sym typeface="Arial" panose="00000000000000000000"/>
+                <a:rtl val="0"/>
+              </a:defRPr>
+            </a:lvl1pPr>
+            <a:lvl2pPr marL="800100" marR="0" indent="-342900" algn="l" rtl="0">
+              <a:lnSpc>
+                <a:spcPct val="100000"/>
+              </a:lnSpc>
+              <a:spcBef>
+                <a:spcPts val="480"/>
+              </a:spcBef>
+              <a:spcAft>
+                <a:spcPts val="0"/>
+              </a:spcAft>
+              <a:buClr>
+                <a:schemeClr val="lt2"/>
+              </a:buClr>
+              <a:buSzPct val="100000"/>
+              <a:buFont typeface="Courier New"/>
+              <a:buChar char="o"/>
+              <a:defRPr sz="2400" b="0" i="0" u="none" strike="noStrike" cap="none" baseline="0">
+                <a:solidFill>
+                  <a:schemeClr val="lt2"/>
+                </a:solidFill>
+                <a:latin typeface="Arial" panose="00000000000000000000"/>
+                <a:ea typeface="Arial" panose="00000000000000000000"/>
+                <a:cs typeface="Arial" panose="00000000000000000000"/>
+                <a:sym typeface="Arial" panose="00000000000000000000"/>
+                <a:rtl val="0"/>
+              </a:defRPr>
+            </a:lvl2pPr>
+            <a:lvl3pPr marL="1257300" marR="0" indent="-342900" algn="l" rtl="0">
+              <a:lnSpc>
+                <a:spcPct val="100000"/>
+              </a:lnSpc>
+              <a:spcBef>
+                <a:spcPts val="480"/>
+              </a:spcBef>
+              <a:spcAft>
+                <a:spcPts val="0"/>
+              </a:spcAft>
+              <a:buClr>
+                <a:schemeClr val="lt2"/>
+              </a:buClr>
+              <a:buSzPct val="100000"/>
+              <a:buFont typeface="Wingdings"/>
+              <a:buChar char="§"/>
+              <a:defRPr sz="2400" b="0" i="0" u="none" strike="noStrike" cap="none" baseline="0">
+                <a:solidFill>
+                  <a:schemeClr val="lt2"/>
+                </a:solidFill>
+                <a:latin typeface="Arial" panose="00000000000000000000"/>
+                <a:ea typeface="Arial" panose="00000000000000000000"/>
+                <a:cs typeface="Arial" panose="00000000000000000000"/>
+                <a:sym typeface="Arial" panose="00000000000000000000"/>
+                <a:rtl val="0"/>
+              </a:defRPr>
+            </a:lvl3pPr>
+            <a:lvl4pPr marL="1657350" marR="0" indent="-285750" algn="l" rtl="0">
+              <a:lnSpc>
+                <a:spcPct val="100000"/>
+              </a:lnSpc>
+              <a:spcBef>
+                <a:spcPts val="360"/>
+              </a:spcBef>
+              <a:spcAft>
+                <a:spcPts val="0"/>
+              </a:spcAft>
+              <a:buClr>
+                <a:schemeClr val="lt2"/>
+              </a:buClr>
+              <a:buSzPct val="166666"/>
+              <a:buFont typeface="Arial"/>
+              <a:buChar char="•"/>
+              <a:defRPr sz="1800" b="0" i="0" u="none" strike="noStrike" cap="none" baseline="0">
+                <a:solidFill>
+                  <a:schemeClr val="lt2"/>
+                </a:solidFill>
+                <a:latin typeface="Arial" panose="00000000000000000000"/>
+                <a:ea typeface="Arial" panose="00000000000000000000"/>
+                <a:cs typeface="Arial" panose="00000000000000000000"/>
+                <a:sym typeface="Arial" panose="00000000000000000000"/>
+                <a:rtl val="0"/>
+              </a:defRPr>
+            </a:lvl4pPr>
+            <a:lvl5pPr marL="2114550" marR="0" indent="-285750" algn="l" rtl="0">
+              <a:lnSpc>
+                <a:spcPct val="100000"/>
+              </a:lnSpc>
+              <a:spcBef>
+                <a:spcPts val="360"/>
+              </a:spcBef>
+              <a:spcAft>
+                <a:spcPts val="0"/>
+              </a:spcAft>
+              <a:buClr>
+                <a:schemeClr val="lt2"/>
+              </a:buClr>
+              <a:buSzPct val="100000"/>
+              <a:buFont typeface="Courier New"/>
+              <a:buChar char="o"/>
+              <a:defRPr sz="1800" b="0" i="0" u="none" strike="noStrike" cap="none" baseline="0">
+                <a:solidFill>
+                  <a:schemeClr val="lt2"/>
+                </a:solidFill>
+                <a:latin typeface="Arial" panose="00000000000000000000"/>
+                <a:ea typeface="Arial" panose="00000000000000000000"/>
+                <a:cs typeface="Arial" panose="00000000000000000000"/>
+                <a:sym typeface="Arial" panose="00000000000000000000"/>
+                <a:rtl val="0"/>
+              </a:defRPr>
+            </a:lvl5pPr>
+            <a:lvl6pPr marL="2571750" marR="0" indent="-285750" algn="l" rtl="0">
+              <a:lnSpc>
+                <a:spcPct val="100000"/>
+              </a:lnSpc>
+              <a:spcBef>
+                <a:spcPts val="360"/>
+              </a:spcBef>
+              <a:spcAft>
+                <a:spcPts val="0"/>
+              </a:spcAft>
+              <a:buClr>
+                <a:schemeClr val="lt2"/>
+              </a:buClr>
+              <a:buSzPct val="100000"/>
+              <a:buFont typeface="Wingdings"/>
+              <a:buChar char="§"/>
+              <a:defRPr sz="1800" b="0" i="0" u="none" strike="noStrike" cap="none" baseline="0">
+                <a:solidFill>
+                  <a:schemeClr val="lt2"/>
+                </a:solidFill>
+                <a:latin typeface="Arial" panose="00000000000000000000"/>
+                <a:ea typeface="Arial" panose="00000000000000000000"/>
+                <a:cs typeface="Arial" panose="00000000000000000000"/>
+                <a:sym typeface="Arial" panose="00000000000000000000"/>
+                <a:rtl val="0"/>
+              </a:defRPr>
+            </a:lvl6pPr>
+            <a:lvl7pPr marL="3028950" marR="0" indent="-285750" algn="l" rtl="0">
+              <a:lnSpc>
+                <a:spcPct val="100000"/>
+              </a:lnSpc>
+              <a:spcBef>
+                <a:spcPts val="360"/>
+              </a:spcBef>
+              <a:spcAft>
+                <a:spcPts val="0"/>
+              </a:spcAft>
+              <a:buClr>
+                <a:schemeClr val="lt2"/>
+              </a:buClr>
+              <a:buSzPct val="166666"/>
+              <a:buFont typeface="Arial"/>
+              <a:buChar char="•"/>
+              <a:defRPr sz="1800" b="0" i="0" u="none" strike="noStrike" cap="none" baseline="0">
+                <a:solidFill>
+                  <a:schemeClr val="lt2"/>
+                </a:solidFill>
+                <a:latin typeface="Arial" panose="00000000000000000000"/>
+                <a:ea typeface="Arial" panose="00000000000000000000"/>
+                <a:cs typeface="Arial" panose="00000000000000000000"/>
+                <a:sym typeface="Arial" panose="00000000000000000000"/>
+                <a:rtl val="0"/>
+              </a:defRPr>
+            </a:lvl7pPr>
+            <a:lvl8pPr marL="3486150" marR="0" indent="-285750" algn="l" rtl="0">
+              <a:lnSpc>
+                <a:spcPct val="100000"/>
+              </a:lnSpc>
+              <a:spcBef>
+                <a:spcPts val="360"/>
+              </a:spcBef>
+              <a:spcAft>
+                <a:spcPts val="0"/>
+              </a:spcAft>
+              <a:buClr>
+                <a:schemeClr val="lt2"/>
+              </a:buClr>
+              <a:buSzPct val="100000"/>
+              <a:buFont typeface="Courier New"/>
+              <a:buChar char="o"/>
+              <a:defRPr sz="1800" b="0" i="0" u="none" strike="noStrike" cap="none" baseline="0">
+                <a:solidFill>
+                  <a:schemeClr val="lt2"/>
+                </a:solidFill>
+                <a:latin typeface="Arial" panose="00000000000000000000"/>
+                <a:ea typeface="Arial" panose="00000000000000000000"/>
+                <a:cs typeface="Arial" panose="00000000000000000000"/>
+                <a:sym typeface="Arial" panose="00000000000000000000"/>
+                <a:rtl val="0"/>
+              </a:defRPr>
+            </a:lvl8pPr>
+            <a:lvl9pPr marL="3943350" marR="0" indent="-285750" algn="l" rtl="0">
+              <a:lnSpc>
+                <a:spcPct val="100000"/>
+              </a:lnSpc>
+              <a:spcBef>
+                <a:spcPts val="360"/>
+              </a:spcBef>
+              <a:spcAft>
+                <a:spcPts val="0"/>
+              </a:spcAft>
+              <a:buClr>
+                <a:schemeClr val="lt2"/>
+              </a:buClr>
+              <a:buSzPct val="100000"/>
+              <a:buFont typeface="Wingdings"/>
+              <a:buChar char="§"/>
+              <a:defRPr sz="1800" b="0" i="0" u="none" strike="noStrike" cap="none" baseline="0">
+                <a:solidFill>
+                  <a:schemeClr val="lt2"/>
+                </a:solidFill>
+                <a:latin typeface="Arial" panose="00000000000000000000"/>
+                <a:ea typeface="Arial" panose="00000000000000000000"/>
+                <a:cs typeface="Arial" panose="00000000000000000000"/>
+                <a:sym typeface="Arial" panose="00000000000000000000"/>
+                <a:rtl val="0"/>
+              </a:defRPr>
+            </a:lvl9pPr>
+          </a:lstStyle>
+          <a:p>
+            <a:pPr marL="0" lvl="0" indent="0" algn="ctr">
+              <a:buNone/>
+            </a:pPr>
+            <a:r>
+              <a:rPr lang="en-US" sz="1800" dirty="0"/>
+              <a:t>Chris </a:t>
+            </a:r>
+            <a:r>
+              <a:rPr lang="en-US" sz="1800" dirty="0" err="1"/>
+              <a:t>Collazo</a:t>
+            </a:r>
+            <a:endParaRPr lang="en-US" sz="1800" dirty="0"/>
+          </a:p>
+        </p:txBody>
+      </p:sp>
     </p:spTree>
   </p:cSld>
   <p:clrMapOvr>
     <a:masterClrMapping/>
   </p:clrMapOvr>
-  <mc:AlternateContent xmlns:mc="http://schemas.openxmlformats.org/markup-compatibility/2006">
-    <mc:Choice xmlns:p14="http://schemas.microsoft.com/office/powerpoint/2010/main" Requires="p14">
+  <mc:AlternateContent xmlns:mc="http://schemas.openxmlformats.org/markup-compatibility/2006" xmlns:p14="http://schemas.microsoft.com/office/powerpoint/2010/main">
+    <mc:Choice Requires="p14">
       <p:transition spd="slow">
         <p14:vortex dir="u"/>
       </p:transition>
     </mc:Choice>
-    <mc:Fallback>
+    <mc:Fallback xmlns="">
       <p:transition spd="slow">
         <p:fade/>
       </p:transition>

--- a/Presentation/FirstReleaseFinal.pptx
+++ b/Presentation/FirstReleaseFinal.pptx
@@ -17,7 +17,7 @@
     <p:sldId id="266" r:id="rId8"/>
     <p:sldId id="263" r:id="rId9"/>
     <p:sldId id="264" r:id="rId10"/>
-    <p:sldId id="267" r:id="rId11"/>
+    <p:sldId id="279" r:id="rId11"/>
     <p:sldId id="277" r:id="rId12"/>
     <p:sldId id="275" r:id="rId13"/>
     <p:sldId id="276" r:id="rId14"/>
@@ -239,7 +239,7 @@
             <p14:sldId id="266"/>
             <p14:sldId id="263"/>
             <p14:sldId id="264"/>
-            <p14:sldId id="267"/>
+            <p14:sldId id="279"/>
             <p14:sldId id="277"/>
             <p14:sldId id="275"/>
             <p14:sldId id="276"/>
@@ -1664,7 +1664,7 @@
   <p:cSld>
     <p:spTree>
       <p:nvGrpSpPr>
-        <p:cNvPr id="1" name="Shape 141"/>
+        <p:cNvPr id="1" name="Shape 158"/>
         <p:cNvGrpSpPr/>
         <p:nvPr/>
       </p:nvGrpSpPr>
@@ -1678,7 +1678,7 @@
       </p:grpSpPr>
       <p:sp>
         <p:nvSpPr>
-          <p:cNvPr id="142" name="Shape 142"/>
+          <p:cNvPr id="159" name="Shape 159"/>
           <p:cNvSpPr>
             <a:spLocks noGrp="1" noRot="1" noChangeAspect="1"/>
           </p:cNvSpPr>
@@ -1729,7 +1729,7 @@
       </p:sp>
       <p:sp>
         <p:nvSpPr>
-          <p:cNvPr id="143" name="Shape 143"/>
+          <p:cNvPr id="160" name="Shape 160"/>
           <p:cNvSpPr>
             <a:spLocks noGrp="1"/>
           </p:cNvSpPr>
@@ -1756,11 +1756,7 @@
           </a:bodyPr>
           <a:lstStyle/>
           <a:p>
-            <a:pPr lvl="0"/>
-            <a:r>
-              <a:rPr/>
-              <a:t>This slide sums up the Multiplayer slides and we may even be able to add stuff from </a:t>
-            </a:r>
+            <a:endParaRPr/>
           </a:p>
         </p:txBody>
       </p:sp>
@@ -13137,7 +13133,7 @@
   <p:cSld>
     <p:spTree>
       <p:nvGrpSpPr>
-        <p:cNvPr id="1" name="Shape 138"/>
+        <p:cNvPr id="1" name="Shape 156"/>
         <p:cNvGrpSpPr/>
         <p:nvPr/>
       </p:nvGrpSpPr>
@@ -13151,89 +13147,43 @@
       </p:grpSpPr>
       <p:sp>
         <p:nvSpPr>
-          <p:cNvPr id="139" name="Shape 139"/>
-          <p:cNvSpPr>
-            <a:spLocks noGrp="1"/>
-          </p:cNvSpPr>
-          <p:nvPr>
-            <p:ph type="body" idx="1"/>
-          </p:nvPr>
+          <p:cNvPr id="157" name="Shape 157"/>
+          <p:cNvSpPr/>
+          <p:nvPr/>
         </p:nvSpPr>
-        <p:spPr/>
+        <p:spPr>
+          <a:xfrm>
+            <a:off x="2444700" y="2363175"/>
+            <a:ext cx="4254600" cy="1107965"/>
+          </a:xfrm>
+          <a:prstGeom prst="rect">
+            <a:avLst/>
+          </a:prstGeom>
+          <a:solidFill>
+            <a:schemeClr val="accent3"/>
+          </a:solidFill>
+          <a:ln>
+            <a:noFill/>
+          </a:ln>
+        </p:spPr>
         <p:txBody>
-          <a:bodyPr/>
+          <a:bodyPr lIns="91425" tIns="91425" rIns="91425" bIns="91425" anchor="t" anchorCtr="0">
+            <a:spAutoFit/>
+          </a:bodyPr>
           <a:lstStyle/>
           <a:p>
-            <a:pPr indent="-342900"/>
+            <a:pPr algn="ctr"/>
             <a:r>
-              <a:rPr lang="en-US" sz="2400" dirty="0" smtClean="0"/>
-              <a:t>Menu class</a:t>
+              <a:rPr lang="en-US" sz="6000" dirty="0" smtClean="0"/>
+              <a:t>UML</a:t>
             </a:r>
-          </a:p>
-          <a:p>
-            <a:pPr indent="-342900"/>
-            <a:r>
-              <a:rPr lang="en-US" sz="2400" dirty="0" smtClean="0"/>
-              <a:t>Level class</a:t>
-            </a:r>
-          </a:p>
-          <a:p>
-            <a:pPr indent="-342900"/>
-            <a:r>
-              <a:rPr lang="en-US" sz="2400" dirty="0" smtClean="0"/>
-              <a:t>Materials class</a:t>
-            </a:r>
-          </a:p>
-          <a:p>
-            <a:pPr indent="-342900"/>
-            <a:r>
-              <a:rPr lang="en-US" sz="2400" dirty="0" smtClean="0"/>
-              <a:t>Unit class</a:t>
-            </a:r>
-          </a:p>
-          <a:p>
-            <a:pPr indent="-342900"/>
-            <a:r>
-              <a:rPr lang="en-US" sz="2400" dirty="0" smtClean="0"/>
-              <a:t>Projectile class</a:t>
-            </a:r>
-          </a:p>
-          <a:p>
-            <a:pPr indent="-342900"/>
-            <a:r>
-              <a:rPr lang="en-US" sz="2400" dirty="0" smtClean="0"/>
-              <a:t>Enemy base class</a:t>
-            </a:r>
+            <a:endParaRPr sz="6000" dirty="0"/>
           </a:p>
         </p:txBody>
       </p:sp>
       <p:sp>
         <p:nvSpPr>
-          <p:cNvPr id="140" name="Shape 140"/>
-          <p:cNvSpPr>
-            <a:spLocks noGrp="1"/>
-          </p:cNvSpPr>
-          <p:nvPr>
-            <p:ph type="title"/>
-          </p:nvPr>
-        </p:nvSpPr>
-        <p:spPr/>
-        <p:txBody>
-          <a:bodyPr/>
-          <a:lstStyle/>
-          <a:p>
-            <a:pPr lvl="0"/>
-            <a:r>
-              <a:rPr lang="en-US" dirty="0" smtClean="0"/>
-              <a:t>UML</a:t>
-            </a:r>
-            <a:endParaRPr lang="en-US" dirty="0"/>
-          </a:p>
-        </p:txBody>
-      </p:sp>
-      <p:sp>
-        <p:nvSpPr>
-          <p:cNvPr id="4" name="Shape 75"/>
+          <p:cNvPr id="3" name="Shape 75"/>
           <p:cNvSpPr txBox="1">
             <a:spLocks/>
           </p:cNvSpPr>
@@ -13241,7 +13191,7 @@
         </p:nvSpPr>
         <p:spPr>
           <a:xfrm>
-            <a:off x="7543800" y="6377893"/>
+            <a:off x="7543800" y="6248400"/>
             <a:ext cx="1600200" cy="461635"/>
           </a:xfrm>
           <a:prstGeom prst="rect">
@@ -13529,6 +13479,11 @@
         </p:txBody>
       </p:sp>
     </p:spTree>
+    <p:extLst>
+      <p:ext uri="{BB962C8B-B14F-4D97-AF65-F5344CB8AC3E}">
+        <p14:creationId xmlns:p14="http://schemas.microsoft.com/office/powerpoint/2010/main" val="4276234352"/>
+      </p:ext>
+    </p:extLst>
   </p:cSld>
   <p:clrMapOvr>
     <a:masterClrMapping/>
